--- a/file_dokumentasi/Presentasi Akhir final.pptx
+++ b/file_dokumentasi/Presentasi Akhir final.pptx
@@ -13,15 +13,15 @@
     <p:sldId id="259" r:id="rId7"/>
     <p:sldId id="260" r:id="rId8"/>
     <p:sldId id="269" r:id="rId9"/>
-    <p:sldId id="261" r:id="rId10"/>
-    <p:sldId id="271" r:id="rId11"/>
-    <p:sldId id="263" r:id="rId12"/>
-    <p:sldId id="264" r:id="rId13"/>
-    <p:sldId id="265" r:id="rId14"/>
-    <p:sldId id="266" r:id="rId15"/>
-    <p:sldId id="267" r:id="rId16"/>
-    <p:sldId id="268" r:id="rId17"/>
-    <p:sldId id="270" r:id="rId18"/>
+    <p:sldId id="271" r:id="rId10"/>
+    <p:sldId id="263" r:id="rId11"/>
+    <p:sldId id="264" r:id="rId12"/>
+    <p:sldId id="265" r:id="rId13"/>
+    <p:sldId id="266" r:id="rId14"/>
+    <p:sldId id="267" r:id="rId15"/>
+    <p:sldId id="268" r:id="rId16"/>
+    <p:sldId id="270" r:id="rId17"/>
+    <p:sldId id="261" r:id="rId18"/>
   </p:sldIdLst>
   <p:sldSz cx="12192000" cy="6858000"/>
   <p:notesSz cx="6858000" cy="9144000"/>
@@ -232,7 +232,7 @@
           </a:lstStyle>
           <a:p>
             <a:r>
-              <a:rPr lang="en-US" smtClean="0"/>
+              <a:rPr lang="en-US"/>
               <a:t>Click to edit Master title style</a:t>
             </a:r>
             <a:endParaRPr lang="en-US" dirty="0"/>
@@ -303,7 +303,7 @@
           </a:lstStyle>
           <a:p>
             <a:r>
-              <a:rPr lang="en-US" smtClean="0"/>
+              <a:rPr lang="en-US"/>
               <a:t>Click to edit Master subtitle style</a:t>
             </a:r>
             <a:endParaRPr lang="en-US" dirty="0"/>
@@ -482,7 +482,7 @@
           <a:lstStyle/>
           <a:p>
             <a:r>
-              <a:rPr lang="en-US" smtClean="0"/>
+              <a:rPr lang="en-US"/>
               <a:t>Click to edit Master title style</a:t>
             </a:r>
             <a:endParaRPr lang="en-US" dirty="0"/>
@@ -506,35 +506,35 @@
           <a:p>
             <a:pPr lvl="0"/>
             <a:r>
-              <a:rPr lang="en-US" smtClean="0"/>
+              <a:rPr lang="en-US"/>
               <a:t>Click to edit Master text styles</a:t>
             </a:r>
           </a:p>
           <a:p>
             <a:pPr lvl="1"/>
             <a:r>
-              <a:rPr lang="en-US" smtClean="0"/>
+              <a:rPr lang="en-US"/>
               <a:t>Second level</a:t>
             </a:r>
           </a:p>
           <a:p>
             <a:pPr lvl="2"/>
             <a:r>
-              <a:rPr lang="en-US" smtClean="0"/>
+              <a:rPr lang="en-US"/>
               <a:t>Third level</a:t>
             </a:r>
           </a:p>
           <a:p>
             <a:pPr lvl="3"/>
             <a:r>
-              <a:rPr lang="en-US" smtClean="0"/>
+              <a:rPr lang="en-US"/>
               <a:t>Fourth level</a:t>
             </a:r>
           </a:p>
           <a:p>
             <a:pPr lvl="4"/>
             <a:r>
-              <a:rPr lang="en-US" smtClean="0"/>
+              <a:rPr lang="en-US"/>
               <a:t>Fifth level</a:t>
             </a:r>
             <a:endParaRPr lang="en-US" dirty="0"/>
@@ -659,7 +659,7 @@
           <a:lstStyle/>
           <a:p>
             <a:r>
-              <a:rPr lang="en-US" smtClean="0"/>
+              <a:rPr lang="en-US"/>
               <a:t>Click to edit Master title style</a:t>
             </a:r>
             <a:endParaRPr lang="en-US" dirty="0"/>
@@ -688,35 +688,35 @@
           <a:p>
             <a:pPr lvl="0"/>
             <a:r>
-              <a:rPr lang="en-US" smtClean="0"/>
+              <a:rPr lang="en-US"/>
               <a:t>Click to edit Master text styles</a:t>
             </a:r>
           </a:p>
           <a:p>
             <a:pPr lvl="1"/>
             <a:r>
-              <a:rPr lang="en-US" smtClean="0"/>
+              <a:rPr lang="en-US"/>
               <a:t>Second level</a:t>
             </a:r>
           </a:p>
           <a:p>
             <a:pPr lvl="2"/>
             <a:r>
-              <a:rPr lang="en-US" smtClean="0"/>
+              <a:rPr lang="en-US"/>
               <a:t>Third level</a:t>
             </a:r>
           </a:p>
           <a:p>
             <a:pPr lvl="3"/>
             <a:r>
-              <a:rPr lang="en-US" smtClean="0"/>
+              <a:rPr lang="en-US"/>
               <a:t>Fourth level</a:t>
             </a:r>
           </a:p>
           <a:p>
             <a:pPr lvl="4"/>
             <a:r>
-              <a:rPr lang="en-US" smtClean="0"/>
+              <a:rPr lang="en-US"/>
               <a:t>Fifth level</a:t>
             </a:r>
             <a:endParaRPr lang="en-US" dirty="0"/>
@@ -836,7 +836,7 @@
           <a:lstStyle/>
           <a:p>
             <a:r>
-              <a:rPr lang="en-US" smtClean="0"/>
+              <a:rPr lang="en-US"/>
               <a:t>Click to edit Master title style</a:t>
             </a:r>
             <a:endParaRPr lang="en-US" dirty="0"/>
@@ -860,35 +860,35 @@
           <a:p>
             <a:pPr lvl="0"/>
             <a:r>
-              <a:rPr lang="en-US" smtClean="0"/>
+              <a:rPr lang="en-US"/>
               <a:t>Click to edit Master text styles</a:t>
             </a:r>
           </a:p>
           <a:p>
             <a:pPr lvl="1"/>
             <a:r>
-              <a:rPr lang="en-US" smtClean="0"/>
+              <a:rPr lang="en-US"/>
               <a:t>Second level</a:t>
             </a:r>
           </a:p>
           <a:p>
             <a:pPr lvl="2"/>
             <a:r>
-              <a:rPr lang="en-US" smtClean="0"/>
+              <a:rPr lang="en-US"/>
               <a:t>Third level</a:t>
             </a:r>
           </a:p>
           <a:p>
             <a:pPr lvl="3"/>
             <a:r>
-              <a:rPr lang="en-US" smtClean="0"/>
+              <a:rPr lang="en-US"/>
               <a:t>Fourth level</a:t>
             </a:r>
           </a:p>
           <a:p>
             <a:pPr lvl="4"/>
             <a:r>
-              <a:rPr lang="en-US" smtClean="0"/>
+              <a:rPr lang="en-US"/>
               <a:t>Fifth level</a:t>
             </a:r>
             <a:endParaRPr lang="en-US" dirty="0"/>
@@ -1022,7 +1022,7 @@
           </a:lstStyle>
           <a:p>
             <a:r>
-              <a:rPr lang="en-US" smtClean="0"/>
+              <a:rPr lang="en-US"/>
               <a:t>Click to edit Master title style</a:t>
             </a:r>
             <a:endParaRPr lang="en-US" dirty="0"/>
@@ -1142,7 +1142,7 @@
           <a:p>
             <a:pPr lvl="0"/>
             <a:r>
-              <a:rPr lang="en-US" smtClean="0"/>
+              <a:rPr lang="en-US"/>
               <a:t>Click to edit Master text styles</a:t>
             </a:r>
           </a:p>
@@ -1296,7 +1296,7 @@
           <a:lstStyle/>
           <a:p>
             <a:r>
-              <a:rPr lang="en-US" smtClean="0"/>
+              <a:rPr lang="en-US"/>
               <a:t>Click to edit Master title style</a:t>
             </a:r>
             <a:endParaRPr lang="en-US" dirty="0"/>
@@ -1353,35 +1353,35 @@
           <a:p>
             <a:pPr lvl="0"/>
             <a:r>
-              <a:rPr lang="en-US" smtClean="0"/>
+              <a:rPr lang="en-US"/>
               <a:t>Click to edit Master text styles</a:t>
             </a:r>
           </a:p>
           <a:p>
             <a:pPr lvl="1"/>
             <a:r>
-              <a:rPr lang="en-US" smtClean="0"/>
+              <a:rPr lang="en-US"/>
               <a:t>Second level</a:t>
             </a:r>
           </a:p>
           <a:p>
             <a:pPr lvl="2"/>
             <a:r>
-              <a:rPr lang="en-US" smtClean="0"/>
+              <a:rPr lang="en-US"/>
               <a:t>Third level</a:t>
             </a:r>
           </a:p>
           <a:p>
             <a:pPr lvl="3"/>
             <a:r>
-              <a:rPr lang="en-US" smtClean="0"/>
+              <a:rPr lang="en-US"/>
               <a:t>Fourth level</a:t>
             </a:r>
           </a:p>
           <a:p>
             <a:pPr lvl="4"/>
             <a:r>
-              <a:rPr lang="en-US" smtClean="0"/>
+              <a:rPr lang="en-US"/>
               <a:t>Fifth level</a:t>
             </a:r>
             <a:endParaRPr lang="en-US" dirty="0"/>
@@ -1438,35 +1438,35 @@
           <a:p>
             <a:pPr lvl="0"/>
             <a:r>
-              <a:rPr lang="en-US" smtClean="0"/>
+              <a:rPr lang="en-US"/>
               <a:t>Click to edit Master text styles</a:t>
             </a:r>
           </a:p>
           <a:p>
             <a:pPr lvl="1"/>
             <a:r>
-              <a:rPr lang="en-US" smtClean="0"/>
+              <a:rPr lang="en-US"/>
               <a:t>Second level</a:t>
             </a:r>
           </a:p>
           <a:p>
             <a:pPr lvl="2"/>
             <a:r>
-              <a:rPr lang="en-US" smtClean="0"/>
+              <a:rPr lang="en-US"/>
               <a:t>Third level</a:t>
             </a:r>
           </a:p>
           <a:p>
             <a:pPr lvl="3"/>
             <a:r>
-              <a:rPr lang="en-US" smtClean="0"/>
+              <a:rPr lang="en-US"/>
               <a:t>Fourth level</a:t>
             </a:r>
           </a:p>
           <a:p>
             <a:pPr lvl="4"/>
             <a:r>
-              <a:rPr lang="en-US" smtClean="0"/>
+              <a:rPr lang="en-US"/>
               <a:t>Fifth level</a:t>
             </a:r>
             <a:endParaRPr lang="en-US" dirty="0"/>
@@ -1586,7 +1586,7 @@
           <a:lstStyle/>
           <a:p>
             <a:r>
-              <a:rPr lang="en-US" smtClean="0"/>
+              <a:rPr lang="en-US"/>
               <a:t>Click to edit Master title style</a:t>
             </a:r>
             <a:endParaRPr lang="en-US" dirty="0"/>
@@ -1655,7 +1655,7 @@
           <a:p>
             <a:pPr lvl="0"/>
             <a:r>
-              <a:rPr lang="en-US" smtClean="0"/>
+              <a:rPr lang="en-US"/>
               <a:t>Click to edit Master text styles</a:t>
             </a:r>
           </a:p>
@@ -1711,35 +1711,35 @@
           <a:p>
             <a:pPr lvl="0"/>
             <a:r>
-              <a:rPr lang="en-US" smtClean="0"/>
+              <a:rPr lang="en-US"/>
               <a:t>Click to edit Master text styles</a:t>
             </a:r>
           </a:p>
           <a:p>
             <a:pPr lvl="1"/>
             <a:r>
-              <a:rPr lang="en-US" smtClean="0"/>
+              <a:rPr lang="en-US"/>
               <a:t>Second level</a:t>
             </a:r>
           </a:p>
           <a:p>
             <a:pPr lvl="2"/>
             <a:r>
-              <a:rPr lang="en-US" smtClean="0"/>
+              <a:rPr lang="en-US"/>
               <a:t>Third level</a:t>
             </a:r>
           </a:p>
           <a:p>
             <a:pPr lvl="3"/>
             <a:r>
-              <a:rPr lang="en-US" smtClean="0"/>
+              <a:rPr lang="en-US"/>
               <a:t>Fourth level</a:t>
             </a:r>
           </a:p>
           <a:p>
             <a:pPr lvl="4"/>
             <a:r>
-              <a:rPr lang="en-US" smtClean="0"/>
+              <a:rPr lang="en-US"/>
               <a:t>Fifth level</a:t>
             </a:r>
             <a:endParaRPr lang="en-US" dirty="0"/>
@@ -1808,7 +1808,7 @@
           <a:p>
             <a:pPr lvl="0"/>
             <a:r>
-              <a:rPr lang="en-US" smtClean="0"/>
+              <a:rPr lang="en-US"/>
               <a:t>Click to edit Master text styles</a:t>
             </a:r>
           </a:p>
@@ -1864,35 +1864,35 @@
           <a:p>
             <a:pPr lvl="0"/>
             <a:r>
-              <a:rPr lang="en-US" smtClean="0"/>
+              <a:rPr lang="en-US"/>
               <a:t>Click to edit Master text styles</a:t>
             </a:r>
           </a:p>
           <a:p>
             <a:pPr lvl="1"/>
             <a:r>
-              <a:rPr lang="en-US" smtClean="0"/>
+              <a:rPr lang="en-US"/>
               <a:t>Second level</a:t>
             </a:r>
           </a:p>
           <a:p>
             <a:pPr lvl="2"/>
             <a:r>
-              <a:rPr lang="en-US" smtClean="0"/>
+              <a:rPr lang="en-US"/>
               <a:t>Third level</a:t>
             </a:r>
           </a:p>
           <a:p>
             <a:pPr lvl="3"/>
             <a:r>
-              <a:rPr lang="en-US" smtClean="0"/>
+              <a:rPr lang="en-US"/>
               <a:t>Fourth level</a:t>
             </a:r>
           </a:p>
           <a:p>
             <a:pPr lvl="4"/>
             <a:r>
-              <a:rPr lang="en-US" smtClean="0"/>
+              <a:rPr lang="en-US"/>
               <a:t>Fifth level</a:t>
             </a:r>
             <a:endParaRPr lang="en-US" dirty="0"/>
@@ -2012,7 +2012,7 @@
           <a:lstStyle/>
           <a:p>
             <a:r>
-              <a:rPr lang="en-US" smtClean="0"/>
+              <a:rPr lang="en-US"/>
               <a:t>Click to edit Master title style</a:t>
             </a:r>
             <a:endParaRPr lang="en-US" dirty="0"/>
@@ -2243,7 +2243,7 @@
           </a:lstStyle>
           <a:p>
             <a:r>
-              <a:rPr lang="en-US" smtClean="0"/>
+              <a:rPr lang="en-US"/>
               <a:t>Click to edit Master title style</a:t>
             </a:r>
             <a:endParaRPr lang="en-US" dirty="0"/>
@@ -2300,35 +2300,35 @@
           <a:p>
             <a:pPr lvl="0"/>
             <a:r>
-              <a:rPr lang="en-US" smtClean="0"/>
+              <a:rPr lang="en-US"/>
               <a:t>Click to edit Master text styles</a:t>
             </a:r>
           </a:p>
           <a:p>
             <a:pPr lvl="1"/>
             <a:r>
-              <a:rPr lang="en-US" smtClean="0"/>
+              <a:rPr lang="en-US"/>
               <a:t>Second level</a:t>
             </a:r>
           </a:p>
           <a:p>
             <a:pPr lvl="2"/>
             <a:r>
-              <a:rPr lang="en-US" smtClean="0"/>
+              <a:rPr lang="en-US"/>
               <a:t>Third level</a:t>
             </a:r>
           </a:p>
           <a:p>
             <a:pPr lvl="3"/>
             <a:r>
-              <a:rPr lang="en-US" smtClean="0"/>
+              <a:rPr lang="en-US"/>
               <a:t>Fourth level</a:t>
             </a:r>
           </a:p>
           <a:p>
             <a:pPr lvl="4"/>
             <a:r>
-              <a:rPr lang="en-US" smtClean="0"/>
+              <a:rPr lang="en-US"/>
               <a:t>Fifth level</a:t>
             </a:r>
             <a:endParaRPr lang="en-US" dirty="0"/>
@@ -2402,7 +2402,7 @@
           <a:p>
             <a:pPr lvl="0"/>
             <a:r>
-              <a:rPr lang="en-US" smtClean="0"/>
+              <a:rPr lang="en-US"/>
               <a:t>Click to edit Master text styles</a:t>
             </a:r>
           </a:p>
@@ -2535,7 +2535,7 @@
           </a:lstStyle>
           <a:p>
             <a:r>
-              <a:rPr lang="en-US" smtClean="0"/>
+              <a:rPr lang="en-US"/>
               <a:t>Click to edit Master title style</a:t>
             </a:r>
             <a:endParaRPr lang="en-US" dirty="0"/>
@@ -2602,7 +2602,7 @@
           </a:lstStyle>
           <a:p>
             <a:r>
-              <a:rPr lang="en-US" smtClean="0"/>
+              <a:rPr lang="en-US"/>
               <a:t>Click icon to add picture</a:t>
             </a:r>
             <a:endParaRPr lang="en-US" dirty="0"/>
@@ -2676,7 +2676,7 @@
           <a:p>
             <a:pPr lvl="0"/>
             <a:r>
-              <a:rPr lang="en-US" smtClean="0"/>
+              <a:rPr lang="en-US"/>
               <a:t>Click to edit Master text styles</a:t>
             </a:r>
           </a:p>
@@ -2853,7 +2853,7 @@
           <a:lstStyle/>
           <a:p>
             <a:r>
-              <a:rPr lang="en-US" smtClean="0"/>
+              <a:rPr lang="en-US"/>
               <a:t>Click to edit Master title style</a:t>
             </a:r>
             <a:endParaRPr lang="en-US" dirty="0"/>
@@ -2887,35 +2887,35 @@
           <a:p>
             <a:pPr lvl="0"/>
             <a:r>
-              <a:rPr lang="en-US" smtClean="0"/>
+              <a:rPr lang="en-US"/>
               <a:t>Click to edit Master text styles</a:t>
             </a:r>
           </a:p>
           <a:p>
             <a:pPr lvl="1"/>
             <a:r>
-              <a:rPr lang="en-US" smtClean="0"/>
+              <a:rPr lang="en-US"/>
               <a:t>Second level</a:t>
             </a:r>
           </a:p>
           <a:p>
             <a:pPr lvl="2"/>
             <a:r>
-              <a:rPr lang="en-US" smtClean="0"/>
+              <a:rPr lang="en-US"/>
               <a:t>Third level</a:t>
             </a:r>
           </a:p>
           <a:p>
             <a:pPr lvl="3"/>
             <a:r>
-              <a:rPr lang="en-US" smtClean="0"/>
+              <a:rPr lang="en-US"/>
               <a:t>Fourth level</a:t>
             </a:r>
           </a:p>
           <a:p>
             <a:pPr lvl="4"/>
             <a:r>
-              <a:rPr lang="en-US" smtClean="0"/>
+              <a:rPr lang="en-US"/>
               <a:t>Fifth level</a:t>
             </a:r>
             <a:endParaRPr lang="en-US" dirty="0"/>
@@ -3434,11 +3434,11 @@
           <a:lstStyle/>
           <a:p>
             <a:r>
-              <a:rPr lang="en-US" dirty="0" err="1" smtClean="0"/>
+              <a:rPr lang="en-US" dirty="0" err="1"/>
               <a:t>Presentasi</a:t>
             </a:r>
             <a:r>
-              <a:rPr lang="en-US" dirty="0" smtClean="0"/>
+              <a:rPr lang="en-US" dirty="0"/>
               <a:t> </a:t>
             </a:r>
             <a:r>
@@ -3481,13 +3481,6 @@
   <p:transition spd="slow">
     <p:randomBar dir="vert"/>
   </p:transition>
-  <p:timing>
-    <p:tnLst>
-      <p:par>
-        <p:cTn id="1" dur="indefinite" restart="never" nodeType="tmRoot"/>
-      </p:par>
-    </p:tnLst>
-  </p:timing>
 </p:sld>
 </file>
 
@@ -3518,72 +3511,392 @@
             <p:ph type="title"/>
           </p:nvPr>
         </p:nvSpPr>
-        <p:spPr>
-          <a:xfrm>
-            <a:off x="1560095" y="1772822"/>
-            <a:ext cx="8630653" cy="1740401"/>
-          </a:xfrm>
-        </p:spPr>
+        <p:spPr/>
+        <p:txBody>
+          <a:bodyPr>
+            <a:normAutofit/>
+          </a:bodyPr>
+          <a:lstStyle/>
+          <a:p>
+            <a:r>
+              <a:rPr lang="en-US" dirty="0" err="1"/>
+              <a:t>Divisi</a:t>
+            </a:r>
+            <a:r>
+              <a:rPr lang="en-US" dirty="0"/>
+              <a:t> Front End Developer</a:t>
+            </a:r>
+            <a:br>
+              <a:rPr lang="en-US" dirty="0"/>
+            </a:br>
+            <a:endParaRPr lang="en-US" dirty="0"/>
+          </a:p>
+        </p:txBody>
+      </p:sp>
+      <p:sp>
+        <p:nvSpPr>
+          <p:cNvPr id="3" name="Content Placeholder 2"/>
+          <p:cNvSpPr>
+            <a:spLocks noGrp="1"/>
+          </p:cNvSpPr>
+          <p:nvPr>
+            <p:ph idx="1"/>
+          </p:nvPr>
+        </p:nvSpPr>
+        <p:spPr/>
         <p:txBody>
           <a:bodyPr/>
           <a:lstStyle/>
           <a:p>
-            <a:r>
-              <a:rPr lang="en-US" dirty="0" smtClean="0"/>
-              <a:t>Problem </a:t>
-            </a:r>
-            <a:r>
-              <a:rPr lang="en-US" dirty="0" err="1" smtClean="0"/>
-              <a:t>dan</a:t>
-            </a:r>
-            <a:r>
-              <a:rPr lang="en-US" dirty="0" smtClean="0"/>
-              <a:t> Solving </a:t>
-            </a:r>
-            <a:r>
-              <a:rPr lang="en-US" dirty="0" err="1" smtClean="0"/>
-              <a:t>Setiap</a:t>
-            </a:r>
-            <a:r>
-              <a:rPr lang="en-US" dirty="0" smtClean="0"/>
-              <a:t> </a:t>
-            </a:r>
-            <a:r>
-              <a:rPr lang="en-US" dirty="0" err="1" smtClean="0"/>
-              <a:t>Divisi</a:t>
-            </a:r>
-            <a:r>
-              <a:rPr lang="en-US" dirty="0" smtClean="0"/>
-              <a:t>  </a:t>
-            </a:r>
-            <a:endParaRPr lang="id-ID" dirty="0"/>
+            <a:pPr lvl="8"/>
+            <a:endParaRPr lang="en-US" dirty="0"/>
           </a:p>
         </p:txBody>
       </p:sp>
+      <p:graphicFrame>
+        <p:nvGraphicFramePr>
+          <p:cNvPr id="4" name="Table 3"/>
+          <p:cNvGraphicFramePr>
+            <a:graphicFrameLocks noGrp="1"/>
+          </p:cNvGraphicFramePr>
+          <p:nvPr/>
+        </p:nvGraphicFramePr>
+        <p:xfrm>
+          <a:off x="1261980" y="1804739"/>
+          <a:ext cx="8128000" cy="3928621"/>
+        </p:xfrm>
+        <a:graphic>
+          <a:graphicData uri="http://schemas.openxmlformats.org/drawingml/2006/table">
+            <a:tbl>
+              <a:tblPr firstRow="1" bandRow="1">
+                <a:tableStyleId>{5C22544A-7EE6-4342-B048-85BDC9FD1C3A}</a:tableStyleId>
+              </a:tblPr>
+              <a:tblGrid>
+                <a:gridCol w="4064000">
+                  <a:extLst>
+                    <a:ext uri="{9D8B030D-6E8A-4147-A177-3AD203B41FA5}">
+                      <a16:colId xmlns:a16="http://schemas.microsoft.com/office/drawing/2014/main" val="20000"/>
+                    </a:ext>
+                  </a:extLst>
+                </a:gridCol>
+                <a:gridCol w="4064000">
+                  <a:extLst>
+                    <a:ext uri="{9D8B030D-6E8A-4147-A177-3AD203B41FA5}">
+                      <a16:colId xmlns:a16="http://schemas.microsoft.com/office/drawing/2014/main" val="20001"/>
+                    </a:ext>
+                  </a:extLst>
+                </a:gridCol>
+              </a:tblGrid>
+              <a:tr h="748309">
+                <a:tc>
+                  <a:txBody>
+                    <a:bodyPr/>
+                    <a:lstStyle/>
+                    <a:p>
+                      <a:r>
+                        <a:rPr lang="en-US" dirty="0"/>
+                        <a:t>Problem</a:t>
+                      </a:r>
+                      <a:endParaRPr lang="id-ID" dirty="0"/>
+                    </a:p>
+                  </a:txBody>
+                  <a:tcPr/>
+                </a:tc>
+                <a:tc>
+                  <a:txBody>
+                    <a:bodyPr/>
+                    <a:lstStyle/>
+                    <a:p>
+                      <a:r>
+                        <a:rPr lang="en-US" dirty="0"/>
+                        <a:t>Solving</a:t>
+                      </a:r>
+                      <a:endParaRPr lang="id-ID" dirty="0"/>
+                    </a:p>
+                  </a:txBody>
+                  <a:tcPr/>
+                </a:tc>
+                <a:extLst>
+                  <a:ext uri="{0D108BD9-81ED-4DB2-BD59-A6C34878D82A}">
+                    <a16:rowId xmlns:a16="http://schemas.microsoft.com/office/drawing/2014/main" val="10000"/>
+                  </a:ext>
+                </a:extLst>
+              </a:tr>
+              <a:tr h="1309540">
+                <a:tc>
+                  <a:txBody>
+                    <a:bodyPr/>
+                    <a:lstStyle/>
+                    <a:p>
+                      <a:r>
+                        <a:rPr lang="en-US" dirty="0" err="1"/>
+                        <a:t>Perbedaan</a:t>
+                      </a:r>
+                      <a:r>
+                        <a:rPr lang="en-US" dirty="0"/>
+                        <a:t> </a:t>
+                      </a:r>
+                      <a:r>
+                        <a:rPr lang="en-US" dirty="0" err="1"/>
+                        <a:t>pendapat</a:t>
+                      </a:r>
+                      <a:r>
+                        <a:rPr lang="en-US" dirty="0"/>
+                        <a:t> </a:t>
+                      </a:r>
+                      <a:r>
+                        <a:rPr lang="en-US" dirty="0" err="1"/>
+                        <a:t>tentang</a:t>
+                      </a:r>
+                      <a:r>
+                        <a:rPr lang="en-US" dirty="0"/>
+                        <a:t> </a:t>
+                      </a:r>
+                      <a:r>
+                        <a:rPr lang="en-US" dirty="0" err="1"/>
+                        <a:t>warna</a:t>
+                      </a:r>
+                      <a:r>
+                        <a:rPr lang="en-US" dirty="0"/>
+                        <a:t> </a:t>
+                      </a:r>
+                      <a:r>
+                        <a:rPr lang="en-US" dirty="0" err="1"/>
+                        <a:t>dan</a:t>
+                      </a:r>
+                      <a:r>
+                        <a:rPr lang="en-US" dirty="0"/>
+                        <a:t> </a:t>
+                      </a:r>
+                      <a:r>
+                        <a:rPr lang="en-US" dirty="0" err="1"/>
+                        <a:t>desain</a:t>
+                      </a:r>
+                      <a:r>
+                        <a:rPr lang="en-US" dirty="0"/>
+                        <a:t> </a:t>
+                      </a:r>
+                      <a:r>
+                        <a:rPr lang="en-US" dirty="0" err="1"/>
+                        <a:t>dengan</a:t>
+                      </a:r>
+                      <a:r>
+                        <a:rPr lang="en-US" dirty="0"/>
+                        <a:t> client</a:t>
+                      </a:r>
+                      <a:endParaRPr lang="id-ID" dirty="0"/>
+                    </a:p>
+                  </a:txBody>
+                  <a:tcPr/>
+                </a:tc>
+                <a:tc>
+                  <a:txBody>
+                    <a:bodyPr/>
+                    <a:lstStyle/>
+                    <a:p>
+                      <a:r>
+                        <a:rPr lang="en-US" dirty="0" err="1"/>
+                        <a:t>Memberikan</a:t>
+                      </a:r>
+                      <a:r>
+                        <a:rPr lang="en-US" dirty="0"/>
+                        <a:t> </a:t>
+                      </a:r>
+                      <a:r>
+                        <a:rPr lang="en-US" dirty="0" err="1"/>
+                        <a:t>opsi</a:t>
+                      </a:r>
+                      <a:r>
+                        <a:rPr lang="en-US" dirty="0"/>
+                        <a:t> yang </a:t>
+                      </a:r>
+                      <a:r>
+                        <a:rPr lang="en-US" dirty="0" err="1"/>
+                        <a:t>lebih</a:t>
+                      </a:r>
+                      <a:r>
+                        <a:rPr lang="en-US" dirty="0"/>
+                        <a:t> </a:t>
+                      </a:r>
+                      <a:r>
+                        <a:rPr lang="en-US" dirty="0" err="1"/>
+                        <a:t>kepada</a:t>
+                      </a:r>
+                      <a:r>
+                        <a:rPr lang="en-US" dirty="0"/>
+                        <a:t> client</a:t>
+                      </a:r>
+                      <a:endParaRPr lang="id-ID" dirty="0"/>
+                    </a:p>
+                  </a:txBody>
+                  <a:tcPr/>
+                </a:tc>
+                <a:extLst>
+                  <a:ext uri="{0D108BD9-81ED-4DB2-BD59-A6C34878D82A}">
+                    <a16:rowId xmlns:a16="http://schemas.microsoft.com/office/drawing/2014/main" val="10001"/>
+                  </a:ext>
+                </a:extLst>
+              </a:tr>
+              <a:tr h="1870772">
+                <a:tc>
+                  <a:txBody>
+                    <a:bodyPr/>
+                    <a:lstStyle/>
+                    <a:p>
+                      <a:r>
+                        <a:rPr lang="en-US" dirty="0" err="1"/>
+                        <a:t>Kesulitan</a:t>
+                      </a:r>
+                      <a:r>
+                        <a:rPr lang="en-US" dirty="0"/>
+                        <a:t> </a:t>
+                      </a:r>
+                      <a:r>
+                        <a:rPr lang="en-US" dirty="0" err="1"/>
+                        <a:t>menyesuaikan</a:t>
+                      </a:r>
+                      <a:r>
+                        <a:rPr lang="en-US" dirty="0"/>
+                        <a:t> </a:t>
+                      </a:r>
+                      <a:r>
+                        <a:rPr lang="en-US" dirty="0" err="1"/>
+                        <a:t>tampilan</a:t>
+                      </a:r>
+                      <a:r>
+                        <a:rPr lang="en-US" dirty="0"/>
+                        <a:t> </a:t>
+                      </a:r>
+                      <a:r>
+                        <a:rPr lang="en-US" dirty="0" err="1"/>
+                        <a:t>di</a:t>
+                      </a:r>
+                      <a:r>
+                        <a:rPr lang="en-US" dirty="0"/>
+                        <a:t> web </a:t>
+                      </a:r>
+                      <a:r>
+                        <a:rPr lang="en-US" dirty="0" err="1"/>
+                        <a:t>dan</a:t>
+                      </a:r>
+                      <a:r>
+                        <a:rPr lang="en-US" dirty="0"/>
+                        <a:t> </a:t>
+                      </a:r>
+                      <a:r>
+                        <a:rPr lang="en-US" dirty="0" err="1"/>
+                        <a:t>di</a:t>
+                      </a:r>
+                      <a:r>
+                        <a:rPr lang="en-US" dirty="0"/>
+                        <a:t> mobile</a:t>
+                      </a:r>
+                      <a:endParaRPr lang="id-ID" dirty="0"/>
+                    </a:p>
+                  </a:txBody>
+                  <a:tcPr/>
+                </a:tc>
+                <a:tc>
+                  <a:txBody>
+                    <a:bodyPr/>
+                    <a:lstStyle/>
+                    <a:p>
+                      <a:pPr marL="0" marR="0" lvl="1" indent="0" algn="l" defTabSz="914400" rtl="0" eaLnBrk="1" fontAlgn="auto" latinLnBrk="0" hangingPunct="1">
+                        <a:lnSpc>
+                          <a:spcPct val="100000"/>
+                        </a:lnSpc>
+                        <a:spcBef>
+                          <a:spcPts val="0"/>
+                        </a:spcBef>
+                        <a:spcAft>
+                          <a:spcPts val="0"/>
+                        </a:spcAft>
+                        <a:buClrTx/>
+                        <a:buSzTx/>
+                        <a:buFontTx/>
+                        <a:buNone/>
+                        <a:tabLst/>
+                        <a:defRPr/>
+                      </a:pPr>
+                      <a:r>
+                        <a:rPr lang="en-US" dirty="0" err="1"/>
+                        <a:t>Sering</a:t>
+                      </a:r>
+                      <a:r>
+                        <a:rPr lang="en-US" dirty="0"/>
+                        <a:t> testing </a:t>
+                      </a:r>
+                      <a:r>
+                        <a:rPr lang="en-US" dirty="0" err="1"/>
+                        <a:t>tampilan</a:t>
+                      </a:r>
+                      <a:r>
+                        <a:rPr lang="en-US" dirty="0"/>
+                        <a:t> </a:t>
+                      </a:r>
+                      <a:r>
+                        <a:rPr lang="en-US" dirty="0" err="1"/>
+                        <a:t>di</a:t>
+                      </a:r>
+                      <a:r>
+                        <a:rPr lang="en-US" dirty="0"/>
+                        <a:t> web </a:t>
+                      </a:r>
+                      <a:r>
+                        <a:rPr lang="en-US" dirty="0" err="1"/>
+                        <a:t>maupun</a:t>
+                      </a:r>
+                      <a:r>
+                        <a:rPr lang="en-US" dirty="0"/>
+                        <a:t> </a:t>
+                      </a:r>
+                      <a:r>
+                        <a:rPr lang="en-US" dirty="0" err="1"/>
+                        <a:t>di</a:t>
+                      </a:r>
+                      <a:r>
+                        <a:rPr lang="en-US" dirty="0"/>
+                        <a:t> mobile.</a:t>
+                      </a:r>
+                    </a:p>
+                    <a:p>
+                      <a:endParaRPr lang="id-ID" dirty="0"/>
+                    </a:p>
+                  </a:txBody>
+                  <a:tcPr/>
+                </a:tc>
+                <a:extLst>
+                  <a:ext uri="{0D108BD9-81ED-4DB2-BD59-A6C34878D82A}">
+                    <a16:rowId xmlns:a16="http://schemas.microsoft.com/office/drawing/2014/main" val="10002"/>
+                  </a:ext>
+                </a:extLst>
+              </a:tr>
+            </a:tbl>
+          </a:graphicData>
+        </a:graphic>
+      </p:graphicFrame>
     </p:spTree>
+    <p:extLst>
+      <p:ext uri="{BB962C8B-B14F-4D97-AF65-F5344CB8AC3E}">
+        <p14:creationId xmlns:p14="http://schemas.microsoft.com/office/powerpoint/2010/main" val="2819634923"/>
+      </p:ext>
+    </p:extLst>
   </p:cSld>
   <p:clrMapOvr>
     <a:masterClrMapping/>
   </p:clrMapOvr>
-  <mc:AlternateContent xmlns:mc="http://schemas.openxmlformats.org/markup-compatibility/2006">
-    <mc:Choice xmlns:p14="http://schemas.microsoft.com/office/powerpoint/2010/main" Requires="p14">
+  <mc:AlternateContent xmlns:mc="http://schemas.openxmlformats.org/markup-compatibility/2006" xmlns:p14="http://schemas.microsoft.com/office/powerpoint/2010/main">
+    <mc:Choice Requires="p14">
       <p:transition spd="slow" p14:dur="1500">
         <p:split orient="vert"/>
       </p:transition>
     </mc:Choice>
-    <mc:Fallback>
+    <mc:Fallback xmlns="">
       <p:transition spd="slow">
         <p:split orient="vert"/>
       </p:transition>
     </mc:Fallback>
   </mc:AlternateContent>
-  <p:timing>
-    <p:tnLst>
-      <p:par>
-        <p:cTn id="1" dur="indefinite" restart="never" nodeType="tmRoot"/>
-      </p:par>
-    </p:tnLst>
-  </p:timing>
 </p:sld>
 </file>
 
@@ -3622,15 +3935,15 @@
           <a:lstStyle/>
           <a:p>
             <a:r>
-              <a:rPr lang="en-US" dirty="0" err="1" smtClean="0"/>
+              <a:rPr lang="en-US" dirty="0" err="1"/>
               <a:t>Divisi</a:t>
             </a:r>
             <a:r>
-              <a:rPr lang="en-US" dirty="0" smtClean="0"/>
-              <a:t> Front End Developer</a:t>
+              <a:rPr lang="en-US" dirty="0"/>
+              <a:t> Back end Developer</a:t>
             </a:r>
             <a:br>
-              <a:rPr lang="en-US" dirty="0" smtClean="0"/>
+              <a:rPr lang="en-US" dirty="0"/>
             </a:br>
             <a:endParaRPr lang="en-US" dirty="0"/>
           </a:p>
@@ -3651,14 +3964,13 @@
           <a:bodyPr/>
           <a:lstStyle/>
           <a:p>
-            <a:pPr lvl="8"/>
             <a:endParaRPr lang="en-US" dirty="0"/>
           </a:p>
         </p:txBody>
       </p:sp>
       <p:graphicFrame>
         <p:nvGraphicFramePr>
-          <p:cNvPr id="4" name="Table 3"/>
+          <p:cNvPr id="5" name="Table 4"/>
           <p:cNvGraphicFramePr>
             <a:graphicFrameLocks noGrp="1"/>
           </p:cNvGraphicFramePr>
@@ -3675,8 +3987,20 @@
                 <a:tableStyleId>{5C22544A-7EE6-4342-B048-85BDC9FD1C3A}</a:tableStyleId>
               </a:tblPr>
               <a:tblGrid>
-                <a:gridCol w="4064000"/>
-                <a:gridCol w="4064000"/>
+                <a:gridCol w="4064000">
+                  <a:extLst>
+                    <a:ext uri="{9D8B030D-6E8A-4147-A177-3AD203B41FA5}">
+                      <a16:colId xmlns:a16="http://schemas.microsoft.com/office/drawing/2014/main" val="20000"/>
+                    </a:ext>
+                  </a:extLst>
+                </a:gridCol>
+                <a:gridCol w="4064000">
+                  <a:extLst>
+                    <a:ext uri="{9D8B030D-6E8A-4147-A177-3AD203B41FA5}">
+                      <a16:colId xmlns:a16="http://schemas.microsoft.com/office/drawing/2014/main" val="20001"/>
+                    </a:ext>
+                  </a:extLst>
+                </a:gridCol>
               </a:tblGrid>
               <a:tr h="748309">
                 <a:tc>
@@ -3685,7 +4009,7 @@
                     <a:lstStyle/>
                     <a:p>
                       <a:r>
-                        <a:rPr lang="en-US" dirty="0" smtClean="0"/>
+                        <a:rPr lang="en-US" dirty="0"/>
                         <a:t>Problem</a:t>
                       </a:r>
                       <a:endParaRPr lang="id-ID" dirty="0"/>
@@ -3699,7 +4023,7 @@
                     <a:lstStyle/>
                     <a:p>
                       <a:r>
-                        <a:rPr lang="en-US" dirty="0" smtClean="0"/>
+                        <a:rPr lang="en-US" dirty="0"/>
                         <a:t>Solving</a:t>
                       </a:r>
                       <a:endParaRPr lang="id-ID" dirty="0"/>
@@ -3707,6 +4031,11 @@
                   </a:txBody>
                   <a:tcPr/>
                 </a:tc>
+                <a:extLst>
+                  <a:ext uri="{0D108BD9-81ED-4DB2-BD59-A6C34878D82A}">
+                    <a16:rowId xmlns:a16="http://schemas.microsoft.com/office/drawing/2014/main" val="10000"/>
+                  </a:ext>
+                </a:extLst>
               </a:tr>
               <a:tr h="1309540">
                 <a:tc>
@@ -3715,108 +4044,53 @@
                     <a:lstStyle/>
                     <a:p>
                       <a:r>
-                        <a:rPr lang="en-US" dirty="0" err="1" smtClean="0"/>
+                        <a:rPr lang="en-US" dirty="0" err="1"/>
                         <a:t>Perbedaan</a:t>
                       </a:r>
                       <a:r>
-                        <a:rPr lang="en-US" dirty="0" smtClean="0"/>
+                        <a:rPr lang="en-US" dirty="0"/>
+                        <a:t> style coding</a:t>
+                      </a:r>
+                      <a:endParaRPr lang="id-ID" dirty="0"/>
+                    </a:p>
+                  </a:txBody>
+                  <a:tcPr/>
+                </a:tc>
+                <a:tc>
+                  <a:txBody>
+                    <a:bodyPr/>
+                    <a:lstStyle/>
+                    <a:p>
+                      <a:r>
+                        <a:rPr lang="en-US" dirty="0" err="1"/>
+                        <a:t>Menyesuaikan</a:t>
+                      </a:r>
+                      <a:r>
+                        <a:rPr lang="en-US" dirty="0"/>
+                        <a:t> style coding </a:t>
+                      </a:r>
+                      <a:r>
+                        <a:rPr lang="en-US" dirty="0" err="1"/>
+                        <a:t>dengan</a:t>
+                      </a:r>
+                      <a:r>
+                        <a:rPr lang="en-US" dirty="0"/>
                         <a:t> </a:t>
                       </a:r>
                       <a:r>
-                        <a:rPr lang="en-US" dirty="0" err="1" smtClean="0"/>
-                        <a:t>pendapat</a:t>
-                      </a:r>
-                      <a:r>
-                        <a:rPr lang="en-US" dirty="0" smtClean="0"/>
-                        <a:t> </a:t>
-                      </a:r>
-                      <a:r>
-                        <a:rPr lang="en-US" dirty="0" err="1" smtClean="0"/>
-                        <a:t>tentang</a:t>
-                      </a:r>
-                      <a:r>
-                        <a:rPr lang="en-US" dirty="0" smtClean="0"/>
-                        <a:t> </a:t>
-                      </a:r>
-                      <a:r>
-                        <a:rPr lang="en-US" dirty="0" err="1" smtClean="0"/>
-                        <a:t>warna</a:t>
-                      </a:r>
-                      <a:r>
-                        <a:rPr lang="en-US" dirty="0" smtClean="0"/>
-                        <a:t> </a:t>
-                      </a:r>
-                      <a:r>
-                        <a:rPr lang="en-US" dirty="0" err="1" smtClean="0"/>
-                        <a:t>dan</a:t>
-                      </a:r>
-                      <a:r>
-                        <a:rPr lang="en-US" dirty="0" smtClean="0"/>
-                        <a:t> </a:t>
-                      </a:r>
-                      <a:r>
-                        <a:rPr lang="en-US" dirty="0" err="1" smtClean="0"/>
-                        <a:t>desain</a:t>
-                      </a:r>
-                      <a:r>
-                        <a:rPr lang="en-US" dirty="0" smtClean="0"/>
-                        <a:t> </a:t>
-                      </a:r>
-                      <a:r>
-                        <a:rPr lang="en-US" dirty="0" err="1" smtClean="0"/>
-                        <a:t>dengan</a:t>
-                      </a:r>
-                      <a:r>
-                        <a:rPr lang="en-US" dirty="0" smtClean="0"/>
-                        <a:t> client</a:t>
+                        <a:rPr lang="en-US" dirty="0" err="1"/>
+                        <a:t>teman</a:t>
                       </a:r>
                       <a:endParaRPr lang="id-ID" dirty="0"/>
                     </a:p>
                   </a:txBody>
                   <a:tcPr/>
                 </a:tc>
-                <a:tc>
-                  <a:txBody>
-                    <a:bodyPr/>
-                    <a:lstStyle/>
-                    <a:p>
-                      <a:r>
-                        <a:rPr lang="en-US" dirty="0" err="1" smtClean="0"/>
-                        <a:t>Memberikan</a:t>
-                      </a:r>
-                      <a:r>
-                        <a:rPr lang="en-US" dirty="0" smtClean="0"/>
-                        <a:t> </a:t>
-                      </a:r>
-                      <a:r>
-                        <a:rPr lang="en-US" dirty="0" err="1" smtClean="0"/>
-                        <a:t>opsi</a:t>
-                      </a:r>
-                      <a:r>
-                        <a:rPr lang="en-US" dirty="0" smtClean="0"/>
-                        <a:t> yang </a:t>
-                      </a:r>
-                      <a:r>
-                        <a:rPr lang="en-US" dirty="0" err="1" smtClean="0"/>
-                        <a:t>lebih</a:t>
-                      </a:r>
-                      <a:r>
-                        <a:rPr lang="en-US" dirty="0" smtClean="0"/>
-                        <a:t> </a:t>
-                      </a:r>
-                      <a:r>
-                        <a:rPr lang="en-US" dirty="0" err="1" smtClean="0"/>
-                        <a:t>kepada</a:t>
-                      </a:r>
-                      <a:r>
-                        <a:rPr lang="en-US" dirty="0" smtClean="0"/>
-                        <a:t> client</a:t>
-                      </a:r>
-                      <a:endParaRPr lang="id-ID" dirty="0"/>
-                    </a:p>
-                  </a:txBody>
-                  <a:tcPr/>
-                </a:tc>
+                <a:extLst>
+                  <a:ext uri="{0D108BD9-81ED-4DB2-BD59-A6C34878D82A}">
+                    <a16:rowId xmlns:a16="http://schemas.microsoft.com/office/drawing/2014/main" val="10001"/>
+                  </a:ext>
+                </a:extLst>
               </a:tr>
               <a:tr h="1870772">
                 <a:tc>
@@ -3825,52 +4099,20 @@
                     <a:lstStyle/>
                     <a:p>
                       <a:r>
-                        <a:rPr lang="en-US" dirty="0" err="1" smtClean="0"/>
-                        <a:t>Kesulitan</a:t>
-                      </a:r>
-                      <a:r>
-                        <a:rPr lang="en-US" dirty="0" smtClean="0"/>
+                        <a:rPr lang="en-US" dirty="0"/>
+                        <a:t>Framework &amp; </a:t>
+                      </a:r>
+                      <a:r>
+                        <a:rPr lang="en-US" dirty="0" err="1"/>
+                        <a:t>Ilmu</a:t>
+                      </a:r>
+                      <a:r>
+                        <a:rPr lang="en-US" dirty="0"/>
                         <a:t> </a:t>
                       </a:r>
                       <a:r>
-                        <a:rPr lang="en-US" dirty="0" err="1" smtClean="0"/>
-                        <a:t>menyesuaikan</a:t>
-                      </a:r>
-                      <a:r>
-                        <a:rPr lang="en-US" dirty="0" smtClean="0"/>
-                        <a:t> </a:t>
-                      </a:r>
-                      <a:r>
-                        <a:rPr lang="en-US" dirty="0" err="1" smtClean="0"/>
-                        <a:t>tampilan</a:t>
-                      </a:r>
-                      <a:r>
-                        <a:rPr lang="en-US" dirty="0" smtClean="0"/>
-                        <a:t> </a:t>
-                      </a:r>
-                      <a:r>
-                        <a:rPr lang="en-US" dirty="0" err="1" smtClean="0"/>
-                        <a:t>di</a:t>
-                      </a:r>
-                      <a:r>
-                        <a:rPr lang="en-US" dirty="0" smtClean="0"/>
-                        <a:t> web </a:t>
-                      </a:r>
-                      <a:r>
-                        <a:rPr lang="en-US" dirty="0" err="1" smtClean="0"/>
-                        <a:t>dan</a:t>
-                      </a:r>
-                      <a:r>
-                        <a:rPr lang="en-US" dirty="0" smtClean="0"/>
-                        <a:t> </a:t>
-                      </a:r>
-                      <a:r>
-                        <a:rPr lang="en-US" dirty="0" err="1" smtClean="0"/>
-                        <a:t>di</a:t>
-                      </a:r>
-                      <a:r>
-                        <a:rPr lang="en-US" dirty="0" smtClean="0"/>
-                        <a:t> mobile</a:t>
+                        <a:rPr lang="en-US" dirty="0" err="1"/>
+                        <a:t>Baru</a:t>
                       </a:r>
                       <a:endParaRPr lang="id-ID" dirty="0"/>
                     </a:p>
@@ -3900,52 +4142,51 @@
                         <a:defRPr/>
                       </a:pPr>
                       <a:r>
-                        <a:rPr lang="en-US" dirty="0" err="1" smtClean="0"/>
-                        <a:t>Sering</a:t>
-                      </a:r>
-                      <a:r>
-                        <a:rPr lang="en-US" dirty="0" smtClean="0"/>
-                        <a:t> testing </a:t>
-                      </a:r>
-                      <a:r>
-                        <a:rPr lang="en-US" dirty="0" err="1" smtClean="0"/>
-                        <a:t>tampilan</a:t>
-                      </a:r>
-                      <a:r>
-                        <a:rPr lang="en-US" dirty="0" smtClean="0"/>
+                        <a:rPr lang="en-US" dirty="0" err="1"/>
+                        <a:t>Mempelajari</a:t>
+                      </a:r>
+                      <a:r>
+                        <a:rPr lang="en-US" baseline="0" dirty="0"/>
+                        <a:t> Framework </a:t>
+                      </a:r>
+                      <a:r>
+                        <a:rPr lang="en-US" baseline="0" dirty="0" err="1"/>
+                        <a:t>dan</a:t>
+                      </a:r>
+                      <a:r>
+                        <a:rPr lang="en-US" baseline="0" dirty="0"/>
                         <a:t> </a:t>
                       </a:r>
                       <a:r>
-                        <a:rPr lang="en-US" dirty="0" err="1" smtClean="0"/>
-                        <a:t>di</a:t>
-                      </a:r>
-                      <a:r>
-                        <a:rPr lang="en-US" dirty="0" smtClean="0"/>
-                        <a:t> web </a:t>
-                      </a:r>
-                      <a:r>
-                        <a:rPr lang="en-US" dirty="0" err="1" smtClean="0"/>
-                        <a:t>maupun</a:t>
-                      </a:r>
-                      <a:r>
-                        <a:rPr lang="en-US" dirty="0" smtClean="0"/>
+                        <a:rPr lang="en-US" baseline="0" dirty="0" err="1"/>
+                        <a:t>Ilmu</a:t>
+                      </a:r>
+                      <a:r>
+                        <a:rPr lang="en-US" baseline="0" dirty="0"/>
                         <a:t> </a:t>
                       </a:r>
                       <a:r>
-                        <a:rPr lang="en-US" dirty="0" err="1" smtClean="0"/>
-                        <a:t>di</a:t>
-                      </a:r>
-                      <a:r>
-                        <a:rPr lang="en-US" dirty="0" smtClean="0"/>
-                        <a:t> mobile.</a:t>
-                      </a:r>
-                    </a:p>
-                    <a:p>
+                        <a:rPr lang="en-US" baseline="0" dirty="0" err="1"/>
+                        <a:t>Baru</a:t>
+                      </a:r>
+                      <a:r>
+                        <a:rPr lang="en-US" baseline="0" dirty="0"/>
+                        <a:t> </a:t>
+                      </a:r>
+                      <a:r>
+                        <a:rPr lang="en-US" baseline="0" dirty="0" err="1"/>
+                        <a:t>tersebut</a:t>
+                      </a:r>
                       <a:endParaRPr lang="id-ID" dirty="0"/>
                     </a:p>
                   </a:txBody>
                   <a:tcPr/>
                 </a:tc>
+                <a:extLst>
+                  <a:ext uri="{0D108BD9-81ED-4DB2-BD59-A6C34878D82A}">
+                    <a16:rowId xmlns:a16="http://schemas.microsoft.com/office/drawing/2014/main" val="10002"/>
+                  </a:ext>
+                </a:extLst>
               </a:tr>
             </a:tbl>
           </a:graphicData>
@@ -3954,32 +4195,25 @@
     </p:spTree>
     <p:extLst>
       <p:ext uri="{BB962C8B-B14F-4D97-AF65-F5344CB8AC3E}">
-        <p14:creationId xmlns:p14="http://schemas.microsoft.com/office/powerpoint/2010/main" val="2819634923"/>
+        <p14:creationId xmlns:p14="http://schemas.microsoft.com/office/powerpoint/2010/main" val="522824126"/>
       </p:ext>
     </p:extLst>
   </p:cSld>
   <p:clrMapOvr>
     <a:masterClrMapping/>
   </p:clrMapOvr>
-  <mc:AlternateContent xmlns:mc="http://schemas.openxmlformats.org/markup-compatibility/2006">
-    <mc:Choice xmlns:p14="http://schemas.microsoft.com/office/powerpoint/2010/main" Requires="p14">
+  <mc:AlternateContent xmlns:mc="http://schemas.openxmlformats.org/markup-compatibility/2006" xmlns:p14="http://schemas.microsoft.com/office/powerpoint/2010/main">
+    <mc:Choice Requires="p14">
       <p:transition spd="slow" p14:dur="1500">
         <p:split orient="vert"/>
       </p:transition>
     </mc:Choice>
-    <mc:Fallback>
+    <mc:Fallback xmlns="">
       <p:transition spd="slow">
         <p:split orient="vert"/>
       </p:transition>
     </mc:Fallback>
   </mc:AlternateContent>
-  <p:timing>
-    <p:tnLst>
-      <p:par>
-        <p:cTn id="1" dur="indefinite" restart="never" nodeType="tmRoot"/>
-      </p:par>
-    </p:tnLst>
-  </p:timing>
 </p:sld>
 </file>
 
@@ -4018,15 +4252,19 @@
           <a:lstStyle/>
           <a:p>
             <a:r>
-              <a:rPr lang="en-US" dirty="0" err="1" smtClean="0"/>
+              <a:rPr lang="en-US" dirty="0" err="1"/>
               <a:t>Divisi</a:t>
             </a:r>
             <a:r>
-              <a:rPr lang="en-US" dirty="0" smtClean="0"/>
-              <a:t> Back end Developer</a:t>
+              <a:rPr lang="en-US" dirty="0"/>
+              <a:t> </a:t>
+            </a:r>
+            <a:r>
+              <a:rPr lang="en-US" dirty="0" err="1"/>
+              <a:t>Humas</a:t>
             </a:r>
             <a:br>
-              <a:rPr lang="en-US" dirty="0" smtClean="0"/>
+              <a:rPr lang="en-US" dirty="0"/>
             </a:br>
             <a:endParaRPr lang="en-US" dirty="0"/>
           </a:p>
@@ -4047,13 +4285,13 @@
           <a:bodyPr/>
           <a:lstStyle/>
           <a:p>
-            <a:endParaRPr lang="en-US" dirty="0"/>
+            <a:endParaRPr lang="en-US"/>
           </a:p>
         </p:txBody>
       </p:sp>
       <p:graphicFrame>
         <p:nvGraphicFramePr>
-          <p:cNvPr id="5" name="Table 4"/>
+          <p:cNvPr id="4" name="Table 3"/>
           <p:cNvGraphicFramePr>
             <a:graphicFrameLocks noGrp="1"/>
           </p:cNvGraphicFramePr>
@@ -4070,8 +4308,20 @@
                 <a:tableStyleId>{5C22544A-7EE6-4342-B048-85BDC9FD1C3A}</a:tableStyleId>
               </a:tblPr>
               <a:tblGrid>
-                <a:gridCol w="4064000"/>
-                <a:gridCol w="4064000"/>
+                <a:gridCol w="4064000">
+                  <a:extLst>
+                    <a:ext uri="{9D8B030D-6E8A-4147-A177-3AD203B41FA5}">
+                      <a16:colId xmlns:a16="http://schemas.microsoft.com/office/drawing/2014/main" val="20000"/>
+                    </a:ext>
+                  </a:extLst>
+                </a:gridCol>
+                <a:gridCol w="4064000">
+                  <a:extLst>
+                    <a:ext uri="{9D8B030D-6E8A-4147-A177-3AD203B41FA5}">
+                      <a16:colId xmlns:a16="http://schemas.microsoft.com/office/drawing/2014/main" val="20001"/>
+                    </a:ext>
+                  </a:extLst>
+                </a:gridCol>
               </a:tblGrid>
               <a:tr h="748309">
                 <a:tc>
@@ -4080,7 +4330,7 @@
                     <a:lstStyle/>
                     <a:p>
                       <a:r>
-                        <a:rPr lang="en-US" dirty="0" smtClean="0"/>
+                        <a:rPr lang="en-US" dirty="0"/>
                         <a:t>Problem</a:t>
                       </a:r>
                       <a:endParaRPr lang="id-ID" dirty="0"/>
@@ -4094,7 +4344,7 @@
                     <a:lstStyle/>
                     <a:p>
                       <a:r>
-                        <a:rPr lang="en-US" dirty="0" smtClean="0"/>
+                        <a:rPr lang="en-US" dirty="0"/>
                         <a:t>Solving</a:t>
                       </a:r>
                       <a:endParaRPr lang="id-ID" dirty="0"/>
@@ -4102,6 +4352,11 @@
                   </a:txBody>
                   <a:tcPr/>
                 </a:tc>
+                <a:extLst>
+                  <a:ext uri="{0D108BD9-81ED-4DB2-BD59-A6C34878D82A}">
+                    <a16:rowId xmlns:a16="http://schemas.microsoft.com/office/drawing/2014/main" val="10000"/>
+                  </a:ext>
+                </a:extLst>
               </a:tr>
               <a:tr h="1309540">
                 <a:tc>
@@ -4110,12 +4365,36 @@
                     <a:lstStyle/>
                     <a:p>
                       <a:r>
-                        <a:rPr lang="en-US" dirty="0" err="1" smtClean="0"/>
-                        <a:t>Perbedaan</a:t>
-                      </a:r>
-                      <a:r>
-                        <a:rPr lang="en-US" dirty="0" smtClean="0"/>
-                        <a:t> style coding</a:t>
+                        <a:rPr lang="en-US" dirty="0"/>
+                        <a:t>Client </a:t>
+                      </a:r>
+                      <a:r>
+                        <a:rPr lang="en-US" dirty="0" err="1"/>
+                        <a:t>sibuk</a:t>
+                      </a:r>
+                      <a:r>
+                        <a:rPr lang="en-US" dirty="0"/>
+                        <a:t> </a:t>
+                      </a:r>
+                      <a:r>
+                        <a:rPr lang="en-US" dirty="0" err="1"/>
+                        <a:t>dan</a:t>
+                      </a:r>
+                      <a:r>
+                        <a:rPr lang="en-US" dirty="0"/>
+                        <a:t> </a:t>
+                      </a:r>
+                      <a:r>
+                        <a:rPr lang="en-US" dirty="0" err="1"/>
+                        <a:t>susah</a:t>
+                      </a:r>
+                      <a:r>
+                        <a:rPr lang="en-US" dirty="0"/>
+                        <a:t> </a:t>
+                      </a:r>
+                      <a:r>
+                        <a:rPr lang="en-US" dirty="0" err="1"/>
+                        <a:t>dihubungi</a:t>
                       </a:r>
                       <a:endParaRPr lang="id-ID" dirty="0"/>
                     </a:p>
@@ -4128,30 +4407,75 @@
                     <a:lstStyle/>
                     <a:p>
                       <a:r>
-                        <a:rPr lang="en-US" dirty="0" err="1" smtClean="0"/>
-                        <a:t>Menyesuaikan</a:t>
-                      </a:r>
-                      <a:r>
-                        <a:rPr lang="en-US" dirty="0" smtClean="0"/>
-                        <a:t> style coding </a:t>
-                      </a:r>
-                      <a:r>
-                        <a:rPr lang="en-US" dirty="0" err="1" smtClean="0"/>
-                        <a:t>dengan</a:t>
-                      </a:r>
-                      <a:r>
-                        <a:rPr lang="en-US" dirty="0" smtClean="0"/>
+                        <a:rPr lang="en-US" dirty="0" err="1"/>
+                        <a:t>Tetap</a:t>
+                      </a:r>
+                      <a:r>
+                        <a:rPr lang="en-US" baseline="0" dirty="0"/>
                         <a:t> </a:t>
                       </a:r>
                       <a:r>
-                        <a:rPr lang="en-US" dirty="0" err="1" smtClean="0"/>
-                        <a:t>teman</a:t>
+                        <a:rPr lang="en-US" dirty="0" err="1"/>
+                        <a:t>sabar</a:t>
+                      </a:r>
+                      <a:r>
+                        <a:rPr lang="en-US" dirty="0"/>
+                        <a:t> </a:t>
+                      </a:r>
+                      <a:r>
+                        <a:rPr lang="en-US" dirty="0" err="1"/>
+                        <a:t>menunggu</a:t>
+                      </a:r>
+                      <a:r>
+                        <a:rPr lang="en-US" dirty="0"/>
+                        <a:t>, </a:t>
+                      </a:r>
+                      <a:r>
+                        <a:rPr lang="en-US" dirty="0" err="1"/>
+                        <a:t>dan</a:t>
+                      </a:r>
+                      <a:r>
+                        <a:rPr lang="en-US" dirty="0"/>
+                        <a:t> </a:t>
+                      </a:r>
+                      <a:r>
+                        <a:rPr lang="en-US" dirty="0" err="1"/>
+                        <a:t>coba</a:t>
+                      </a:r>
+                      <a:r>
+                        <a:rPr lang="en-US" dirty="0"/>
+                        <a:t> </a:t>
+                      </a:r>
+                      <a:r>
+                        <a:rPr lang="en-US" dirty="0" err="1"/>
+                        <a:t>menemui</a:t>
+                      </a:r>
+                      <a:r>
+                        <a:rPr lang="en-US" dirty="0"/>
+                        <a:t> </a:t>
+                      </a:r>
+                      <a:r>
+                        <a:rPr lang="en-US" dirty="0" err="1"/>
+                        <a:t>secara</a:t>
+                      </a:r>
+                      <a:r>
+                        <a:rPr lang="en-US" dirty="0"/>
+                        <a:t> </a:t>
+                      </a:r>
+                      <a:r>
+                        <a:rPr lang="en-US" dirty="0" err="1"/>
+                        <a:t>langsung</a:t>
                       </a:r>
                       <a:endParaRPr lang="id-ID" dirty="0"/>
                     </a:p>
                   </a:txBody>
                   <a:tcPr/>
                 </a:tc>
+                <a:extLst>
+                  <a:ext uri="{0D108BD9-81ED-4DB2-BD59-A6C34878D82A}">
+                    <a16:rowId xmlns:a16="http://schemas.microsoft.com/office/drawing/2014/main" val="10001"/>
+                  </a:ext>
+                </a:extLst>
               </a:tr>
               <a:tr h="1870772">
                 <a:tc>
@@ -4160,20 +4484,36 @@
                     <a:lstStyle/>
                     <a:p>
                       <a:r>
-                        <a:rPr lang="en-US" dirty="0" smtClean="0"/>
-                        <a:t>Framework &amp; </a:t>
-                      </a:r>
-                      <a:r>
-                        <a:rPr lang="en-US" dirty="0" err="1" smtClean="0"/>
-                        <a:t>Ilmu</a:t>
-                      </a:r>
-                      <a:r>
-                        <a:rPr lang="en-US" dirty="0" smtClean="0"/>
+                        <a:rPr lang="en-US" dirty="0" err="1"/>
+                        <a:t>Sulit</a:t>
+                      </a:r>
+                      <a:r>
+                        <a:rPr lang="en-US" dirty="0"/>
                         <a:t> </a:t>
                       </a:r>
                       <a:r>
-                        <a:rPr lang="en-US" dirty="0" err="1" smtClean="0"/>
-                        <a:t>Baru</a:t>
+                        <a:rPr lang="en-US" dirty="0" err="1"/>
+                        <a:t>mengatur</a:t>
+                      </a:r>
+                      <a:r>
+                        <a:rPr lang="en-US" dirty="0"/>
+                        <a:t> </a:t>
+                      </a:r>
+                      <a:r>
+                        <a:rPr lang="en-US" dirty="0" err="1"/>
+                        <a:t>waktu</a:t>
+                      </a:r>
+                      <a:r>
+                        <a:rPr lang="en-US" dirty="0"/>
+                        <a:t> </a:t>
+                      </a:r>
+                      <a:r>
+                        <a:rPr lang="en-US" dirty="0" err="1"/>
+                        <a:t>dengan</a:t>
+                      </a:r>
+                      <a:r>
+                        <a:rPr lang="en-US" dirty="0"/>
+                        <a:t> client</a:t>
                       </a:r>
                       <a:endParaRPr lang="id-ID" dirty="0"/>
                     </a:p>
@@ -4203,46 +4543,63 @@
                         <a:defRPr/>
                       </a:pPr>
                       <a:r>
-                        <a:rPr lang="en-US" dirty="0" err="1" smtClean="0"/>
-                        <a:t>Mempelajari</a:t>
-                      </a:r>
-                      <a:r>
-                        <a:rPr lang="en-US" baseline="0" dirty="0" smtClean="0"/>
-                        <a:t> Framework </a:t>
-                      </a:r>
-                      <a:r>
-                        <a:rPr lang="en-US" baseline="0" dirty="0" err="1" smtClean="0"/>
-                        <a:t>dan</a:t>
-                      </a:r>
-                      <a:r>
-                        <a:rPr lang="en-US" baseline="0" dirty="0" smtClean="0"/>
+                        <a:rPr lang="en-US" dirty="0" err="1"/>
+                        <a:t>Menyesuaikan</a:t>
+                      </a:r>
+                      <a:r>
+                        <a:rPr lang="en-US" dirty="0"/>
                         <a:t> </a:t>
                       </a:r>
                       <a:r>
-                        <a:rPr lang="en-US" baseline="0" dirty="0" err="1" smtClean="0"/>
-                        <a:t>Ilmu</a:t>
-                      </a:r>
-                      <a:r>
-                        <a:rPr lang="en-US" baseline="0" dirty="0" smtClean="0"/>
+                        <a:rPr lang="en-US" dirty="0" err="1"/>
+                        <a:t>waktu</a:t>
+                      </a:r>
+                      <a:r>
+                        <a:rPr lang="en-US" dirty="0"/>
+                        <a:t> yang </a:t>
+                      </a:r>
+                      <a:r>
+                        <a:rPr lang="en-US" dirty="0" err="1"/>
+                        <a:t>tepat</a:t>
+                      </a:r>
+                      <a:r>
+                        <a:rPr lang="en-US" dirty="0"/>
                         <a:t> </a:t>
                       </a:r>
                       <a:r>
-                        <a:rPr lang="en-US" baseline="0" dirty="0" err="1" smtClean="0"/>
-                        <a:t>Baru</a:t>
-                      </a:r>
-                      <a:r>
-                        <a:rPr lang="en-US" baseline="0" dirty="0" smtClean="0"/>
+                        <a:rPr lang="en-US" dirty="0" err="1"/>
+                        <a:t>untuk</a:t>
+                      </a:r>
+                      <a:r>
+                        <a:rPr lang="en-US" dirty="0"/>
                         <a:t> </a:t>
                       </a:r>
                       <a:r>
-                        <a:rPr lang="en-US" baseline="0" dirty="0" err="1" smtClean="0"/>
-                        <a:t>tersebut</a:t>
+                        <a:rPr lang="en-US" dirty="0" err="1"/>
+                        <a:t>bertemu</a:t>
+                      </a:r>
+                      <a:r>
+                        <a:rPr lang="en-US" dirty="0"/>
+                        <a:t> </a:t>
+                      </a:r>
+                      <a:r>
+                        <a:rPr lang="en-US" dirty="0" err="1"/>
+                        <a:t>dengan</a:t>
+                      </a:r>
+                      <a:r>
+                        <a:rPr lang="en-US" dirty="0"/>
+                        <a:t> client</a:t>
                       </a:r>
                       <a:endParaRPr lang="id-ID" dirty="0"/>
                     </a:p>
                   </a:txBody>
                   <a:tcPr/>
                 </a:tc>
+                <a:extLst>
+                  <a:ext uri="{0D108BD9-81ED-4DB2-BD59-A6C34878D82A}">
+                    <a16:rowId xmlns:a16="http://schemas.microsoft.com/office/drawing/2014/main" val="10002"/>
+                  </a:ext>
+                </a:extLst>
               </a:tr>
             </a:tbl>
           </a:graphicData>
@@ -4251,32 +4608,25 @@
     </p:spTree>
     <p:extLst>
       <p:ext uri="{BB962C8B-B14F-4D97-AF65-F5344CB8AC3E}">
-        <p14:creationId xmlns:p14="http://schemas.microsoft.com/office/powerpoint/2010/main" val="522824126"/>
+        <p14:creationId xmlns:p14="http://schemas.microsoft.com/office/powerpoint/2010/main" val="2091258210"/>
       </p:ext>
     </p:extLst>
   </p:cSld>
   <p:clrMapOvr>
     <a:masterClrMapping/>
   </p:clrMapOvr>
-  <mc:AlternateContent xmlns:mc="http://schemas.openxmlformats.org/markup-compatibility/2006">
-    <mc:Choice xmlns:p14="http://schemas.microsoft.com/office/powerpoint/2010/main" Requires="p14">
+  <mc:AlternateContent xmlns:mc="http://schemas.openxmlformats.org/markup-compatibility/2006" xmlns:p14="http://schemas.microsoft.com/office/powerpoint/2010/main">
+    <mc:Choice Requires="p14">
       <p:transition spd="slow" p14:dur="1500">
         <p:split orient="vert"/>
       </p:transition>
     </mc:Choice>
-    <mc:Fallback>
+    <mc:Fallback xmlns="">
       <p:transition spd="slow">
         <p:split orient="vert"/>
       </p:transition>
     </mc:Fallback>
   </mc:AlternateContent>
-  <p:timing>
-    <p:tnLst>
-      <p:par>
-        <p:cTn id="1" dur="indefinite" restart="never" nodeType="tmRoot"/>
-      </p:par>
-    </p:tnLst>
-  </p:timing>
 </p:sld>
 </file>
 
@@ -4309,31 +4659,17 @@
         </p:nvSpPr>
         <p:spPr/>
         <p:txBody>
-          <a:bodyPr>
-            <a:normAutofit/>
-          </a:bodyPr>
+          <a:bodyPr/>
           <a:lstStyle/>
           <a:p>
             <a:r>
-              <a:rPr lang="en-US" dirty="0" err="1" smtClean="0"/>
+              <a:rPr lang="en-US" dirty="0" err="1"/>
               <a:t>Divisi</a:t>
             </a:r>
             <a:r>
-              <a:rPr lang="en-US" dirty="0" smtClean="0"/>
-              <a:t> </a:t>
-            </a:r>
-            <a:r>
-              <a:rPr lang="en-US" dirty="0" err="1" smtClean="0"/>
-              <a:t>Humas</a:t>
-            </a:r>
-            <a:r>
-              <a:rPr lang="en-US" dirty="0" smtClean="0"/>
-              <a:t/>
-            </a:r>
-            <a:br>
-              <a:rPr lang="en-US" dirty="0" smtClean="0"/>
-            </a:br>
-            <a:endParaRPr lang="en-US" dirty="0"/>
+              <a:rPr lang="en-US" dirty="0"/>
+              <a:t> Tester</a:t>
+            </a:r>
           </a:p>
         </p:txBody>
       </p:sp>
@@ -4366,7 +4702,7 @@
         </p:nvGraphicFramePr>
         <p:xfrm>
           <a:off x="1261980" y="1804739"/>
-          <a:ext cx="8128000" cy="3928621"/>
+          <a:ext cx="8128000" cy="2057849"/>
         </p:xfrm>
         <a:graphic>
           <a:graphicData uri="http://schemas.openxmlformats.org/drawingml/2006/table">
@@ -4375,8 +4711,20 @@
                 <a:tableStyleId>{5C22544A-7EE6-4342-B048-85BDC9FD1C3A}</a:tableStyleId>
               </a:tblPr>
               <a:tblGrid>
-                <a:gridCol w="4064000"/>
-                <a:gridCol w="4064000"/>
+                <a:gridCol w="4064000">
+                  <a:extLst>
+                    <a:ext uri="{9D8B030D-6E8A-4147-A177-3AD203B41FA5}">
+                      <a16:colId xmlns:a16="http://schemas.microsoft.com/office/drawing/2014/main" val="20000"/>
+                    </a:ext>
+                  </a:extLst>
+                </a:gridCol>
+                <a:gridCol w="4064000">
+                  <a:extLst>
+                    <a:ext uri="{9D8B030D-6E8A-4147-A177-3AD203B41FA5}">
+                      <a16:colId xmlns:a16="http://schemas.microsoft.com/office/drawing/2014/main" val="20001"/>
+                    </a:ext>
+                  </a:extLst>
+                </a:gridCol>
               </a:tblGrid>
               <a:tr h="748309">
                 <a:tc>
@@ -4385,7 +4733,7 @@
                     <a:lstStyle/>
                     <a:p>
                       <a:r>
-                        <a:rPr lang="en-US" dirty="0" smtClean="0"/>
+                        <a:rPr lang="en-US" dirty="0"/>
                         <a:t>Problem</a:t>
                       </a:r>
                       <a:endParaRPr lang="id-ID" dirty="0"/>
@@ -4399,7 +4747,7 @@
                     <a:lstStyle/>
                     <a:p>
                       <a:r>
-                        <a:rPr lang="en-US" dirty="0" smtClean="0"/>
+                        <a:rPr lang="en-US" dirty="0"/>
                         <a:t>Solving</a:t>
                       </a:r>
                       <a:endParaRPr lang="id-ID" dirty="0"/>
@@ -4407,6 +4755,11 @@
                   </a:txBody>
                   <a:tcPr/>
                 </a:tc>
+                <a:extLst>
+                  <a:ext uri="{0D108BD9-81ED-4DB2-BD59-A6C34878D82A}">
+                    <a16:rowId xmlns:a16="http://schemas.microsoft.com/office/drawing/2014/main" val="10000"/>
+                  </a:ext>
+                </a:extLst>
               </a:tr>
               <a:tr h="1309540">
                 <a:tc>
@@ -4415,36 +4768,72 @@
                     <a:lstStyle/>
                     <a:p>
                       <a:r>
-                        <a:rPr lang="en-US" dirty="0" smtClean="0"/>
-                        <a:t>Client </a:t>
-                      </a:r>
-                      <a:r>
-                        <a:rPr lang="en-US" dirty="0" err="1" smtClean="0"/>
-                        <a:t>sibuk</a:t>
-                      </a:r>
-                      <a:r>
-                        <a:rPr lang="en-US" dirty="0" smtClean="0"/>
+                        <a:rPr lang="en-US" dirty="0" err="1"/>
+                        <a:t>Sulit</a:t>
+                      </a:r>
+                      <a:r>
+                        <a:rPr lang="en-US" dirty="0"/>
                         <a:t> </a:t>
                       </a:r>
                       <a:r>
-                        <a:rPr lang="en-US" dirty="0" err="1" smtClean="0"/>
-                        <a:t>dan</a:t>
-                      </a:r>
-                      <a:r>
-                        <a:rPr lang="en-US" dirty="0" smtClean="0"/>
+                        <a:rPr lang="en-US" dirty="0" err="1"/>
+                        <a:t>mengkondisikan</a:t>
+                      </a:r>
+                      <a:r>
+                        <a:rPr lang="en-US" dirty="0"/>
                         <a:t> </a:t>
                       </a:r>
                       <a:r>
-                        <a:rPr lang="en-US" dirty="0" err="1" smtClean="0"/>
-                        <a:t>susah</a:t>
-                      </a:r>
-                      <a:r>
-                        <a:rPr lang="en-US" dirty="0" smtClean="0"/>
+                        <a:rPr lang="en-US" dirty="0" err="1"/>
+                        <a:t>diri</a:t>
+                      </a:r>
+                      <a:r>
+                        <a:rPr lang="en-US" dirty="0"/>
                         <a:t> </a:t>
                       </a:r>
                       <a:r>
-                        <a:rPr lang="en-US" dirty="0" err="1" smtClean="0"/>
-                        <a:t>dihubungi</a:t>
+                        <a:rPr lang="en-US" dirty="0" err="1"/>
+                        <a:t>sebagai</a:t>
+                      </a:r>
+                      <a:r>
+                        <a:rPr lang="en-US" dirty="0"/>
+                        <a:t> </a:t>
+                      </a:r>
+                      <a:r>
+                        <a:rPr lang="en-US" dirty="0" err="1"/>
+                        <a:t>orang</a:t>
+                      </a:r>
+                      <a:r>
+                        <a:rPr lang="en-US" dirty="0"/>
+                        <a:t> </a:t>
+                      </a:r>
+                      <a:r>
+                        <a:rPr lang="en-US" dirty="0" err="1"/>
+                        <a:t>awam</a:t>
+                      </a:r>
+                      <a:r>
+                        <a:rPr lang="en-US" dirty="0"/>
+                        <a:t> yang </a:t>
+                      </a:r>
+                      <a:r>
+                        <a:rPr lang="en-US" dirty="0" err="1"/>
+                        <a:t>kurang</a:t>
+                      </a:r>
+                      <a:r>
+                        <a:rPr lang="en-US" dirty="0"/>
+                        <a:t> </a:t>
+                      </a:r>
+                      <a:r>
+                        <a:rPr lang="en-US" dirty="0" err="1"/>
+                        <a:t>mengerti</a:t>
+                      </a:r>
+                      <a:r>
+                        <a:rPr lang="en-US" dirty="0"/>
+                        <a:t> </a:t>
+                      </a:r>
+                      <a:r>
+                        <a:rPr lang="en-US" dirty="0" err="1"/>
+                        <a:t>teknologi</a:t>
                       </a:r>
                       <a:endParaRPr lang="id-ID" dirty="0"/>
                     </a:p>
@@ -4457,189 +4846,67 @@
                     <a:lstStyle/>
                     <a:p>
                       <a:r>
-                        <a:rPr lang="en-US" dirty="0" err="1" smtClean="0"/>
-                        <a:t>Tetap</a:t>
-                      </a:r>
-                      <a:r>
-                        <a:rPr lang="en-US" baseline="0" dirty="0" smtClean="0"/>
+                        <a:rPr lang="en-US" dirty="0" err="1"/>
+                        <a:t>Sering</a:t>
+                      </a:r>
+                      <a:r>
+                        <a:rPr lang="en-US" dirty="0"/>
                         <a:t> </a:t>
                       </a:r>
                       <a:r>
-                        <a:rPr lang="en-US" dirty="0" err="1" smtClean="0"/>
-                        <a:t>sabar</a:t>
-                      </a:r>
-                      <a:r>
-                        <a:rPr lang="en-US" dirty="0" smtClean="0"/>
+                        <a:rPr lang="en-US" dirty="0" err="1"/>
+                        <a:t>berkomunikasi</a:t>
+                      </a:r>
+                      <a:r>
+                        <a:rPr lang="en-US" dirty="0"/>
                         <a:t> </a:t>
                       </a:r>
                       <a:r>
-                        <a:rPr lang="en-US" dirty="0" err="1" smtClean="0"/>
-                        <a:t>menunggu</a:t>
-                      </a:r>
-                      <a:r>
-                        <a:rPr lang="en-US" dirty="0" smtClean="0"/>
+                        <a:rPr lang="en-US" dirty="0" err="1"/>
+                        <a:t>dengan</a:t>
+                      </a:r>
+                      <a:r>
+                        <a:rPr lang="en-US" dirty="0"/>
+                        <a:t> </a:t>
+                      </a:r>
+                      <a:r>
+                        <a:rPr lang="en-US" dirty="0" err="1"/>
+                        <a:t>orang</a:t>
+                      </a:r>
+                      <a:r>
+                        <a:rPr lang="en-US" dirty="0"/>
+                        <a:t> </a:t>
+                      </a:r>
+                      <a:r>
+                        <a:rPr lang="en-US" dirty="0" err="1"/>
+                        <a:t>awam</a:t>
+                      </a:r>
+                      <a:r>
+                        <a:rPr lang="en-US" dirty="0"/>
                         <a:t>, </a:t>
                       </a:r>
                       <a:r>
-                        <a:rPr lang="en-US" dirty="0" err="1" smtClean="0"/>
-                        <a:t>dan</a:t>
-                      </a:r>
-                      <a:r>
-                        <a:rPr lang="en-US" dirty="0" smtClean="0"/>
+                        <a:rPr lang="en-US" dirty="0" err="1"/>
+                        <a:t>mencari</a:t>
+                      </a:r>
+                      <a:r>
+                        <a:rPr lang="en-US" dirty="0"/>
                         <a:t> </a:t>
                       </a:r>
                       <a:r>
-                        <a:rPr lang="en-US" dirty="0" err="1" smtClean="0"/>
-                        <a:t>coba</a:t>
-                      </a:r>
-                      <a:r>
-                        <a:rPr lang="en-US" dirty="0" smtClean="0"/>
-                        <a:t> </a:t>
-                      </a:r>
-                      <a:r>
-                        <a:rPr lang="en-US" dirty="0" err="1" smtClean="0"/>
-                        <a:t>menemui</a:t>
-                      </a:r>
-                      <a:r>
-                        <a:rPr lang="en-US" dirty="0" smtClean="0"/>
-                        <a:t> </a:t>
-                      </a:r>
-                      <a:r>
-                        <a:rPr lang="en-US" dirty="0" err="1" smtClean="0"/>
-                        <a:t>secara</a:t>
-                      </a:r>
-                      <a:r>
-                        <a:rPr lang="en-US" dirty="0" smtClean="0"/>
-                        <a:t> </a:t>
-                      </a:r>
-                      <a:r>
-                        <a:rPr lang="en-US" dirty="0" err="1" smtClean="0"/>
-                        <a:t>langsung</a:t>
+                        <a:rPr lang="en-US" dirty="0" err="1"/>
+                        <a:t>pendapat</a:t>
                       </a:r>
                       <a:endParaRPr lang="id-ID" dirty="0"/>
                     </a:p>
                   </a:txBody>
                   <a:tcPr/>
                 </a:tc>
-              </a:tr>
-              <a:tr h="1870772">
-                <a:tc>
-                  <a:txBody>
-                    <a:bodyPr/>
-                    <a:lstStyle/>
-                    <a:p>
-                      <a:r>
-                        <a:rPr lang="en-US" dirty="0" err="1" smtClean="0"/>
-                        <a:t>Sulit</a:t>
-                      </a:r>
-                      <a:r>
-                        <a:rPr lang="en-US" dirty="0" smtClean="0"/>
-                        <a:t> </a:t>
-                      </a:r>
-                      <a:r>
-                        <a:rPr lang="en-US" dirty="0" err="1" smtClean="0"/>
-                        <a:t>mengatur</a:t>
-                      </a:r>
-                      <a:r>
-                        <a:rPr lang="en-US" dirty="0" smtClean="0"/>
-                        <a:t> </a:t>
-                      </a:r>
-                      <a:r>
-                        <a:rPr lang="en-US" dirty="0" err="1" smtClean="0"/>
-                        <a:t>waktu</a:t>
-                      </a:r>
-                      <a:r>
-                        <a:rPr lang="en-US" dirty="0" smtClean="0"/>
-                        <a:t> </a:t>
-                      </a:r>
-                      <a:r>
-                        <a:rPr lang="en-US" dirty="0" err="1" smtClean="0"/>
-                        <a:t>dengan</a:t>
-                      </a:r>
-                      <a:r>
-                        <a:rPr lang="en-US" dirty="0" smtClean="0"/>
-                        <a:t> client</a:t>
-                      </a:r>
-                      <a:endParaRPr lang="id-ID" dirty="0"/>
-                    </a:p>
-                  </a:txBody>
-                  <a:tcPr/>
-                </a:tc>
-                <a:tc>
-                  <a:txBody>
-                    <a:bodyPr/>
-                    <a:lstStyle/>
-                    <a:p>
-                      <a:pPr marL="0" marR="0" lvl="1" indent="0" algn="l" defTabSz="914400" rtl="0" eaLnBrk="1" fontAlgn="auto" latinLnBrk="0" hangingPunct="1">
-                        <a:lnSpc>
-                          <a:spcPct val="100000"/>
-                        </a:lnSpc>
-                        <a:spcBef>
-                          <a:spcPts val="0"/>
-                        </a:spcBef>
-                        <a:spcAft>
-                          <a:spcPts val="0"/>
-                        </a:spcAft>
-                        <a:buClrTx/>
-                        <a:buSzTx/>
-                        <a:buFontTx/>
-                        <a:buNone/>
-                        <a:tabLst/>
-                        <a:defRPr/>
-                      </a:pPr>
-                      <a:r>
-                        <a:rPr lang="en-US" dirty="0" err="1" smtClean="0"/>
-                        <a:t>Menyesuaikan</a:t>
-                      </a:r>
-                      <a:r>
-                        <a:rPr lang="en-US" dirty="0" smtClean="0"/>
-                        <a:t> </a:t>
-                      </a:r>
-                      <a:r>
-                        <a:rPr lang="en-US" dirty="0" err="1" smtClean="0"/>
-                        <a:t>waktu</a:t>
-                      </a:r>
-                      <a:r>
-                        <a:rPr lang="en-US" dirty="0" smtClean="0"/>
-                        <a:t> yang </a:t>
-                      </a:r>
-                      <a:r>
-                        <a:rPr lang="en-US" dirty="0" err="1" smtClean="0"/>
-                        <a:t>tepat</a:t>
-                      </a:r>
-                      <a:r>
-                        <a:rPr lang="en-US" dirty="0" smtClean="0"/>
-                        <a:t> </a:t>
-                      </a:r>
-                      <a:r>
-                        <a:rPr lang="en-US" dirty="0" err="1" smtClean="0"/>
-                        <a:t>untuk</a:t>
-                      </a:r>
-                      <a:r>
-                        <a:rPr lang="en-US" dirty="0" smtClean="0"/>
-                        <a:t> </a:t>
-                      </a:r>
-                      <a:r>
-                        <a:rPr lang="en-US" dirty="0" err="1" smtClean="0"/>
-                        <a:t>bertemu</a:t>
-                      </a:r>
-                      <a:r>
-                        <a:rPr lang="en-US" dirty="0" smtClean="0"/>
-                        <a:t> </a:t>
-                      </a:r>
-                      <a:r>
-                        <a:rPr lang="en-US" dirty="0" err="1" smtClean="0"/>
-                        <a:t>dengan</a:t>
-                      </a:r>
-                      <a:r>
-                        <a:rPr lang="en-US" dirty="0" smtClean="0"/>
-                        <a:t> client</a:t>
-                      </a:r>
-                      <a:endParaRPr lang="id-ID" dirty="0"/>
-                    </a:p>
-                  </a:txBody>
-                  <a:tcPr/>
-                </a:tc>
+                <a:extLst>
+                  <a:ext uri="{0D108BD9-81ED-4DB2-BD59-A6C34878D82A}">
+                    <a16:rowId xmlns:a16="http://schemas.microsoft.com/office/drawing/2014/main" val="10001"/>
+                  </a:ext>
+                </a:extLst>
               </a:tr>
             </a:tbl>
           </a:graphicData>
@@ -4648,32 +4915,25 @@
     </p:spTree>
     <p:extLst>
       <p:ext uri="{BB962C8B-B14F-4D97-AF65-F5344CB8AC3E}">
-        <p14:creationId xmlns:p14="http://schemas.microsoft.com/office/powerpoint/2010/main" val="2091258210"/>
+        <p14:creationId xmlns:p14="http://schemas.microsoft.com/office/powerpoint/2010/main" val="2828704644"/>
       </p:ext>
     </p:extLst>
   </p:cSld>
   <p:clrMapOvr>
     <a:masterClrMapping/>
   </p:clrMapOvr>
-  <mc:AlternateContent xmlns:mc="http://schemas.openxmlformats.org/markup-compatibility/2006">
-    <mc:Choice xmlns:p14="http://schemas.microsoft.com/office/powerpoint/2010/main" Requires="p14">
+  <mc:AlternateContent xmlns:mc="http://schemas.openxmlformats.org/markup-compatibility/2006" xmlns:p14="http://schemas.microsoft.com/office/powerpoint/2010/main">
+    <mc:Choice Requires="p14">
       <p:transition spd="slow" p14:dur="1500">
         <p:split orient="vert"/>
       </p:transition>
     </mc:Choice>
-    <mc:Fallback>
+    <mc:Fallback xmlns="">
       <p:transition spd="slow">
         <p:split orient="vert"/>
       </p:transition>
     </mc:Fallback>
   </mc:AlternateContent>
-  <p:timing>
-    <p:tnLst>
-      <p:par>
-        <p:cTn id="1" dur="indefinite" restart="never" nodeType="tmRoot"/>
-      </p:par>
-    </p:tnLst>
-  </p:timing>
 </p:sld>
 </file>
 
@@ -4710,14 +4970,13 @@
           <a:lstStyle/>
           <a:p>
             <a:r>
-              <a:rPr lang="en-US" dirty="0" err="1" smtClean="0"/>
+              <a:rPr lang="en-US" dirty="0" err="1"/>
               <a:t>Divisi</a:t>
             </a:r>
             <a:r>
-              <a:rPr lang="en-US" dirty="0" smtClean="0"/>
-              <a:t> Tester</a:t>
-            </a:r>
-            <a:endParaRPr lang="en-US" dirty="0"/>
+              <a:rPr lang="en-US" dirty="0"/>
+              <a:t> Trainer</a:t>
+            </a:r>
           </a:p>
         </p:txBody>
       </p:sp>
@@ -4759,8 +5018,20 @@
                 <a:tableStyleId>{5C22544A-7EE6-4342-B048-85BDC9FD1C3A}</a:tableStyleId>
               </a:tblPr>
               <a:tblGrid>
-                <a:gridCol w="4064000"/>
-                <a:gridCol w="4064000"/>
+                <a:gridCol w="4064000">
+                  <a:extLst>
+                    <a:ext uri="{9D8B030D-6E8A-4147-A177-3AD203B41FA5}">
+                      <a16:colId xmlns:a16="http://schemas.microsoft.com/office/drawing/2014/main" val="20000"/>
+                    </a:ext>
+                  </a:extLst>
+                </a:gridCol>
+                <a:gridCol w="4064000">
+                  <a:extLst>
+                    <a:ext uri="{9D8B030D-6E8A-4147-A177-3AD203B41FA5}">
+                      <a16:colId xmlns:a16="http://schemas.microsoft.com/office/drawing/2014/main" val="20001"/>
+                    </a:ext>
+                  </a:extLst>
+                </a:gridCol>
               </a:tblGrid>
               <a:tr h="748309">
                 <a:tc>
@@ -4769,7 +5040,7 @@
                     <a:lstStyle/>
                     <a:p>
                       <a:r>
-                        <a:rPr lang="en-US" dirty="0" smtClean="0"/>
+                        <a:rPr lang="en-US" dirty="0"/>
                         <a:t>Problem</a:t>
                       </a:r>
                       <a:endParaRPr lang="id-ID" dirty="0"/>
@@ -4783,7 +5054,7 @@
                     <a:lstStyle/>
                     <a:p>
                       <a:r>
-                        <a:rPr lang="en-US" dirty="0" smtClean="0"/>
+                        <a:rPr lang="en-US" dirty="0"/>
                         <a:t>Solving</a:t>
                       </a:r>
                       <a:endParaRPr lang="id-ID" dirty="0"/>
@@ -4791,6 +5062,11 @@
                   </a:txBody>
                   <a:tcPr/>
                 </a:tc>
+                <a:extLst>
+                  <a:ext uri="{0D108BD9-81ED-4DB2-BD59-A6C34878D82A}">
+                    <a16:rowId xmlns:a16="http://schemas.microsoft.com/office/drawing/2014/main" val="10000"/>
+                  </a:ext>
+                </a:extLst>
               </a:tr>
               <a:tr h="1309540">
                 <a:tc>
@@ -4798,141 +5074,129 @@
                     <a:bodyPr/>
                     <a:lstStyle/>
                     <a:p>
-                      <a:r>
-                        <a:rPr lang="en-US" dirty="0" err="1" smtClean="0"/>
-                        <a:t>Sulit</a:t>
-                      </a:r>
-                      <a:r>
-                        <a:rPr lang="en-US" dirty="0" smtClean="0"/>
+                      <a:endParaRPr lang="en-US" dirty="0" err="1"/>
+                    </a:p>
+                    <a:p>
+                      <a:pPr marL="0" marR="0" lvl="1" indent="0" algn="l" defTabSz="914400" rtl="0" eaLnBrk="1" fontAlgn="auto" latinLnBrk="0" hangingPunct="1">
+                        <a:lnSpc>
+                          <a:spcPct val="100000"/>
+                        </a:lnSpc>
+                        <a:spcBef>
+                          <a:spcPts val="0"/>
+                        </a:spcBef>
+                        <a:spcAft>
+                          <a:spcPts val="0"/>
+                        </a:spcAft>
+                        <a:buClrTx/>
+                        <a:buSzTx/>
+                        <a:buFontTx/>
+                        <a:buNone/>
+                        <a:tabLst/>
+                        <a:defRPr/>
+                      </a:pPr>
+                      <a:r>
+                        <a:rPr lang="en-US" dirty="0" err="1"/>
+                        <a:t>Secara</a:t>
+                      </a:r>
+                      <a:r>
+                        <a:rPr lang="en-US" dirty="0"/>
+                        <a:t> personal </a:t>
+                      </a:r>
+                      <a:r>
+                        <a:rPr lang="en-US" dirty="0" err="1"/>
+                        <a:t>anggota</a:t>
+                      </a:r>
+                      <a:r>
+                        <a:rPr lang="en-US" dirty="0"/>
                         <a:t> </a:t>
                       </a:r>
                       <a:r>
-                        <a:rPr lang="en-US" dirty="0" err="1" smtClean="0"/>
-                        <a:t>mengkondisikan</a:t>
-                      </a:r>
-                      <a:r>
-                        <a:rPr lang="en-US" dirty="0" smtClean="0"/>
+                        <a:rPr lang="en-US" dirty="0" err="1"/>
+                        <a:t>divisi</a:t>
+                      </a:r>
+                      <a:r>
+                        <a:rPr lang="en-US" dirty="0"/>
+                        <a:t> trainer </a:t>
+                      </a:r>
+                      <a:r>
+                        <a:rPr lang="en-US" dirty="0" err="1"/>
+                        <a:t>kurang</a:t>
+                      </a:r>
+                      <a:r>
+                        <a:rPr lang="en-US" dirty="0"/>
                         <a:t> </a:t>
                       </a:r>
                       <a:r>
-                        <a:rPr lang="en-US" dirty="0" err="1" smtClean="0"/>
-                        <a:t>diri</a:t>
-                      </a:r>
-                      <a:r>
-                        <a:rPr lang="en-US" dirty="0" smtClean="0"/>
+                        <a:rPr lang="en-US" dirty="0" err="1"/>
+                        <a:t>aktif</a:t>
+                      </a:r>
+                      <a:r>
+                        <a:rPr lang="en-US" dirty="0"/>
                         <a:t> </a:t>
                       </a:r>
                       <a:r>
-                        <a:rPr lang="en-US" dirty="0" err="1" smtClean="0"/>
-                        <a:t>sebagai</a:t>
-                      </a:r>
-                      <a:r>
-                        <a:rPr lang="en-US" dirty="0" smtClean="0"/>
+                        <a:rPr lang="en-US" dirty="0" err="1"/>
+                        <a:t>dalam</a:t>
+                      </a:r>
+                      <a:r>
+                        <a:rPr lang="en-US" dirty="0"/>
                         <a:t> </a:t>
                       </a:r>
                       <a:r>
-                        <a:rPr lang="en-US" dirty="0" err="1" smtClean="0"/>
-                        <a:t>orang</a:t>
-                      </a:r>
-                      <a:r>
-                        <a:rPr lang="en-US" dirty="0" smtClean="0"/>
+                        <a:rPr lang="en-US" dirty="0" err="1"/>
+                        <a:t>tim</a:t>
+                      </a:r>
+                      <a:endParaRPr lang="en-US" dirty="0"/>
+                    </a:p>
+                    <a:p>
+                      <a:endParaRPr lang="en-US" dirty="0" err="1"/>
+                    </a:p>
+                  </a:txBody>
+                  <a:tcPr/>
+                </a:tc>
+                <a:tc>
+                  <a:txBody>
+                    <a:bodyPr/>
+                    <a:lstStyle/>
+                    <a:p>
+                      <a:r>
+                        <a:rPr lang="en-US" dirty="0" err="1"/>
+                        <a:t>Lebih</a:t>
+                      </a:r>
+                      <a:r>
+                        <a:rPr lang="en-US" dirty="0"/>
                         <a:t> </a:t>
                       </a:r>
                       <a:r>
-                        <a:rPr lang="en-US" dirty="0" err="1" smtClean="0"/>
-                        <a:t>awam</a:t>
-                      </a:r>
-                      <a:r>
-                        <a:rPr lang="en-US" dirty="0" smtClean="0"/>
-                        <a:t> yang </a:t>
-                      </a:r>
-                      <a:r>
-                        <a:rPr lang="en-US" dirty="0" err="1" smtClean="0"/>
-                        <a:t>kurang</a:t>
-                      </a:r>
-                      <a:r>
-                        <a:rPr lang="en-US" dirty="0" smtClean="0"/>
+                        <a:rPr lang="en-US" dirty="0" err="1"/>
+                        <a:t>aktif</a:t>
+                      </a:r>
+                      <a:r>
+                        <a:rPr lang="en-US" dirty="0"/>
                         <a:t> </a:t>
                       </a:r>
                       <a:r>
-                        <a:rPr lang="en-US" dirty="0" err="1" smtClean="0"/>
-                        <a:t>mengerti</a:t>
-                      </a:r>
-                      <a:r>
-                        <a:rPr lang="en-US" dirty="0" smtClean="0"/>
+                        <a:rPr lang="en-US" dirty="0" err="1"/>
+                        <a:t>dalam</a:t>
+                      </a:r>
+                      <a:r>
+                        <a:rPr lang="en-US" dirty="0"/>
                         <a:t> </a:t>
                       </a:r>
                       <a:r>
-                        <a:rPr lang="en-US" dirty="0" err="1" smtClean="0"/>
-                        <a:t>teknologi</a:t>
+                        <a:rPr lang="en-US" dirty="0" err="1"/>
+                        <a:t>tim</a:t>
                       </a:r>
                       <a:endParaRPr lang="id-ID" dirty="0"/>
                     </a:p>
                   </a:txBody>
                   <a:tcPr/>
                 </a:tc>
-                <a:tc>
-                  <a:txBody>
-                    <a:bodyPr/>
-                    <a:lstStyle/>
-                    <a:p>
-                      <a:r>
-                        <a:rPr lang="en-US" dirty="0" err="1" smtClean="0"/>
-                        <a:t>Sering</a:t>
-                      </a:r>
-                      <a:r>
-                        <a:rPr lang="en-US" dirty="0" smtClean="0"/>
-                        <a:t> </a:t>
-                      </a:r>
-                      <a:r>
-                        <a:rPr lang="en-US" dirty="0" err="1" smtClean="0"/>
-                        <a:t>berkomunikasi</a:t>
-                      </a:r>
-                      <a:r>
-                        <a:rPr lang="en-US" dirty="0" smtClean="0"/>
-                        <a:t> </a:t>
-                      </a:r>
-                      <a:r>
-                        <a:rPr lang="en-US" dirty="0" err="1" smtClean="0"/>
-                        <a:t>dengan</a:t>
-                      </a:r>
-                      <a:r>
-                        <a:rPr lang="en-US" dirty="0" smtClean="0"/>
-                        <a:t> </a:t>
-                      </a:r>
-                      <a:r>
-                        <a:rPr lang="en-US" dirty="0" err="1" smtClean="0"/>
-                        <a:t>orang</a:t>
-                      </a:r>
-                      <a:r>
-                        <a:rPr lang="en-US" dirty="0" smtClean="0"/>
-                        <a:t> </a:t>
-                      </a:r>
-                      <a:r>
-                        <a:rPr lang="en-US" dirty="0" err="1" smtClean="0"/>
-                        <a:t>awam</a:t>
-                      </a:r>
-                      <a:r>
-                        <a:rPr lang="en-US" dirty="0" smtClean="0"/>
-                        <a:t>, </a:t>
-                      </a:r>
-                      <a:r>
-                        <a:rPr lang="en-US" dirty="0" err="1" smtClean="0"/>
-                        <a:t>mencari</a:t>
-                      </a:r>
-                      <a:r>
-                        <a:rPr lang="en-US" dirty="0" smtClean="0"/>
-                        <a:t> </a:t>
-                      </a:r>
-                      <a:r>
-                        <a:rPr lang="en-US" dirty="0" err="1" smtClean="0"/>
-                        <a:t>pendapat</a:t>
-                      </a:r>
-                      <a:endParaRPr lang="id-ID" dirty="0"/>
-                    </a:p>
-                  </a:txBody>
-                  <a:tcPr/>
-                </a:tc>
+                <a:extLst>
+                  <a:ext uri="{0D108BD9-81ED-4DB2-BD59-A6C34878D82A}">
+                    <a16:rowId xmlns:a16="http://schemas.microsoft.com/office/drawing/2014/main" val="10001"/>
+                  </a:ext>
+                </a:extLst>
               </a:tr>
             </a:tbl>
           </a:graphicData>
@@ -4941,32 +5205,25 @@
     </p:spTree>
     <p:extLst>
       <p:ext uri="{BB962C8B-B14F-4D97-AF65-F5344CB8AC3E}">
-        <p14:creationId xmlns:p14="http://schemas.microsoft.com/office/powerpoint/2010/main" val="2828704644"/>
+        <p14:creationId xmlns:p14="http://schemas.microsoft.com/office/powerpoint/2010/main" val="2875883870"/>
       </p:ext>
     </p:extLst>
   </p:cSld>
   <p:clrMapOvr>
     <a:masterClrMapping/>
   </p:clrMapOvr>
-  <mc:AlternateContent xmlns:mc="http://schemas.openxmlformats.org/markup-compatibility/2006">
-    <mc:Choice xmlns:p14="http://schemas.microsoft.com/office/powerpoint/2010/main" Requires="p14">
+  <mc:AlternateContent xmlns:mc="http://schemas.openxmlformats.org/markup-compatibility/2006" xmlns:p14="http://schemas.microsoft.com/office/powerpoint/2010/main">
+    <mc:Choice Requires="p14">
       <p:transition spd="slow" p14:dur="1500">
         <p:split orient="vert"/>
       </p:transition>
     </mc:Choice>
-    <mc:Fallback>
+    <mc:Fallback xmlns="">
       <p:transition spd="slow">
         <p:split orient="vert"/>
       </p:transition>
     </mc:Fallback>
   </mc:AlternateContent>
-  <p:timing>
-    <p:tnLst>
-      <p:par>
-        <p:cTn id="1" dur="indefinite" restart="never" nodeType="tmRoot"/>
-      </p:par>
-    </p:tnLst>
-  </p:timing>
 </p:sld>
 </file>
 
@@ -5003,47 +5260,46 @@
           <a:lstStyle/>
           <a:p>
             <a:r>
-              <a:rPr lang="en-US" dirty="0" err="1" smtClean="0"/>
-              <a:t>Divisi</a:t>
-            </a:r>
-            <a:r>
-              <a:rPr lang="en-US" dirty="0" smtClean="0"/>
-              <a:t> Trainer</a:t>
+              <a:rPr lang="en-US" dirty="0"/>
+              <a:t>Project </a:t>
+            </a:r>
+            <a:r>
+              <a:rPr lang="en-US" dirty="0" err="1"/>
+              <a:t>Manajer</a:t>
+            </a:r>
+            <a:r>
+              <a:rPr lang="en-US" dirty="0"/>
+              <a:t> </a:t>
+            </a:r>
+            <a:r>
+              <a:rPr lang="en-US" dirty="0" err="1"/>
+              <a:t>dan</a:t>
+            </a:r>
+            <a:r>
+              <a:rPr lang="en-US" dirty="0"/>
+              <a:t> </a:t>
+            </a:r>
+            <a:r>
+              <a:rPr lang="en-US" dirty="0" err="1"/>
+              <a:t>Wakil</a:t>
             </a:r>
             <a:endParaRPr lang="en-US" dirty="0"/>
-          </a:p>
-        </p:txBody>
-      </p:sp>
-      <p:sp>
-        <p:nvSpPr>
-          <p:cNvPr id="3" name="Content Placeholder 2"/>
-          <p:cNvSpPr>
-            <a:spLocks noGrp="1"/>
-          </p:cNvSpPr>
-          <p:nvPr>
-            <p:ph idx="1"/>
-          </p:nvPr>
-        </p:nvSpPr>
-        <p:spPr/>
-        <p:txBody>
-          <a:bodyPr/>
-          <a:lstStyle/>
-          <a:p>
-            <a:endParaRPr lang="en-US"/>
           </a:p>
         </p:txBody>
       </p:sp>
       <p:graphicFrame>
         <p:nvGraphicFramePr>
-          <p:cNvPr id="4" name="Table 3"/>
+          <p:cNvPr id="5" name="Content Placeholder 4"/>
           <p:cNvGraphicFramePr>
             <a:graphicFrameLocks noGrp="1"/>
           </p:cNvGraphicFramePr>
-          <p:nvPr/>
+          <p:nvPr>
+            <p:ph idx="1"/>
+          </p:nvPr>
         </p:nvGraphicFramePr>
         <p:xfrm>
-          <a:off x="1261980" y="1804739"/>
-          <a:ext cx="8128000" cy="2057849"/>
+          <a:off x="838200" y="1792709"/>
+          <a:ext cx="10315074" cy="4018545"/>
         </p:xfrm>
         <a:graphic>
           <a:graphicData uri="http://schemas.openxmlformats.org/drawingml/2006/table">
@@ -5052,17 +5308,29 @@
                 <a:tableStyleId>{5C22544A-7EE6-4342-B048-85BDC9FD1C3A}</a:tableStyleId>
               </a:tblPr>
               <a:tblGrid>
-                <a:gridCol w="4064000"/>
-                <a:gridCol w="4064000"/>
+                <a:gridCol w="5157537">
+                  <a:extLst>
+                    <a:ext uri="{9D8B030D-6E8A-4147-A177-3AD203B41FA5}">
+                      <a16:colId xmlns:a16="http://schemas.microsoft.com/office/drawing/2014/main" val="20000"/>
+                    </a:ext>
+                  </a:extLst>
+                </a:gridCol>
+                <a:gridCol w="5157537">
+                  <a:extLst>
+                    <a:ext uri="{9D8B030D-6E8A-4147-A177-3AD203B41FA5}">
+                      <a16:colId xmlns:a16="http://schemas.microsoft.com/office/drawing/2014/main" val="20001"/>
+                    </a:ext>
+                  </a:extLst>
+                </a:gridCol>
               </a:tblGrid>
-              <a:tr h="748309">
-                <a:tc>
-                  <a:txBody>
-                    <a:bodyPr/>
-                    <a:lstStyle/>
-                    <a:p>
-                      <a:r>
-                        <a:rPr lang="en-US" dirty="0" smtClean="0"/>
+              <a:tr h="803709">
+                <a:tc>
+                  <a:txBody>
+                    <a:bodyPr/>
+                    <a:lstStyle/>
+                    <a:p>
+                      <a:r>
+                        <a:rPr lang="en-US" dirty="0"/>
                         <a:t>Problem</a:t>
                       </a:r>
                       <a:endParaRPr lang="id-ID" dirty="0"/>
@@ -5076,7 +5344,7 @@
                     <a:lstStyle/>
                     <a:p>
                       <a:r>
-                        <a:rPr lang="en-US" dirty="0" smtClean="0"/>
+                        <a:rPr lang="en-US" dirty="0"/>
                         <a:t>Solving</a:t>
                       </a:r>
                       <a:endParaRPr lang="id-ID" dirty="0"/>
@@ -5084,15 +5352,17 @@
                   </a:txBody>
                   <a:tcPr/>
                 </a:tc>
+                <a:extLst>
+                  <a:ext uri="{0D108BD9-81ED-4DB2-BD59-A6C34878D82A}">
+                    <a16:rowId xmlns:a16="http://schemas.microsoft.com/office/drawing/2014/main" val="10000"/>
+                  </a:ext>
+                </a:extLst>
               </a:tr>
-              <a:tr h="1309540">
-                <a:tc>
-                  <a:txBody>
-                    <a:bodyPr/>
-                    <a:lstStyle/>
-                    <a:p>
-                      <a:endParaRPr lang="en-US" dirty="0" err="1" smtClean="0"/>
-                    </a:p>
+              <a:tr h="803709">
+                <a:tc>
+                  <a:txBody>
+                    <a:bodyPr/>
+                    <a:lstStyle/>
                     <a:p>
                       <a:pPr marL="0" marR="0" lvl="1" indent="0" algn="l" defTabSz="914400" rtl="0" eaLnBrk="1" fontAlgn="auto" latinLnBrk="0" hangingPunct="1">
                         <a:lnSpc>
@@ -5112,103 +5382,522 @@
                         <a:defRPr/>
                       </a:pPr>
                       <a:r>
-                        <a:rPr lang="en-US" dirty="0" err="1" smtClean="0"/>
-                        <a:t>Secara</a:t>
-                      </a:r>
-                      <a:r>
-                        <a:rPr lang="en-US" dirty="0" smtClean="0"/>
-                        <a:t> personal </a:t>
-                      </a:r>
-                      <a:r>
-                        <a:rPr lang="en-US" dirty="0" err="1" smtClean="0"/>
-                        <a:t>anggota</a:t>
-                      </a:r>
-                      <a:r>
-                        <a:rPr lang="en-US" dirty="0" smtClean="0"/>
+                        <a:rPr lang="en-US" dirty="0" err="1"/>
+                        <a:t>Anggota</a:t>
+                      </a:r>
+                      <a:r>
+                        <a:rPr lang="en-US" dirty="0"/>
                         <a:t> </a:t>
                       </a:r>
                       <a:r>
-                        <a:rPr lang="en-US" dirty="0" err="1" smtClean="0"/>
+                        <a:rPr lang="en-US" dirty="0" err="1"/>
+                        <a:t>kurang</a:t>
+                      </a:r>
+                      <a:r>
+                        <a:rPr lang="en-US" dirty="0"/>
+                        <a:t> </a:t>
+                      </a:r>
+                      <a:r>
+                        <a:rPr lang="en-US" dirty="0" err="1"/>
+                        <a:t>merhargai</a:t>
+                      </a:r>
+                      <a:r>
+                        <a:rPr lang="en-US" dirty="0"/>
+                        <a:t> project </a:t>
+                      </a:r>
+                      <a:r>
+                        <a:rPr lang="en-US" dirty="0" err="1"/>
+                        <a:t>manajer</a:t>
+                      </a:r>
+                      <a:endParaRPr lang="id-ID" dirty="0"/>
+                    </a:p>
+                  </a:txBody>
+                  <a:tcPr/>
+                </a:tc>
+                <a:tc>
+                  <a:txBody>
+                    <a:bodyPr/>
+                    <a:lstStyle/>
+                    <a:p>
+                      <a:pPr marL="0" marR="0" lvl="1" indent="0" algn="l" defTabSz="914400" rtl="0" eaLnBrk="1" fontAlgn="auto" latinLnBrk="0" hangingPunct="1">
+                        <a:lnSpc>
+                          <a:spcPct val="100000"/>
+                        </a:lnSpc>
+                        <a:spcBef>
+                          <a:spcPts val="0"/>
+                        </a:spcBef>
+                        <a:spcAft>
+                          <a:spcPts val="0"/>
+                        </a:spcAft>
+                        <a:buClrTx/>
+                        <a:buSzTx/>
+                        <a:buFontTx/>
+                        <a:buNone/>
+                        <a:tabLst/>
+                        <a:defRPr/>
+                      </a:pPr>
+                      <a:r>
+                        <a:rPr lang="en-US" dirty="0" err="1"/>
+                        <a:t>Lebih</a:t>
+                      </a:r>
+                      <a:r>
+                        <a:rPr lang="en-US" dirty="0"/>
+                        <a:t> </a:t>
+                      </a:r>
+                      <a:r>
+                        <a:rPr lang="en-US" dirty="0" err="1"/>
+                        <a:t>tegas</a:t>
+                      </a:r>
+                      <a:r>
+                        <a:rPr lang="en-US" dirty="0"/>
+                        <a:t> agar </a:t>
+                      </a:r>
+                      <a:r>
+                        <a:rPr lang="en-US" dirty="0" err="1"/>
+                        <a:t>lebih</a:t>
+                      </a:r>
+                      <a:r>
+                        <a:rPr lang="en-US" dirty="0"/>
+                        <a:t> </a:t>
+                      </a:r>
+                      <a:r>
+                        <a:rPr lang="en-US" dirty="0" err="1"/>
+                        <a:t>dihargai</a:t>
+                      </a:r>
+                      <a:endParaRPr lang="en-US" dirty="0"/>
+                    </a:p>
+                    <a:p>
+                      <a:endParaRPr lang="id-ID" dirty="0"/>
+                    </a:p>
+                  </a:txBody>
+                  <a:tcPr/>
+                </a:tc>
+                <a:extLst>
+                  <a:ext uri="{0D108BD9-81ED-4DB2-BD59-A6C34878D82A}">
+                    <a16:rowId xmlns:a16="http://schemas.microsoft.com/office/drawing/2014/main" val="10001"/>
+                  </a:ext>
+                </a:extLst>
+              </a:tr>
+              <a:tr h="803709">
+                <a:tc>
+                  <a:txBody>
+                    <a:bodyPr/>
+                    <a:lstStyle/>
+                    <a:p>
+                      <a:r>
+                        <a:rPr lang="en-US" dirty="0" err="1"/>
+                        <a:t>Sulit</a:t>
+                      </a:r>
+                      <a:r>
+                        <a:rPr lang="en-US" dirty="0"/>
+                        <a:t> </a:t>
+                      </a:r>
+                      <a:r>
+                        <a:rPr lang="en-US" dirty="0" err="1"/>
+                        <a:t>menyelesaikan</a:t>
+                      </a:r>
+                      <a:r>
+                        <a:rPr lang="en-US" dirty="0"/>
+                        <a:t> </a:t>
+                      </a:r>
+                      <a:r>
+                        <a:rPr lang="en-US" dirty="0" err="1"/>
+                        <a:t>masalah</a:t>
+                      </a:r>
+                      <a:r>
+                        <a:rPr lang="en-US" dirty="0"/>
+                        <a:t> </a:t>
+                      </a:r>
+                      <a:r>
+                        <a:rPr lang="en-US" dirty="0" err="1"/>
+                        <a:t>tiap</a:t>
+                      </a:r>
+                      <a:r>
+                        <a:rPr lang="en-US" dirty="0"/>
+                        <a:t> </a:t>
+                      </a:r>
+                      <a:r>
+                        <a:rPr lang="en-US" dirty="0" err="1"/>
                         <a:t>divisi</a:t>
                       </a:r>
                       <a:r>
-                        <a:rPr lang="en-US" dirty="0" smtClean="0"/>
-                        <a:t> trainer </a:t>
-                      </a:r>
-                      <a:r>
-                        <a:rPr lang="en-US" dirty="0" err="1" smtClean="0"/>
+                        <a:rPr lang="en-US" dirty="0"/>
+                        <a:t>, </a:t>
+                      </a:r>
+                      <a:r>
+                        <a:rPr lang="en-US" dirty="0" err="1"/>
+                        <a:t>karena</a:t>
+                      </a:r>
+                      <a:r>
+                        <a:rPr lang="en-US" dirty="0"/>
+                        <a:t> </a:t>
+                      </a:r>
+                      <a:r>
+                        <a:rPr lang="en-US" dirty="0" err="1"/>
+                        <a:t>tiap</a:t>
+                      </a:r>
+                      <a:r>
+                        <a:rPr lang="en-US" dirty="0"/>
+                        <a:t> </a:t>
+                      </a:r>
+                      <a:r>
+                        <a:rPr lang="en-US" dirty="0" err="1"/>
+                        <a:t>divisi</a:t>
+                      </a:r>
+                      <a:r>
+                        <a:rPr lang="en-US" dirty="0"/>
+                        <a:t> </a:t>
+                      </a:r>
+                      <a:r>
+                        <a:rPr lang="en-US" dirty="0" err="1"/>
                         <a:t>kurang</a:t>
                       </a:r>
                       <a:r>
-                        <a:rPr lang="en-US" dirty="0" smtClean="0"/>
+                        <a:rPr lang="en-US" dirty="0"/>
                         <a:t> </a:t>
                       </a:r>
                       <a:r>
-                        <a:rPr lang="en-US" dirty="0" err="1" smtClean="0"/>
+                        <a:rPr lang="en-US" dirty="0" err="1"/>
+                        <a:t>terbuka</a:t>
+                      </a:r>
+                      <a:endParaRPr lang="id-ID" dirty="0"/>
+                    </a:p>
+                  </a:txBody>
+                  <a:tcPr/>
+                </a:tc>
+                <a:tc>
+                  <a:txBody>
+                    <a:bodyPr/>
+                    <a:lstStyle/>
+                    <a:p>
+                      <a:r>
+                        <a:rPr lang="en-US" dirty="0"/>
+                        <a:t>Project </a:t>
+                      </a:r>
+                      <a:r>
+                        <a:rPr lang="en-US" dirty="0" err="1"/>
+                        <a:t>manajer</a:t>
+                      </a:r>
+                      <a:r>
+                        <a:rPr lang="en-US" dirty="0"/>
+                        <a:t> </a:t>
+                      </a:r>
+                      <a:r>
+                        <a:rPr lang="en-US" dirty="0" err="1"/>
+                        <a:t>lebih</a:t>
+                      </a:r>
+                      <a:r>
+                        <a:rPr lang="en-US" dirty="0"/>
+                        <a:t> </a:t>
+                      </a:r>
+                      <a:r>
+                        <a:rPr lang="en-US" dirty="0" err="1"/>
                         <a:t>aktif</a:t>
                       </a:r>
                       <a:r>
-                        <a:rPr lang="en-US" dirty="0" smtClean="0"/>
+                        <a:rPr lang="en-US" dirty="0"/>
                         <a:t> </a:t>
                       </a:r>
                       <a:r>
-                        <a:rPr lang="en-US" dirty="0" err="1" smtClean="0"/>
+                        <a:rPr lang="en-US" dirty="0" err="1"/>
                         <a:t>dalam</a:t>
                       </a:r>
                       <a:r>
-                        <a:rPr lang="en-US" dirty="0" smtClean="0"/>
+                        <a:rPr lang="en-US" dirty="0"/>
                         <a:t> </a:t>
                       </a:r>
                       <a:r>
-                        <a:rPr lang="en-US" dirty="0" err="1" smtClean="0"/>
-                        <a:t>tim</a:t>
-                      </a:r>
-                      <a:endParaRPr lang="en-US" dirty="0" smtClean="0"/>
-                    </a:p>
-                    <a:p>
-                      <a:endParaRPr lang="en-US" dirty="0" err="1" smtClean="0"/>
+                        <a:rPr lang="en-US" dirty="0" err="1"/>
+                        <a:t>berkomunikasi</a:t>
+                      </a:r>
+                      <a:r>
+                        <a:rPr lang="en-US" dirty="0"/>
+                        <a:t> </a:t>
+                      </a:r>
+                      <a:r>
+                        <a:rPr lang="en-US" dirty="0" err="1"/>
+                        <a:t>dengan</a:t>
+                      </a:r>
+                      <a:r>
+                        <a:rPr lang="en-US" dirty="0"/>
+                        <a:t> </a:t>
+                      </a:r>
+                      <a:r>
+                        <a:rPr lang="en-US" dirty="0" err="1"/>
+                        <a:t>tiap</a:t>
+                      </a:r>
+                      <a:r>
+                        <a:rPr lang="en-US" dirty="0"/>
+                        <a:t> </a:t>
+                      </a:r>
+                      <a:r>
+                        <a:rPr lang="en-US" dirty="0" err="1"/>
+                        <a:t>divisi</a:t>
+                      </a:r>
+                      <a:endParaRPr lang="id-ID" dirty="0"/>
                     </a:p>
                   </a:txBody>
                   <a:tcPr/>
                 </a:tc>
-                <a:tc>
-                  <a:txBody>
-                    <a:bodyPr/>
-                    <a:lstStyle/>
-                    <a:p>
-                      <a:r>
-                        <a:rPr lang="en-US" dirty="0" err="1" smtClean="0"/>
-                        <a:t>Lebih</a:t>
-                      </a:r>
-                      <a:r>
-                        <a:rPr lang="en-US" dirty="0" smtClean="0"/>
+                <a:extLst>
+                  <a:ext uri="{0D108BD9-81ED-4DB2-BD59-A6C34878D82A}">
+                    <a16:rowId xmlns:a16="http://schemas.microsoft.com/office/drawing/2014/main" val="10002"/>
+                  </a:ext>
+                </a:extLst>
+              </a:tr>
+              <a:tr h="803709">
+                <a:tc>
+                  <a:txBody>
+                    <a:bodyPr/>
+                    <a:lstStyle/>
+                    <a:p>
+                      <a:pPr marL="0" marR="0" lvl="1" indent="0" algn="l" defTabSz="914400" rtl="0" eaLnBrk="1" fontAlgn="auto" latinLnBrk="0" hangingPunct="1">
+                        <a:lnSpc>
+                          <a:spcPct val="100000"/>
+                        </a:lnSpc>
+                        <a:spcBef>
+                          <a:spcPts val="0"/>
+                        </a:spcBef>
+                        <a:spcAft>
+                          <a:spcPts val="0"/>
+                        </a:spcAft>
+                        <a:buClrTx/>
+                        <a:buSzTx/>
+                        <a:buFontTx/>
+                        <a:buNone/>
+                        <a:tabLst/>
+                        <a:defRPr/>
+                      </a:pPr>
+                      <a:r>
+                        <a:rPr lang="en-US" dirty="0" err="1"/>
+                        <a:t>Sulit</a:t>
+                      </a:r>
+                      <a:r>
+                        <a:rPr lang="en-US" dirty="0"/>
                         <a:t> </a:t>
                       </a:r>
                       <a:r>
-                        <a:rPr lang="en-US" dirty="0" err="1" smtClean="0"/>
-                        <a:t>aktif</a:t>
-                      </a:r>
-                      <a:r>
-                        <a:rPr lang="en-US" dirty="0" smtClean="0"/>
+                        <a:rPr lang="en-US" dirty="0" err="1"/>
+                        <a:t>menemukan</a:t>
+                      </a:r>
+                      <a:r>
+                        <a:rPr lang="en-US" dirty="0"/>
                         <a:t> </a:t>
                       </a:r>
                       <a:r>
-                        <a:rPr lang="en-US" dirty="0" err="1" smtClean="0"/>
+                        <a:rPr lang="en-US" dirty="0" err="1"/>
+                        <a:t>waktu</a:t>
+                      </a:r>
+                      <a:r>
+                        <a:rPr lang="en-US" dirty="0"/>
+                        <a:t> yang </a:t>
+                      </a:r>
+                      <a:r>
+                        <a:rPr lang="en-US" dirty="0" err="1"/>
+                        <a:t>tepat</a:t>
+                      </a:r>
+                      <a:r>
+                        <a:rPr lang="en-US" dirty="0"/>
+                        <a:t> </a:t>
+                      </a:r>
+                      <a:r>
+                        <a:rPr lang="en-US" dirty="0" err="1"/>
+                        <a:t>untuk</a:t>
+                      </a:r>
+                      <a:r>
+                        <a:rPr lang="en-US" dirty="0"/>
+                        <a:t> </a:t>
+                      </a:r>
+                      <a:r>
+                        <a:rPr lang="en-US" dirty="0" err="1"/>
+                        <a:t>rapat</a:t>
+                      </a:r>
+                      <a:endParaRPr lang="en-US" dirty="0"/>
+                    </a:p>
+                    <a:p>
+                      <a:endParaRPr lang="id-ID" dirty="0"/>
+                    </a:p>
+                  </a:txBody>
+                  <a:tcPr/>
+                </a:tc>
+                <a:tc>
+                  <a:txBody>
+                    <a:bodyPr/>
+                    <a:lstStyle/>
+                    <a:p>
+                      <a:r>
+                        <a:rPr lang="en-US" dirty="0" err="1"/>
+                        <a:t>Mencoba</a:t>
+                      </a:r>
+                      <a:r>
+                        <a:rPr lang="en-US" dirty="0"/>
+                        <a:t> </a:t>
+                      </a:r>
+                      <a:r>
+                        <a:rPr lang="en-US" dirty="0" err="1"/>
+                        <a:t>mencari</a:t>
+                      </a:r>
+                      <a:r>
+                        <a:rPr lang="en-US" dirty="0"/>
+                        <a:t> </a:t>
+                      </a:r>
+                      <a:r>
+                        <a:rPr lang="en-US" dirty="0" err="1"/>
+                        <a:t>waktu</a:t>
+                      </a:r>
+                      <a:r>
+                        <a:rPr lang="en-US" dirty="0"/>
+                        <a:t> yang paling </a:t>
+                      </a:r>
+                      <a:r>
+                        <a:rPr lang="en-US" dirty="0" err="1"/>
+                        <a:t>tepat</a:t>
+                      </a:r>
+                      <a:r>
+                        <a:rPr lang="en-US" dirty="0"/>
+                        <a:t> </a:t>
+                      </a:r>
+                      <a:r>
+                        <a:rPr lang="en-US" dirty="0" err="1"/>
+                        <a:t>dan</a:t>
+                      </a:r>
+                      <a:r>
+                        <a:rPr lang="en-US" dirty="0"/>
+                        <a:t> </a:t>
+                      </a:r>
+                      <a:r>
+                        <a:rPr lang="en-US" dirty="0" err="1"/>
+                        <a:t>menentukan</a:t>
+                      </a:r>
+                      <a:r>
+                        <a:rPr lang="en-US" dirty="0"/>
+                        <a:t> </a:t>
+                      </a:r>
+                      <a:r>
+                        <a:rPr lang="en-US" dirty="0" err="1"/>
+                        <a:t>prioritas</a:t>
+                      </a:r>
+                      <a:endParaRPr lang="id-ID" dirty="0"/>
+                    </a:p>
+                  </a:txBody>
+                  <a:tcPr/>
+                </a:tc>
+                <a:extLst>
+                  <a:ext uri="{0D108BD9-81ED-4DB2-BD59-A6C34878D82A}">
+                    <a16:rowId xmlns:a16="http://schemas.microsoft.com/office/drawing/2014/main" val="10003"/>
+                  </a:ext>
+                </a:extLst>
+              </a:tr>
+              <a:tr h="803709">
+                <a:tc>
+                  <a:txBody>
+                    <a:bodyPr/>
+                    <a:lstStyle/>
+                    <a:p>
+                      <a:r>
+                        <a:rPr lang="en-US" dirty="0"/>
+                        <a:t>Project </a:t>
+                      </a:r>
+                      <a:r>
+                        <a:rPr lang="en-US" dirty="0" err="1"/>
+                        <a:t>Manajer</a:t>
+                      </a:r>
+                      <a:r>
+                        <a:rPr lang="en-US" dirty="0"/>
+                        <a:t> </a:t>
+                      </a:r>
+                      <a:r>
+                        <a:rPr lang="en-US" dirty="0" err="1"/>
+                        <a:t>kurang</a:t>
+                      </a:r>
+                      <a:r>
+                        <a:rPr lang="en-US" dirty="0"/>
+                        <a:t> </a:t>
+                      </a:r>
+                      <a:r>
+                        <a:rPr lang="en-US" dirty="0" err="1"/>
+                        <a:t>tegas</a:t>
+                      </a:r>
+                      <a:r>
+                        <a:rPr lang="en-US" dirty="0"/>
+                        <a:t> </a:t>
+                      </a:r>
+                      <a:r>
+                        <a:rPr lang="en-US" dirty="0" err="1"/>
                         <a:t>dalam</a:t>
                       </a:r>
                       <a:r>
-                        <a:rPr lang="en-US" dirty="0" smtClean="0"/>
+                        <a:rPr lang="en-US" dirty="0"/>
                         <a:t> </a:t>
                       </a:r>
                       <a:r>
-                        <a:rPr lang="en-US" dirty="0" err="1" smtClean="0"/>
-                        <a:t>tim</a:t>
+                        <a:rPr lang="en-US" dirty="0" err="1"/>
+                        <a:t>memberikan</a:t>
+                      </a:r>
+                      <a:r>
+                        <a:rPr lang="en-US" dirty="0"/>
+                        <a:t> deadline</a:t>
                       </a:r>
                       <a:endParaRPr lang="id-ID" dirty="0"/>
                     </a:p>
                   </a:txBody>
                   <a:tcPr/>
                 </a:tc>
+                <a:tc>
+                  <a:txBody>
+                    <a:bodyPr/>
+                    <a:lstStyle/>
+                    <a:p>
+                      <a:r>
+                        <a:rPr lang="en-US" dirty="0" err="1"/>
+                        <a:t>Mencoba</a:t>
+                      </a:r>
+                      <a:r>
+                        <a:rPr lang="en-US" dirty="0"/>
+                        <a:t> </a:t>
+                      </a:r>
+                      <a:r>
+                        <a:rPr lang="en-US" dirty="0" err="1"/>
+                        <a:t>lebih</a:t>
+                      </a:r>
+                      <a:r>
+                        <a:rPr lang="en-US" dirty="0"/>
+                        <a:t> </a:t>
+                      </a:r>
+                      <a:r>
+                        <a:rPr lang="en-US" dirty="0" err="1"/>
+                        <a:t>tegas</a:t>
+                      </a:r>
+                      <a:r>
+                        <a:rPr lang="en-US" dirty="0"/>
+                        <a:t> </a:t>
+                      </a:r>
+                      <a:r>
+                        <a:rPr lang="en-US" dirty="0" err="1"/>
+                        <a:t>dalam</a:t>
+                      </a:r>
+                      <a:r>
+                        <a:rPr lang="en-US" dirty="0"/>
+                        <a:t> </a:t>
+                      </a:r>
+                      <a:r>
+                        <a:rPr lang="en-US" dirty="0" err="1"/>
+                        <a:t>memberikan</a:t>
+                      </a:r>
+                      <a:r>
+                        <a:rPr lang="en-US" dirty="0"/>
+                        <a:t> deadline</a:t>
+                      </a:r>
+                      <a:endParaRPr lang="id-ID" dirty="0"/>
+                    </a:p>
+                  </a:txBody>
+                  <a:tcPr/>
+                </a:tc>
+                <a:extLst>
+                  <a:ext uri="{0D108BD9-81ED-4DB2-BD59-A6C34878D82A}">
+                    <a16:rowId xmlns:a16="http://schemas.microsoft.com/office/drawing/2014/main" val="10004"/>
+                  </a:ext>
+                </a:extLst>
               </a:tr>
             </a:tbl>
           </a:graphicData>
@@ -5217,32 +5906,25 @@
     </p:spTree>
     <p:extLst>
       <p:ext uri="{BB962C8B-B14F-4D97-AF65-F5344CB8AC3E}">
-        <p14:creationId xmlns:p14="http://schemas.microsoft.com/office/powerpoint/2010/main" val="2875883870"/>
+        <p14:creationId xmlns:p14="http://schemas.microsoft.com/office/powerpoint/2010/main" val="2452550873"/>
       </p:ext>
     </p:extLst>
   </p:cSld>
   <p:clrMapOvr>
     <a:masterClrMapping/>
   </p:clrMapOvr>
-  <mc:AlternateContent xmlns:mc="http://schemas.openxmlformats.org/markup-compatibility/2006">
-    <mc:Choice xmlns:p14="http://schemas.microsoft.com/office/powerpoint/2010/main" Requires="p14">
+  <mc:AlternateContent xmlns:mc="http://schemas.openxmlformats.org/markup-compatibility/2006" xmlns:p14="http://schemas.microsoft.com/office/powerpoint/2010/main">
+    <mc:Choice Requires="p14">
       <p:transition spd="slow" p14:dur="1500">
         <p:split orient="vert"/>
       </p:transition>
     </mc:Choice>
-    <mc:Fallback>
+    <mc:Fallback xmlns="">
       <p:transition spd="slow">
         <p:split orient="vert"/>
       </p:transition>
     </mc:Fallback>
   </mc:AlternateContent>
-  <p:timing>
-    <p:tnLst>
-      <p:par>
-        <p:cTn id="1" dur="indefinite" restart="never" nodeType="tmRoot"/>
-      </p:par>
-    </p:tnLst>
-  </p:timing>
 </p:sld>
 </file>
 
@@ -5279,46 +5961,43 @@
           <a:lstStyle/>
           <a:p>
             <a:r>
-              <a:rPr lang="en-US" dirty="0" smtClean="0"/>
-              <a:t>Project </a:t>
-            </a:r>
-            <a:r>
-              <a:rPr lang="en-US" dirty="0" err="1" smtClean="0"/>
-              <a:t>Manajer</a:t>
-            </a:r>
-            <a:r>
-              <a:rPr lang="en-US" dirty="0" smtClean="0"/>
-              <a:t> </a:t>
-            </a:r>
-            <a:r>
-              <a:rPr lang="en-US" dirty="0" err="1" smtClean="0"/>
-              <a:t>dan</a:t>
-            </a:r>
-            <a:r>
-              <a:rPr lang="en-US" dirty="0" smtClean="0"/>
-              <a:t> </a:t>
-            </a:r>
-            <a:r>
-              <a:rPr lang="en-US" dirty="0" err="1" smtClean="0"/>
-              <a:t>Wakil</a:t>
-            </a:r>
-            <a:endParaRPr lang="en-US" dirty="0"/>
+              <a:rPr lang="en-US" dirty="0" err="1"/>
+              <a:t>Sekertaris</a:t>
+            </a:r>
+            <a:endParaRPr lang="id-ID" dirty="0"/>
+          </a:p>
+        </p:txBody>
+      </p:sp>
+      <p:sp>
+        <p:nvSpPr>
+          <p:cNvPr id="3" name="Content Placeholder 2"/>
+          <p:cNvSpPr>
+            <a:spLocks noGrp="1"/>
+          </p:cNvSpPr>
+          <p:nvPr>
+            <p:ph idx="1"/>
+          </p:nvPr>
+        </p:nvSpPr>
+        <p:spPr/>
+        <p:txBody>
+          <a:bodyPr/>
+          <a:lstStyle/>
+          <a:p>
+            <a:endParaRPr lang="id-ID" dirty="0"/>
           </a:p>
         </p:txBody>
       </p:sp>
       <p:graphicFrame>
         <p:nvGraphicFramePr>
-          <p:cNvPr id="5" name="Content Placeholder 4"/>
+          <p:cNvPr id="4" name="Table 3"/>
           <p:cNvGraphicFramePr>
             <a:graphicFrameLocks noGrp="1"/>
           </p:cNvGraphicFramePr>
-          <p:nvPr>
-            <p:ph idx="1"/>
-          </p:nvPr>
+          <p:nvPr/>
         </p:nvGraphicFramePr>
         <p:xfrm>
-          <a:off x="838200" y="1792709"/>
-          <a:ext cx="10315074" cy="4018545"/>
+          <a:off x="1743243" y="1913023"/>
+          <a:ext cx="8128000" cy="3928621"/>
         </p:xfrm>
         <a:graphic>
           <a:graphicData uri="http://schemas.openxmlformats.org/drawingml/2006/table">
@@ -5327,17 +6006,29 @@
                 <a:tableStyleId>{5C22544A-7EE6-4342-B048-85BDC9FD1C3A}</a:tableStyleId>
               </a:tblPr>
               <a:tblGrid>
-                <a:gridCol w="5157537"/>
-                <a:gridCol w="5157537"/>
+                <a:gridCol w="4064000">
+                  <a:extLst>
+                    <a:ext uri="{9D8B030D-6E8A-4147-A177-3AD203B41FA5}">
+                      <a16:colId xmlns:a16="http://schemas.microsoft.com/office/drawing/2014/main" val="20000"/>
+                    </a:ext>
+                  </a:extLst>
+                </a:gridCol>
+                <a:gridCol w="4064000">
+                  <a:extLst>
+                    <a:ext uri="{9D8B030D-6E8A-4147-A177-3AD203B41FA5}">
+                      <a16:colId xmlns:a16="http://schemas.microsoft.com/office/drawing/2014/main" val="20001"/>
+                    </a:ext>
+                  </a:extLst>
+                </a:gridCol>
               </a:tblGrid>
-              <a:tr h="803709">
-                <a:tc>
-                  <a:txBody>
-                    <a:bodyPr/>
-                    <a:lstStyle/>
-                    <a:p>
-                      <a:r>
-                        <a:rPr lang="en-US" dirty="0" smtClean="0"/>
+              <a:tr h="748309">
+                <a:tc>
+                  <a:txBody>
+                    <a:bodyPr/>
+                    <a:lstStyle/>
+                    <a:p>
+                      <a:r>
+                        <a:rPr lang="en-US" dirty="0"/>
                         <a:t>Problem</a:t>
                       </a:r>
                       <a:endParaRPr lang="id-ID" dirty="0"/>
@@ -5351,7 +6042,7 @@
                     <a:lstStyle/>
                     <a:p>
                       <a:r>
-                        <a:rPr lang="en-US" dirty="0" smtClean="0"/>
+                        <a:rPr lang="en-US" dirty="0"/>
                         <a:t>Solving</a:t>
                       </a:r>
                       <a:endParaRPr lang="id-ID" dirty="0"/>
@@ -5359,8 +6050,13 @@
                   </a:txBody>
                   <a:tcPr/>
                 </a:tc>
+                <a:extLst>
+                  <a:ext uri="{0D108BD9-81ED-4DB2-BD59-A6C34878D82A}">
+                    <a16:rowId xmlns:a16="http://schemas.microsoft.com/office/drawing/2014/main" val="10000"/>
+                  </a:ext>
+                </a:extLst>
               </a:tr>
-              <a:tr h="803709">
+              <a:tr h="1309540">
                 <a:tc>
                   <a:txBody>
                     <a:bodyPr/>
@@ -5384,536 +6080,224 @@
                         <a:defRPr/>
                       </a:pPr>
                       <a:r>
-                        <a:rPr lang="en-US" dirty="0" err="1" smtClean="0"/>
-                        <a:t>Anggota</a:t>
-                      </a:r>
-                      <a:r>
-                        <a:rPr lang="en-US" dirty="0" smtClean="0"/>
+                        <a:rPr lang="en-US" dirty="0" err="1"/>
+                        <a:t>Kurang</a:t>
+                      </a:r>
+                      <a:r>
+                        <a:rPr lang="en-US" dirty="0"/>
                         <a:t> </a:t>
                       </a:r>
                       <a:r>
-                        <a:rPr lang="en-US" dirty="0" err="1" smtClean="0"/>
-                        <a:t>kurang</a:t>
-                      </a:r>
-                      <a:r>
-                        <a:rPr lang="en-US" dirty="0" smtClean="0"/>
+                        <a:rPr lang="en-US" dirty="0" err="1"/>
+                        <a:t>aktif</a:t>
+                      </a:r>
+                      <a:r>
+                        <a:rPr lang="en-US" dirty="0"/>
                         <a:t> </a:t>
                       </a:r>
                       <a:r>
-                        <a:rPr lang="en-US" dirty="0" err="1" smtClean="0"/>
-                        <a:t>merhargai</a:t>
-                      </a:r>
-                      <a:r>
-                        <a:rPr lang="en-US" dirty="0" smtClean="0"/>
-                        <a:t> project </a:t>
-                      </a:r>
-                      <a:r>
-                        <a:rPr lang="en-US" dirty="0" err="1" smtClean="0"/>
-                        <a:t>manajer</a:t>
+                        <a:rPr lang="en-US" dirty="0" err="1"/>
+                        <a:t>dalam</a:t>
+                      </a:r>
+                      <a:r>
+                        <a:rPr lang="en-US" dirty="0"/>
+                        <a:t> </a:t>
+                      </a:r>
+                      <a:r>
+                        <a:rPr lang="en-US" dirty="0" err="1"/>
+                        <a:t>tim</a:t>
+                      </a:r>
+                      <a:endParaRPr lang="en-US" dirty="0"/>
+                    </a:p>
+                    <a:p>
+                      <a:endParaRPr lang="en-US" dirty="0" err="1"/>
+                    </a:p>
+                  </a:txBody>
+                  <a:tcPr/>
+                </a:tc>
+                <a:tc>
+                  <a:txBody>
+                    <a:bodyPr/>
+                    <a:lstStyle/>
+                    <a:p>
+                      <a:r>
+                        <a:rPr lang="en-US" dirty="0" err="1"/>
+                        <a:t>Mencari</a:t>
+                      </a:r>
+                      <a:r>
+                        <a:rPr lang="en-US" dirty="0"/>
+                        <a:t> </a:t>
+                      </a:r>
+                      <a:r>
+                        <a:rPr lang="en-US" dirty="0" err="1"/>
+                        <a:t>infomasi</a:t>
+                      </a:r>
+                      <a:r>
+                        <a:rPr lang="en-US" dirty="0"/>
+                        <a:t> </a:t>
+                      </a:r>
+                      <a:r>
+                        <a:rPr lang="en-US" dirty="0" err="1"/>
+                        <a:t>dan</a:t>
+                      </a:r>
+                      <a:r>
+                        <a:rPr lang="en-US" dirty="0"/>
+                        <a:t> </a:t>
+                      </a:r>
+                      <a:r>
+                        <a:rPr lang="en-US" dirty="0" err="1"/>
+                        <a:t>mencoba</a:t>
+                      </a:r>
+                      <a:r>
+                        <a:rPr lang="en-US" dirty="0"/>
+                        <a:t> </a:t>
+                      </a:r>
+                      <a:r>
+                        <a:rPr lang="en-US" dirty="0" err="1"/>
+                        <a:t>lebih</a:t>
+                      </a:r>
+                      <a:r>
+                        <a:rPr lang="en-US" dirty="0"/>
+                        <a:t> </a:t>
+                      </a:r>
+                      <a:r>
+                        <a:rPr lang="en-US" dirty="0" err="1"/>
+                        <a:t>aktif</a:t>
                       </a:r>
                       <a:endParaRPr lang="id-ID" dirty="0"/>
                     </a:p>
                   </a:txBody>
                   <a:tcPr/>
                 </a:tc>
-                <a:tc>
-                  <a:txBody>
-                    <a:bodyPr/>
-                    <a:lstStyle/>
-                    <a:p>
-                      <a:pPr marL="0" marR="0" lvl="1" indent="0" algn="l" defTabSz="914400" rtl="0" eaLnBrk="1" fontAlgn="auto" latinLnBrk="0" hangingPunct="1">
-                        <a:lnSpc>
-                          <a:spcPct val="100000"/>
-                        </a:lnSpc>
-                        <a:spcBef>
-                          <a:spcPts val="0"/>
-                        </a:spcBef>
-                        <a:spcAft>
-                          <a:spcPts val="0"/>
-                        </a:spcAft>
-                        <a:buClrTx/>
-                        <a:buSzTx/>
-                        <a:buFontTx/>
-                        <a:buNone/>
-                        <a:tabLst/>
-                        <a:defRPr/>
-                      </a:pPr>
-                      <a:r>
-                        <a:rPr lang="en-US" dirty="0" err="1" smtClean="0"/>
-                        <a:t>Lebih</a:t>
-                      </a:r>
-                      <a:r>
-                        <a:rPr lang="en-US" dirty="0" smtClean="0"/>
+                <a:extLst>
+                  <a:ext uri="{0D108BD9-81ED-4DB2-BD59-A6C34878D82A}">
+                    <a16:rowId xmlns:a16="http://schemas.microsoft.com/office/drawing/2014/main" val="10001"/>
+                  </a:ext>
+                </a:extLst>
+              </a:tr>
+              <a:tr h="1870772">
+                <a:tc>
+                  <a:txBody>
+                    <a:bodyPr/>
+                    <a:lstStyle/>
+                    <a:p>
+                      <a:r>
+                        <a:rPr lang="en-US" dirty="0" err="1"/>
+                        <a:t>Kurang</a:t>
+                      </a:r>
+                      <a:r>
+                        <a:rPr lang="en-US" dirty="0"/>
                         <a:t> </a:t>
                       </a:r>
                       <a:r>
-                        <a:rPr lang="en-US" dirty="0" err="1" smtClean="0"/>
-                        <a:t>tegas</a:t>
-                      </a:r>
-                      <a:r>
-                        <a:rPr lang="en-US" dirty="0" smtClean="0"/>
-                        <a:t> agar </a:t>
-                      </a:r>
-                      <a:r>
-                        <a:rPr lang="en-US" dirty="0" err="1" smtClean="0"/>
-                        <a:t>lebih</a:t>
-                      </a:r>
-                      <a:r>
-                        <a:rPr lang="en-US" dirty="0" smtClean="0"/>
+                        <a:rPr lang="en-US" dirty="0" err="1"/>
+                        <a:t>menguasai</a:t>
+                      </a:r>
+                      <a:r>
+                        <a:rPr lang="en-US" dirty="0"/>
                         <a:t> </a:t>
                       </a:r>
                       <a:r>
-                        <a:rPr lang="en-US" dirty="0" err="1" smtClean="0"/>
-                        <a:t>dihargai</a:t>
-                      </a:r>
-                      <a:endParaRPr lang="en-US" dirty="0" smtClean="0"/>
-                    </a:p>
-                    <a:p>
+                        <a:rPr lang="en-US" dirty="0" err="1"/>
+                        <a:t>materi</a:t>
+                      </a:r>
                       <a:endParaRPr lang="id-ID" dirty="0"/>
                     </a:p>
                   </a:txBody>
                   <a:tcPr/>
                 </a:tc>
-              </a:tr>
-              <a:tr h="803709">
-                <a:tc>
-                  <a:txBody>
-                    <a:bodyPr/>
-                    <a:lstStyle/>
-                    <a:p>
-                      <a:r>
-                        <a:rPr lang="en-US" dirty="0" err="1" smtClean="0"/>
-                        <a:t>Sulit</a:t>
-                      </a:r>
-                      <a:r>
-                        <a:rPr lang="en-US" dirty="0" smtClean="0"/>
+                <a:tc>
+                  <a:txBody>
+                    <a:bodyPr/>
+                    <a:lstStyle/>
+                    <a:p>
+                      <a:r>
+                        <a:rPr lang="en-US" dirty="0" err="1"/>
+                        <a:t>Mempelajari</a:t>
+                      </a:r>
+                      <a:r>
+                        <a:rPr lang="en-US" dirty="0"/>
                         <a:t> </a:t>
                       </a:r>
                       <a:r>
-                        <a:rPr lang="en-US" dirty="0" err="1" smtClean="0"/>
-                        <a:t>menyelesaikan</a:t>
-                      </a:r>
-                      <a:r>
-                        <a:rPr lang="en-US" dirty="0" smtClean="0"/>
+                        <a:rPr lang="en-US" dirty="0" err="1"/>
+                        <a:t>materi</a:t>
+                      </a:r>
+                      <a:r>
+                        <a:rPr lang="en-US" dirty="0"/>
                         <a:t> </a:t>
                       </a:r>
                       <a:r>
-                        <a:rPr lang="en-US" dirty="0" err="1" smtClean="0"/>
-                        <a:t>masalah</a:t>
-                      </a:r>
-                      <a:r>
-                        <a:rPr lang="en-US" dirty="0" smtClean="0"/>
+                        <a:rPr lang="en-US" dirty="0" err="1"/>
+                        <a:t>di</a:t>
+                      </a:r>
+                      <a:r>
+                        <a:rPr lang="en-US" dirty="0"/>
+                        <a:t> internet </a:t>
+                      </a:r>
+                      <a:r>
+                        <a:rPr lang="en-US" dirty="0" err="1"/>
+                        <a:t>dan</a:t>
+                      </a:r>
+                      <a:r>
+                        <a:rPr lang="en-US" dirty="0"/>
                         <a:t> </a:t>
                       </a:r>
                       <a:r>
-                        <a:rPr lang="en-US" dirty="0" err="1" smtClean="0"/>
-                        <a:t>tiap</a:t>
-                      </a:r>
-                      <a:r>
-                        <a:rPr lang="en-US" dirty="0" smtClean="0"/>
+                        <a:rPr lang="en-US" dirty="0" err="1"/>
+                        <a:t>konsultasi</a:t>
+                      </a:r>
+                      <a:r>
+                        <a:rPr lang="en-US" dirty="0"/>
                         <a:t> </a:t>
                       </a:r>
                       <a:r>
-                        <a:rPr lang="en-US" dirty="0" err="1" smtClean="0"/>
-                        <a:t>divisi</a:t>
-                      </a:r>
-                      <a:r>
-                        <a:rPr lang="en-US" dirty="0" smtClean="0"/>
-                        <a:t>, </a:t>
-                      </a:r>
-                      <a:r>
-                        <a:rPr lang="en-US" dirty="0" err="1" smtClean="0"/>
-                        <a:t>karena</a:t>
-                      </a:r>
-                      <a:r>
-                        <a:rPr lang="en-US" dirty="0" smtClean="0"/>
+                        <a:rPr lang="en-US" dirty="0" err="1"/>
+                        <a:t>ke</a:t>
+                      </a:r>
+                      <a:r>
+                        <a:rPr lang="en-US" dirty="0"/>
                         <a:t> </a:t>
                       </a:r>
                       <a:r>
-                        <a:rPr lang="en-US" dirty="0" err="1" smtClean="0"/>
-                        <a:t>tiap</a:t>
-                      </a:r>
-                      <a:r>
-                        <a:rPr lang="en-US" dirty="0" smtClean="0"/>
-                        <a:t> </a:t>
-                      </a:r>
-                      <a:r>
-                        <a:rPr lang="en-US" dirty="0" err="1" smtClean="0"/>
-                        <a:t>divisi</a:t>
-                      </a:r>
-                      <a:r>
-                        <a:rPr lang="en-US" dirty="0" smtClean="0"/>
-                        <a:t> </a:t>
-                      </a:r>
-                      <a:r>
-                        <a:rPr lang="en-US" dirty="0" err="1" smtClean="0"/>
-                        <a:t>kurang</a:t>
-                      </a:r>
-                      <a:r>
-                        <a:rPr lang="en-US" dirty="0" smtClean="0"/>
-                        <a:t> </a:t>
-                      </a:r>
-                      <a:r>
-                        <a:rPr lang="en-US" dirty="0" err="1" smtClean="0"/>
-                        <a:t>terbuka</a:t>
+                        <a:rPr lang="en-US" dirty="0" err="1"/>
+                        <a:t>dosen</a:t>
                       </a:r>
                       <a:endParaRPr lang="id-ID" dirty="0"/>
                     </a:p>
+                    <a:p>
+                      <a:endParaRPr lang="id-ID" dirty="0"/>
+                    </a:p>
                   </a:txBody>
                   <a:tcPr/>
                 </a:tc>
-                <a:tc>
-                  <a:txBody>
-                    <a:bodyPr/>
-                    <a:lstStyle/>
-                    <a:p>
-                      <a:r>
-                        <a:rPr lang="en-US" dirty="0" smtClean="0"/>
-                        <a:t>Project </a:t>
-                      </a:r>
-                      <a:r>
-                        <a:rPr lang="en-US" dirty="0" err="1" smtClean="0"/>
-                        <a:t>manajer</a:t>
-                      </a:r>
-                      <a:r>
-                        <a:rPr lang="en-US" dirty="0" smtClean="0"/>
-                        <a:t> </a:t>
-                      </a:r>
-                      <a:r>
-                        <a:rPr lang="en-US" dirty="0" err="1" smtClean="0"/>
-                        <a:t>lebih</a:t>
-                      </a:r>
-                      <a:r>
-                        <a:rPr lang="en-US" dirty="0" smtClean="0"/>
-                        <a:t> </a:t>
-                      </a:r>
-                      <a:r>
-                        <a:rPr lang="en-US" dirty="0" err="1" smtClean="0"/>
-                        <a:t>aktif</a:t>
-                      </a:r>
-                      <a:r>
-                        <a:rPr lang="en-US" dirty="0" smtClean="0"/>
-                        <a:t> </a:t>
-                      </a:r>
-                      <a:r>
-                        <a:rPr lang="en-US" dirty="0" err="1" smtClean="0"/>
-                        <a:t>dalam</a:t>
-                      </a:r>
-                      <a:r>
-                        <a:rPr lang="en-US" dirty="0" smtClean="0"/>
-                        <a:t> </a:t>
-                      </a:r>
-                      <a:r>
-                        <a:rPr lang="en-US" dirty="0" err="1" smtClean="0"/>
-                        <a:t>berkomunikasi</a:t>
-                      </a:r>
-                      <a:r>
-                        <a:rPr lang="en-US" dirty="0" smtClean="0"/>
-                        <a:t> </a:t>
-                      </a:r>
-                      <a:r>
-                        <a:rPr lang="en-US" dirty="0" err="1" smtClean="0"/>
-                        <a:t>dengan</a:t>
-                      </a:r>
-                      <a:r>
-                        <a:rPr lang="en-US" dirty="0" smtClean="0"/>
-                        <a:t> </a:t>
-                      </a:r>
-                      <a:r>
-                        <a:rPr lang="en-US" dirty="0" err="1" smtClean="0"/>
-                        <a:t>tiap</a:t>
-                      </a:r>
-                      <a:r>
-                        <a:rPr lang="en-US" dirty="0" smtClean="0"/>
-                        <a:t> </a:t>
-                      </a:r>
-                      <a:r>
-                        <a:rPr lang="en-US" dirty="0" err="1" smtClean="0"/>
-                        <a:t>divisi</a:t>
-                      </a:r>
-                      <a:endParaRPr lang="id-ID" dirty="0"/>
-                    </a:p>
-                  </a:txBody>
-                  <a:tcPr/>
-                </a:tc>
-              </a:tr>
-              <a:tr h="803709">
-                <a:tc>
-                  <a:txBody>
-                    <a:bodyPr/>
-                    <a:lstStyle/>
-                    <a:p>
-                      <a:pPr marL="0" marR="0" lvl="1" indent="0" algn="l" defTabSz="914400" rtl="0" eaLnBrk="1" fontAlgn="auto" latinLnBrk="0" hangingPunct="1">
-                        <a:lnSpc>
-                          <a:spcPct val="100000"/>
-                        </a:lnSpc>
-                        <a:spcBef>
-                          <a:spcPts val="0"/>
-                        </a:spcBef>
-                        <a:spcAft>
-                          <a:spcPts val="0"/>
-                        </a:spcAft>
-                        <a:buClrTx/>
-                        <a:buSzTx/>
-                        <a:buFontTx/>
-                        <a:buNone/>
-                        <a:tabLst/>
-                        <a:defRPr/>
-                      </a:pPr>
-                      <a:r>
-                        <a:rPr lang="en-US" dirty="0" err="1" smtClean="0"/>
-                        <a:t>Sulit</a:t>
-                      </a:r>
-                      <a:r>
-                        <a:rPr lang="en-US" dirty="0" smtClean="0"/>
-                        <a:t> </a:t>
-                      </a:r>
-                      <a:r>
-                        <a:rPr lang="en-US" dirty="0" err="1" smtClean="0"/>
-                        <a:t>menemukan</a:t>
-                      </a:r>
-                      <a:r>
-                        <a:rPr lang="en-US" dirty="0" smtClean="0"/>
-                        <a:t> </a:t>
-                      </a:r>
-                      <a:r>
-                        <a:rPr lang="en-US" dirty="0" err="1" smtClean="0"/>
-                        <a:t>waktu</a:t>
-                      </a:r>
-                      <a:r>
-                        <a:rPr lang="en-US" dirty="0" smtClean="0"/>
-                        <a:t> yang </a:t>
-                      </a:r>
-                      <a:r>
-                        <a:rPr lang="en-US" dirty="0" err="1" smtClean="0"/>
-                        <a:t>tepat</a:t>
-                      </a:r>
-                      <a:r>
-                        <a:rPr lang="en-US" dirty="0" smtClean="0"/>
-                        <a:t> </a:t>
-                      </a:r>
-                      <a:r>
-                        <a:rPr lang="en-US" dirty="0" err="1" smtClean="0"/>
-                        <a:t>untuk</a:t>
-                      </a:r>
-                      <a:r>
-                        <a:rPr lang="en-US" dirty="0" smtClean="0"/>
-                        <a:t> </a:t>
-                      </a:r>
-                      <a:r>
-                        <a:rPr lang="en-US" dirty="0" err="1" smtClean="0"/>
-                        <a:t>rapat</a:t>
-                      </a:r>
-                      <a:endParaRPr lang="en-US" dirty="0" smtClean="0"/>
-                    </a:p>
-                    <a:p>
-                      <a:endParaRPr lang="id-ID" dirty="0"/>
-                    </a:p>
-                  </a:txBody>
-                  <a:tcPr/>
-                </a:tc>
-                <a:tc>
-                  <a:txBody>
-                    <a:bodyPr/>
-                    <a:lstStyle/>
-                    <a:p>
-                      <a:r>
-                        <a:rPr lang="en-US" dirty="0" err="1" smtClean="0"/>
-                        <a:t>Mencoba</a:t>
-                      </a:r>
-                      <a:r>
-                        <a:rPr lang="en-US" dirty="0" smtClean="0"/>
-                        <a:t> </a:t>
-                      </a:r>
-                      <a:r>
-                        <a:rPr lang="en-US" dirty="0" err="1" smtClean="0"/>
-                        <a:t>mencari</a:t>
-                      </a:r>
-                      <a:r>
-                        <a:rPr lang="en-US" dirty="0" smtClean="0"/>
-                        <a:t> </a:t>
-                      </a:r>
-                      <a:r>
-                        <a:rPr lang="en-US" dirty="0" err="1" smtClean="0"/>
-                        <a:t>waktu</a:t>
-                      </a:r>
-                      <a:r>
-                        <a:rPr lang="en-US" dirty="0" smtClean="0"/>
-                        <a:t> yang paling </a:t>
-                      </a:r>
-                      <a:r>
-                        <a:rPr lang="en-US" dirty="0" err="1" smtClean="0"/>
-                        <a:t>tepat</a:t>
-                      </a:r>
-                      <a:r>
-                        <a:rPr lang="en-US" dirty="0" smtClean="0"/>
-                        <a:t> </a:t>
-                      </a:r>
-                      <a:r>
-                        <a:rPr lang="en-US" dirty="0" err="1" smtClean="0"/>
-                        <a:t>dan</a:t>
-                      </a:r>
-                      <a:r>
-                        <a:rPr lang="en-US" dirty="0" smtClean="0"/>
-                        <a:t> </a:t>
-                      </a:r>
-                      <a:r>
-                        <a:rPr lang="en-US" dirty="0" err="1" smtClean="0"/>
-                        <a:t>menentukan</a:t>
-                      </a:r>
-                      <a:r>
-                        <a:rPr lang="en-US" dirty="0" smtClean="0"/>
-                        <a:t> </a:t>
-                      </a:r>
-                      <a:r>
-                        <a:rPr lang="en-US" dirty="0" err="1" smtClean="0"/>
-                        <a:t>prioritas</a:t>
-                      </a:r>
-                      <a:endParaRPr lang="id-ID" dirty="0"/>
-                    </a:p>
-                  </a:txBody>
-                  <a:tcPr/>
-                </a:tc>
-              </a:tr>
-              <a:tr h="803709">
-                <a:tc>
-                  <a:txBody>
-                    <a:bodyPr/>
-                    <a:lstStyle/>
-                    <a:p>
-                      <a:r>
-                        <a:rPr lang="en-US" dirty="0" smtClean="0"/>
-                        <a:t>Project </a:t>
-                      </a:r>
-                      <a:r>
-                        <a:rPr lang="en-US" dirty="0" err="1" smtClean="0"/>
-                        <a:t>Manajer</a:t>
-                      </a:r>
-                      <a:r>
-                        <a:rPr lang="en-US" dirty="0" smtClean="0"/>
-                        <a:t> </a:t>
-                      </a:r>
-                      <a:r>
-                        <a:rPr lang="en-US" dirty="0" err="1" smtClean="0"/>
-                        <a:t>kurang</a:t>
-                      </a:r>
-                      <a:r>
-                        <a:rPr lang="en-US" dirty="0" smtClean="0"/>
-                        <a:t> </a:t>
-                      </a:r>
-                      <a:r>
-                        <a:rPr lang="en-US" dirty="0" err="1" smtClean="0"/>
-                        <a:t>tegas</a:t>
-                      </a:r>
-                      <a:r>
-                        <a:rPr lang="en-US" dirty="0" smtClean="0"/>
-                        <a:t> </a:t>
-                      </a:r>
-                      <a:r>
-                        <a:rPr lang="en-US" dirty="0" err="1" smtClean="0"/>
-                        <a:t>dalam</a:t>
-                      </a:r>
-                      <a:r>
-                        <a:rPr lang="en-US" dirty="0" smtClean="0"/>
-                        <a:t> </a:t>
-                      </a:r>
-                      <a:r>
-                        <a:rPr lang="en-US" dirty="0" err="1" smtClean="0"/>
-                        <a:t>memberikan</a:t>
-                      </a:r>
-                      <a:r>
-                        <a:rPr lang="en-US" dirty="0" smtClean="0"/>
-                        <a:t> deadline</a:t>
-                      </a:r>
-                      <a:endParaRPr lang="id-ID" dirty="0"/>
-                    </a:p>
-                  </a:txBody>
-                  <a:tcPr/>
-                </a:tc>
-                <a:tc>
-                  <a:txBody>
-                    <a:bodyPr/>
-                    <a:lstStyle/>
-                    <a:p>
-                      <a:r>
-                        <a:rPr lang="en-US" dirty="0" err="1" smtClean="0"/>
-                        <a:t>Mencoba</a:t>
-                      </a:r>
-                      <a:r>
-                        <a:rPr lang="en-US" dirty="0" smtClean="0"/>
-                        <a:t> </a:t>
-                      </a:r>
-                      <a:r>
-                        <a:rPr lang="en-US" dirty="0" err="1" smtClean="0"/>
-                        <a:t>lebih</a:t>
-                      </a:r>
-                      <a:r>
-                        <a:rPr lang="en-US" dirty="0" smtClean="0"/>
-                        <a:t> </a:t>
-                      </a:r>
-                      <a:r>
-                        <a:rPr lang="en-US" dirty="0" err="1" smtClean="0"/>
-                        <a:t>tegas</a:t>
-                      </a:r>
-                      <a:r>
-                        <a:rPr lang="en-US" dirty="0" smtClean="0"/>
-                        <a:t> </a:t>
-                      </a:r>
-                      <a:r>
-                        <a:rPr lang="en-US" dirty="0" err="1" smtClean="0"/>
-                        <a:t>dalam</a:t>
-                      </a:r>
-                      <a:r>
-                        <a:rPr lang="en-US" dirty="0" smtClean="0"/>
-                        <a:t> </a:t>
-                      </a:r>
-                      <a:r>
-                        <a:rPr lang="en-US" dirty="0" err="1" smtClean="0"/>
-                        <a:t>memberikan</a:t>
-                      </a:r>
-                      <a:r>
-                        <a:rPr lang="en-US" dirty="0" smtClean="0"/>
-                        <a:t> deadline</a:t>
-                      </a:r>
-                      <a:endParaRPr lang="id-ID" dirty="0"/>
-                    </a:p>
-                  </a:txBody>
-                  <a:tcPr/>
-                </a:tc>
+                <a:extLst>
+                  <a:ext uri="{0D108BD9-81ED-4DB2-BD59-A6C34878D82A}">
+                    <a16:rowId xmlns:a16="http://schemas.microsoft.com/office/drawing/2014/main" val="10002"/>
+                  </a:ext>
+                </a:extLst>
               </a:tr>
             </a:tbl>
           </a:graphicData>
         </a:graphic>
       </p:graphicFrame>
     </p:spTree>
-    <p:extLst>
-      <p:ext uri="{BB962C8B-B14F-4D97-AF65-F5344CB8AC3E}">
-        <p14:creationId xmlns:p14="http://schemas.microsoft.com/office/powerpoint/2010/main" val="2452550873"/>
-      </p:ext>
-    </p:extLst>
   </p:cSld>
   <p:clrMapOvr>
     <a:masterClrMapping/>
   </p:clrMapOvr>
-  <mc:AlternateContent xmlns:mc="http://schemas.openxmlformats.org/markup-compatibility/2006">
-    <mc:Choice xmlns:p14="http://schemas.microsoft.com/office/powerpoint/2010/main" Requires="p14">
+  <mc:AlternateContent xmlns:mc="http://schemas.openxmlformats.org/markup-compatibility/2006" xmlns:p14="http://schemas.microsoft.com/office/powerpoint/2010/main">
+    <mc:Choice Requires="p14">
       <p:transition spd="slow" p14:dur="1500">
         <p:split orient="vert"/>
       </p:transition>
     </mc:Choice>
-    <mc:Fallback>
+    <mc:Fallback xmlns="">
       <p:transition spd="slow">
         <p:split orient="vert"/>
       </p:transition>
     </mc:Fallback>
   </mc:AlternateContent>
-  <p:timing>
-    <p:tnLst>
-      <p:par>
-        <p:cTn id="1" dur="indefinite" restart="never" nodeType="tmRoot"/>
-      </p:par>
-    </p:tnLst>
-  </p:timing>
 </p:sld>
 </file>
 
@@ -5950,10 +6334,18 @@
           <a:lstStyle/>
           <a:p>
             <a:r>
-              <a:rPr lang="en-US" dirty="0" err="1" smtClean="0"/>
-              <a:t>Sekertaris</a:t>
-            </a:r>
-            <a:endParaRPr lang="id-ID" dirty="0"/>
+              <a:rPr lang="en-US" dirty="0" err="1"/>
+              <a:t>Pelajaran</a:t>
+            </a:r>
+            <a:r>
+              <a:rPr lang="en-US" dirty="0"/>
+              <a:t> yang kami </a:t>
+            </a:r>
+            <a:r>
+              <a:rPr lang="en-US" dirty="0" err="1"/>
+              <a:t>dapatkan</a:t>
+            </a:r>
+            <a:endParaRPr lang="en-US" dirty="0"/>
           </a:p>
         </p:txBody>
       </p:sp>
@@ -5969,304 +6361,347 @@
         </p:nvSpPr>
         <p:spPr/>
         <p:txBody>
-          <a:bodyPr/>
+          <a:bodyPr>
+            <a:normAutofit/>
+          </a:bodyPr>
           <a:lstStyle/>
           <a:p>
-            <a:endParaRPr lang="id-ID" dirty="0"/>
+            <a:r>
+              <a:rPr lang="en-US" dirty="0" err="1"/>
+              <a:t>Belajar</a:t>
+            </a:r>
+            <a:r>
+              <a:rPr lang="en-US" dirty="0"/>
+              <a:t> </a:t>
+            </a:r>
+            <a:r>
+              <a:rPr lang="en-US" dirty="0" err="1"/>
+              <a:t>Mengatur</a:t>
+            </a:r>
+            <a:r>
+              <a:rPr lang="en-US" dirty="0"/>
+              <a:t> </a:t>
+            </a:r>
+            <a:r>
+              <a:rPr lang="en-US" dirty="0" err="1"/>
+              <a:t>Waktu</a:t>
+            </a:r>
+            <a:r>
+              <a:rPr lang="en-US" dirty="0"/>
+              <a:t>, </a:t>
+            </a:r>
+            <a:r>
+              <a:rPr lang="en-US" dirty="0" err="1"/>
+              <a:t>dan</a:t>
+            </a:r>
+            <a:r>
+              <a:rPr lang="en-US" dirty="0"/>
+              <a:t> </a:t>
+            </a:r>
+            <a:r>
+              <a:rPr lang="en-US" dirty="0" err="1"/>
+              <a:t>Prioritas</a:t>
+            </a:r>
+            <a:r>
+              <a:rPr lang="en-US" dirty="0"/>
+              <a:t>.</a:t>
+            </a:r>
+          </a:p>
+          <a:p>
+            <a:r>
+              <a:rPr lang="en-US" dirty="0" err="1"/>
+              <a:t>Belajar</a:t>
+            </a:r>
+            <a:r>
+              <a:rPr lang="en-US" dirty="0"/>
+              <a:t> </a:t>
+            </a:r>
+            <a:r>
+              <a:rPr lang="en-US" dirty="0" err="1"/>
+              <a:t>untuk</a:t>
+            </a:r>
+            <a:r>
+              <a:rPr lang="en-US" dirty="0"/>
+              <a:t> </a:t>
+            </a:r>
+            <a:r>
+              <a:rPr lang="en-US" dirty="0" err="1"/>
+              <a:t>saling</a:t>
+            </a:r>
+            <a:r>
+              <a:rPr lang="en-US" dirty="0"/>
+              <a:t> </a:t>
+            </a:r>
+            <a:r>
+              <a:rPr lang="en-US" dirty="0" err="1"/>
+              <a:t>memahami</a:t>
+            </a:r>
+            <a:r>
+              <a:rPr lang="en-US" dirty="0"/>
+              <a:t> </a:t>
+            </a:r>
+            <a:r>
+              <a:rPr lang="en-US" dirty="0" err="1"/>
+              <a:t>dan</a:t>
+            </a:r>
+            <a:r>
+              <a:rPr lang="en-US" dirty="0"/>
+              <a:t> </a:t>
+            </a:r>
+            <a:r>
+              <a:rPr lang="en-US" dirty="0" err="1"/>
+              <a:t>menghargai</a:t>
+            </a:r>
+            <a:r>
+              <a:rPr lang="en-US" dirty="0"/>
+              <a:t> </a:t>
+            </a:r>
+            <a:r>
+              <a:rPr lang="en-US" dirty="0" err="1"/>
+              <a:t>serta</a:t>
+            </a:r>
+            <a:r>
+              <a:rPr lang="en-US" dirty="0"/>
+              <a:t> </a:t>
+            </a:r>
+            <a:r>
+              <a:rPr lang="en-US" dirty="0" err="1"/>
+              <a:t>mendukung</a:t>
+            </a:r>
+            <a:r>
+              <a:rPr lang="en-US" dirty="0"/>
+              <a:t> </a:t>
+            </a:r>
+            <a:r>
+              <a:rPr lang="en-US" dirty="0" err="1"/>
+              <a:t>satu</a:t>
+            </a:r>
+            <a:r>
+              <a:rPr lang="en-US" dirty="0"/>
+              <a:t> </a:t>
+            </a:r>
+            <a:r>
+              <a:rPr lang="en-US" dirty="0" err="1"/>
+              <a:t>sama</a:t>
+            </a:r>
+            <a:r>
+              <a:rPr lang="en-US" dirty="0"/>
+              <a:t> lain.</a:t>
+            </a:r>
+          </a:p>
+          <a:p>
+            <a:r>
+              <a:rPr lang="en-US" dirty="0" err="1"/>
+              <a:t>Belajar</a:t>
+            </a:r>
+            <a:r>
+              <a:rPr lang="en-US" dirty="0"/>
+              <a:t> </a:t>
+            </a:r>
+            <a:r>
+              <a:rPr lang="en-US" dirty="0" err="1"/>
+              <a:t>berkomunikasi</a:t>
+            </a:r>
+            <a:r>
+              <a:rPr lang="en-US" dirty="0"/>
+              <a:t> yang </a:t>
+            </a:r>
+            <a:r>
+              <a:rPr lang="en-US" dirty="0" err="1"/>
+              <a:t>baik</a:t>
+            </a:r>
+            <a:r>
+              <a:rPr lang="en-US" dirty="0"/>
+              <a:t> </a:t>
+            </a:r>
+            <a:r>
+              <a:rPr lang="en-US" dirty="0" err="1"/>
+              <a:t>dengan</a:t>
+            </a:r>
+            <a:r>
+              <a:rPr lang="en-US" dirty="0"/>
+              <a:t> orang lain.</a:t>
+            </a:r>
+          </a:p>
+          <a:p>
+            <a:r>
+              <a:rPr lang="en-US" dirty="0" err="1"/>
+              <a:t>Belajar</a:t>
+            </a:r>
+            <a:r>
+              <a:rPr lang="en-US" dirty="0"/>
+              <a:t> </a:t>
+            </a:r>
+            <a:r>
+              <a:rPr lang="en-US" dirty="0" err="1"/>
+              <a:t>Ikhlas</a:t>
+            </a:r>
+            <a:r>
+              <a:rPr lang="en-US" dirty="0"/>
+              <a:t> </a:t>
+            </a:r>
+            <a:r>
+              <a:rPr lang="en-US" dirty="0" err="1"/>
+              <a:t>dan</a:t>
+            </a:r>
+            <a:r>
+              <a:rPr lang="en-US" dirty="0"/>
+              <a:t> </a:t>
+            </a:r>
+            <a:r>
+              <a:rPr lang="en-US" dirty="0" err="1"/>
+              <a:t>sabar</a:t>
+            </a:r>
+            <a:r>
+              <a:rPr lang="en-US" dirty="0"/>
+              <a:t>.</a:t>
+            </a:r>
+          </a:p>
+          <a:p>
+            <a:r>
+              <a:rPr lang="en-US" dirty="0" err="1"/>
+              <a:t>Belajar</a:t>
+            </a:r>
+            <a:r>
+              <a:rPr lang="en-US" dirty="0"/>
+              <a:t> </a:t>
+            </a:r>
+            <a:r>
+              <a:rPr lang="en-US" dirty="0" err="1"/>
+              <a:t>bertanggung</a:t>
+            </a:r>
+            <a:r>
+              <a:rPr lang="en-US" dirty="0"/>
+              <a:t> </a:t>
+            </a:r>
+            <a:r>
+              <a:rPr lang="en-US" dirty="0" err="1"/>
+              <a:t>jawab</a:t>
+            </a:r>
+            <a:r>
+              <a:rPr lang="en-US" dirty="0"/>
+              <a:t> </a:t>
+            </a:r>
+            <a:r>
+              <a:rPr lang="en-US" dirty="0" err="1"/>
+              <a:t>atas</a:t>
+            </a:r>
+            <a:r>
+              <a:rPr lang="en-US" dirty="0"/>
+              <a:t> </a:t>
+            </a:r>
+            <a:r>
+              <a:rPr lang="en-US" dirty="0" err="1"/>
+              <a:t>setiap</a:t>
+            </a:r>
+            <a:r>
+              <a:rPr lang="en-US" dirty="0"/>
+              <a:t> </a:t>
+            </a:r>
+            <a:r>
+              <a:rPr lang="en-US" dirty="0" err="1"/>
+              <a:t>tugas</a:t>
+            </a:r>
+            <a:r>
+              <a:rPr lang="en-US" dirty="0"/>
+              <a:t> yang </a:t>
+            </a:r>
+            <a:r>
+              <a:rPr lang="en-US" dirty="0" err="1"/>
+              <a:t>diberikan</a:t>
+            </a:r>
+            <a:r>
+              <a:rPr lang="en-US" dirty="0"/>
+              <a:t>.</a:t>
+            </a:r>
+          </a:p>
+          <a:p>
+            <a:r>
+              <a:rPr lang="en-US" dirty="0" err="1"/>
+              <a:t>Belajar</a:t>
+            </a:r>
+            <a:r>
+              <a:rPr lang="en-US" dirty="0"/>
+              <a:t> </a:t>
+            </a:r>
+            <a:r>
+              <a:rPr lang="en-US" dirty="0" err="1"/>
+              <a:t>materi</a:t>
+            </a:r>
+            <a:r>
+              <a:rPr lang="en-US" dirty="0"/>
+              <a:t> </a:t>
+            </a:r>
+            <a:r>
+              <a:rPr lang="en-US" dirty="0" err="1"/>
+              <a:t>baru</a:t>
+            </a:r>
+            <a:r>
+              <a:rPr lang="en-US" dirty="0"/>
+              <a:t>.</a:t>
+            </a:r>
+          </a:p>
+          <a:p>
+            <a:r>
+              <a:rPr lang="en-US" dirty="0" err="1"/>
+              <a:t>Belajar</a:t>
+            </a:r>
+            <a:r>
+              <a:rPr lang="en-US" dirty="0"/>
+              <a:t> </a:t>
+            </a:r>
+            <a:r>
+              <a:rPr lang="en-US" dirty="0" err="1"/>
+              <a:t>berkerja</a:t>
+            </a:r>
+            <a:r>
+              <a:rPr lang="en-US" dirty="0"/>
+              <a:t> </a:t>
+            </a:r>
+            <a:r>
+              <a:rPr lang="en-US" dirty="0" err="1"/>
+              <a:t>dalam</a:t>
+            </a:r>
+            <a:r>
+              <a:rPr lang="en-US" dirty="0"/>
+              <a:t> </a:t>
+            </a:r>
+            <a:r>
+              <a:rPr lang="en-US" dirty="0" err="1"/>
+              <a:t>tim</a:t>
+            </a:r>
+            <a:endParaRPr lang="en-US" dirty="0"/>
+          </a:p>
+          <a:p>
+            <a:endParaRPr lang="en-US" dirty="0"/>
+          </a:p>
+          <a:p>
+            <a:endParaRPr lang="en-US" dirty="0"/>
           </a:p>
         </p:txBody>
       </p:sp>
-      <p:graphicFrame>
-        <p:nvGraphicFramePr>
-          <p:cNvPr id="4" name="Table 3"/>
-          <p:cNvGraphicFramePr>
-            <a:graphicFrameLocks noGrp="1"/>
-          </p:cNvGraphicFramePr>
-          <p:nvPr/>
-        </p:nvGraphicFramePr>
-        <p:xfrm>
-          <a:off x="1743243" y="1913023"/>
-          <a:ext cx="8128000" cy="3928621"/>
-        </p:xfrm>
-        <a:graphic>
-          <a:graphicData uri="http://schemas.openxmlformats.org/drawingml/2006/table">
-            <a:tbl>
-              <a:tblPr firstRow="1" bandRow="1">
-                <a:tableStyleId>{5C22544A-7EE6-4342-B048-85BDC9FD1C3A}</a:tableStyleId>
-              </a:tblPr>
-              <a:tblGrid>
-                <a:gridCol w="4064000"/>
-                <a:gridCol w="4064000"/>
-              </a:tblGrid>
-              <a:tr h="748309">
-                <a:tc>
-                  <a:txBody>
-                    <a:bodyPr/>
-                    <a:lstStyle/>
-                    <a:p>
-                      <a:r>
-                        <a:rPr lang="en-US" dirty="0" smtClean="0"/>
-                        <a:t>Problem</a:t>
-                      </a:r>
-                      <a:endParaRPr lang="id-ID" dirty="0"/>
-                    </a:p>
-                  </a:txBody>
-                  <a:tcPr/>
-                </a:tc>
-                <a:tc>
-                  <a:txBody>
-                    <a:bodyPr/>
-                    <a:lstStyle/>
-                    <a:p>
-                      <a:r>
-                        <a:rPr lang="en-US" dirty="0" smtClean="0"/>
-                        <a:t>Solving</a:t>
-                      </a:r>
-                      <a:endParaRPr lang="id-ID" dirty="0"/>
-                    </a:p>
-                  </a:txBody>
-                  <a:tcPr/>
-                </a:tc>
-              </a:tr>
-              <a:tr h="1309540">
-                <a:tc>
-                  <a:txBody>
-                    <a:bodyPr/>
-                    <a:lstStyle/>
-                    <a:p>
-                      <a:pPr marL="0" marR="0" lvl="1" indent="0" algn="l" defTabSz="914400" rtl="0" eaLnBrk="1" fontAlgn="auto" latinLnBrk="0" hangingPunct="1">
-                        <a:lnSpc>
-                          <a:spcPct val="100000"/>
-                        </a:lnSpc>
-                        <a:spcBef>
-                          <a:spcPts val="0"/>
-                        </a:spcBef>
-                        <a:spcAft>
-                          <a:spcPts val="0"/>
-                        </a:spcAft>
-                        <a:buClrTx/>
-                        <a:buSzTx/>
-                        <a:buFontTx/>
-                        <a:buNone/>
-                        <a:tabLst/>
-                        <a:defRPr/>
-                      </a:pPr>
-                      <a:r>
-                        <a:rPr lang="en-US" dirty="0" err="1" smtClean="0"/>
-                        <a:t>Kurang</a:t>
-                      </a:r>
-                      <a:r>
-                        <a:rPr lang="en-US" dirty="0" smtClean="0"/>
-                        <a:t> </a:t>
-                      </a:r>
-                      <a:r>
-                        <a:rPr lang="en-US" dirty="0" err="1" smtClean="0"/>
-                        <a:t>aktif</a:t>
-                      </a:r>
-                      <a:r>
-                        <a:rPr lang="en-US" dirty="0" smtClean="0"/>
-                        <a:t> </a:t>
-                      </a:r>
-                      <a:r>
-                        <a:rPr lang="en-US" dirty="0" err="1" smtClean="0"/>
-                        <a:t>dalam</a:t>
-                      </a:r>
-                      <a:r>
-                        <a:rPr lang="en-US" dirty="0" smtClean="0"/>
-                        <a:t> </a:t>
-                      </a:r>
-                      <a:r>
-                        <a:rPr lang="en-US" dirty="0" err="1" smtClean="0"/>
-                        <a:t>tim</a:t>
-                      </a:r>
-                      <a:endParaRPr lang="en-US" dirty="0" smtClean="0"/>
-                    </a:p>
-                    <a:p>
-                      <a:endParaRPr lang="en-US" dirty="0" err="1" smtClean="0"/>
-                    </a:p>
-                  </a:txBody>
-                  <a:tcPr/>
-                </a:tc>
-                <a:tc>
-                  <a:txBody>
-                    <a:bodyPr/>
-                    <a:lstStyle/>
-                    <a:p>
-                      <a:r>
-                        <a:rPr lang="en-US" dirty="0" err="1" smtClean="0"/>
-                        <a:t>Mencari</a:t>
-                      </a:r>
-                      <a:r>
-                        <a:rPr lang="en-US" dirty="0" smtClean="0"/>
-                        <a:t> </a:t>
-                      </a:r>
-                      <a:r>
-                        <a:rPr lang="en-US" dirty="0" err="1" smtClean="0"/>
-                        <a:t>infomasi</a:t>
-                      </a:r>
-                      <a:r>
-                        <a:rPr lang="en-US" dirty="0" smtClean="0"/>
-                        <a:t> </a:t>
-                      </a:r>
-                      <a:r>
-                        <a:rPr lang="en-US" dirty="0" err="1" smtClean="0"/>
-                        <a:t>dan</a:t>
-                      </a:r>
-                      <a:r>
-                        <a:rPr lang="en-US" dirty="0" smtClean="0"/>
-                        <a:t> </a:t>
-                      </a:r>
-                      <a:r>
-                        <a:rPr lang="en-US" dirty="0" err="1" smtClean="0"/>
-                        <a:t>mencoba</a:t>
-                      </a:r>
-                      <a:r>
-                        <a:rPr lang="en-US" dirty="0" smtClean="0"/>
-                        <a:t> </a:t>
-                      </a:r>
-                      <a:r>
-                        <a:rPr lang="en-US" dirty="0" err="1" smtClean="0"/>
-                        <a:t>lebih</a:t>
-                      </a:r>
-                      <a:r>
-                        <a:rPr lang="en-US" dirty="0" smtClean="0"/>
-                        <a:t> </a:t>
-                      </a:r>
-                      <a:r>
-                        <a:rPr lang="en-US" dirty="0" err="1" smtClean="0"/>
-                        <a:t>aktif</a:t>
-                      </a:r>
-                      <a:endParaRPr lang="id-ID" dirty="0"/>
-                    </a:p>
-                  </a:txBody>
-                  <a:tcPr/>
-                </a:tc>
-              </a:tr>
-              <a:tr h="1870772">
-                <a:tc>
-                  <a:txBody>
-                    <a:bodyPr/>
-                    <a:lstStyle/>
-                    <a:p>
-                      <a:r>
-                        <a:rPr lang="en-US" dirty="0" err="1" smtClean="0"/>
-                        <a:t>Kurang</a:t>
-                      </a:r>
-                      <a:r>
-                        <a:rPr lang="en-US" dirty="0" smtClean="0"/>
-                        <a:t> </a:t>
-                      </a:r>
-                      <a:r>
-                        <a:rPr lang="en-US" dirty="0" err="1" smtClean="0"/>
-                        <a:t>menguasai</a:t>
-                      </a:r>
-                      <a:r>
-                        <a:rPr lang="en-US" dirty="0" smtClean="0"/>
-                        <a:t> </a:t>
-                      </a:r>
-                      <a:r>
-                        <a:rPr lang="en-US" dirty="0" err="1" smtClean="0"/>
-                        <a:t>materi</a:t>
-                      </a:r>
-                      <a:endParaRPr lang="id-ID" dirty="0"/>
-                    </a:p>
-                  </a:txBody>
-                  <a:tcPr/>
-                </a:tc>
-                <a:tc>
-                  <a:txBody>
-                    <a:bodyPr/>
-                    <a:lstStyle/>
-                    <a:p>
-                      <a:r>
-                        <a:rPr lang="en-US" dirty="0" err="1" smtClean="0"/>
-                        <a:t>Mempelajari</a:t>
-                      </a:r>
-                      <a:r>
-                        <a:rPr lang="en-US" dirty="0" smtClean="0"/>
-                        <a:t> </a:t>
-                      </a:r>
-                      <a:r>
-                        <a:rPr lang="en-US" dirty="0" err="1" smtClean="0"/>
-                        <a:t>materi</a:t>
-                      </a:r>
-                      <a:r>
-                        <a:rPr lang="en-US" dirty="0" smtClean="0"/>
-                        <a:t> </a:t>
-                      </a:r>
-                      <a:r>
-                        <a:rPr lang="en-US" dirty="0" err="1" smtClean="0"/>
-                        <a:t>di</a:t>
-                      </a:r>
-                      <a:r>
-                        <a:rPr lang="en-US" dirty="0" smtClean="0"/>
-                        <a:t> internet </a:t>
-                      </a:r>
-                      <a:r>
-                        <a:rPr lang="en-US" dirty="0" err="1" smtClean="0"/>
-                        <a:t>dan</a:t>
-                      </a:r>
-                      <a:r>
-                        <a:rPr lang="en-US" dirty="0" smtClean="0"/>
-                        <a:t> </a:t>
-                      </a:r>
-                      <a:r>
-                        <a:rPr lang="en-US" dirty="0" err="1" smtClean="0"/>
-                        <a:t>konsultasi</a:t>
-                      </a:r>
-                      <a:r>
-                        <a:rPr lang="en-US" dirty="0" smtClean="0"/>
-                        <a:t> </a:t>
-                      </a:r>
-                      <a:r>
-                        <a:rPr lang="en-US" dirty="0" err="1" smtClean="0"/>
-                        <a:t>ke</a:t>
-                      </a:r>
-                      <a:r>
-                        <a:rPr lang="en-US" dirty="0" smtClean="0"/>
-                        <a:t> </a:t>
-                      </a:r>
-                      <a:r>
-                        <a:rPr lang="en-US" dirty="0" err="1" smtClean="0"/>
-                        <a:t>dosen</a:t>
-                      </a:r>
-                      <a:endParaRPr lang="id-ID" dirty="0" smtClean="0"/>
-                    </a:p>
-                    <a:p>
-                      <a:endParaRPr lang="id-ID" dirty="0"/>
-                    </a:p>
-                  </a:txBody>
-                  <a:tcPr/>
-                </a:tc>
-              </a:tr>
-            </a:tbl>
-          </a:graphicData>
-        </a:graphic>
-      </p:graphicFrame>
     </p:spTree>
+    <p:extLst>
+      <p:ext uri="{BB962C8B-B14F-4D97-AF65-F5344CB8AC3E}">
+        <p14:creationId xmlns:p14="http://schemas.microsoft.com/office/powerpoint/2010/main" val="3912534661"/>
+      </p:ext>
+    </p:extLst>
   </p:cSld>
   <p:clrMapOvr>
     <a:masterClrMapping/>
   </p:clrMapOvr>
-  <mc:AlternateContent xmlns:mc="http://schemas.openxmlformats.org/markup-compatibility/2006">
-    <mc:Choice xmlns:p14="http://schemas.microsoft.com/office/powerpoint/2010/main" Requires="p14">
+  <mc:AlternateContent xmlns:mc="http://schemas.openxmlformats.org/markup-compatibility/2006" xmlns:p14="http://schemas.microsoft.com/office/powerpoint/2010/main">
+    <mc:Choice Requires="p14">
       <p:transition spd="slow" p14:dur="1500">
         <p:split orient="vert"/>
       </p:transition>
     </mc:Choice>
-    <mc:Fallback>
+    <mc:Fallback xmlns="">
       <p:transition spd="slow">
         <p:split orient="vert"/>
       </p:transition>
     </mc:Fallback>
   </mc:AlternateContent>
-  <p:timing>
-    <p:tnLst>
-      <p:par>
-        <p:cTn id="1" dur="indefinite" restart="never" nodeType="tmRoot"/>
-      </p:par>
-    </p:tnLst>
-  </p:timing>
 </p:sld>
 </file>
 
@@ -6311,22 +6746,21 @@
           <a:p>
             <a:pPr algn="ctr"/>
             <a:r>
-              <a:rPr lang="en-US" sz="6000" dirty="0" err="1" smtClean="0"/>
+              <a:rPr lang="en-US" sz="6000" dirty="0" err="1"/>
               <a:t>Manajemen</a:t>
             </a:r>
             <a:r>
-              <a:rPr lang="en-US" sz="6000" dirty="0" smtClean="0"/>
+              <a:rPr lang="en-US" sz="6000" dirty="0"/>
               <a:t> </a:t>
             </a:r>
             <a:r>
-              <a:rPr lang="en-US" sz="6000" dirty="0" err="1" smtClean="0"/>
+              <a:rPr lang="en-US" sz="6000" dirty="0" err="1"/>
               <a:t>Proyek</a:t>
             </a:r>
             <a:r>
-              <a:rPr lang="en-US" sz="6000" dirty="0" smtClean="0"/>
+              <a:rPr lang="en-US" sz="6000" dirty="0"/>
               <a:t> 2</a:t>
             </a:r>
-            <a:endParaRPr lang="en-US" sz="6000" dirty="0"/>
           </a:p>
         </p:txBody>
       </p:sp>
@@ -6354,79 +6788,44 @@
           <a:p>
             <a:r>
               <a:rPr lang="en-US" sz="2000" dirty="0"/>
-              <a:t>Daniel Reinaldo </a:t>
-            </a:r>
-            <a:r>
-              <a:rPr lang="en-US" sz="2000" dirty="0" smtClean="0"/>
-              <a:t>B</a:t>
+              <a:t>Daniel Reinaldo B 	72130022	</a:t>
+            </a:r>
+            <a:r>
+              <a:rPr lang="en-US" sz="1600" dirty="0"/>
+              <a:t>Project Manager</a:t>
+            </a:r>
+          </a:p>
+          <a:p>
+            <a:r>
+              <a:rPr lang="en-US" sz="2000" dirty="0" err="1"/>
+              <a:t>Ega</a:t>
+            </a:r>
+            <a:r>
+              <a:rPr lang="en-US" sz="2000" dirty="0"/>
+              <a:t> Prathama	71130050	</a:t>
+            </a:r>
+            <a:r>
+              <a:rPr lang="en-US" sz="1600" dirty="0"/>
+              <a:t>Vice Project Manager</a:t>
+            </a:r>
+          </a:p>
+          <a:p>
+            <a:r>
+              <a:rPr lang="en-US" sz="2000" dirty="0" err="1"/>
+              <a:t>Novan</a:t>
             </a:r>
             <a:r>
               <a:rPr lang="en-US" sz="2000" dirty="0"/>
               <a:t> </a:t>
             </a:r>
             <a:r>
-              <a:rPr lang="en-US" sz="2000" dirty="0" smtClean="0"/>
-              <a:t>	72130022	</a:t>
-            </a:r>
-            <a:r>
-              <a:rPr lang="en-US" sz="1600" dirty="0" smtClean="0"/>
-              <a:t>Project Manager</a:t>
-            </a:r>
-            <a:endParaRPr lang="en-US" sz="1600" dirty="0"/>
-          </a:p>
-          <a:p>
-            <a:r>
               <a:rPr lang="en-US" sz="2000" dirty="0" err="1"/>
-              <a:t>Ega</a:t>
+              <a:t>Andriyanto</a:t>
             </a:r>
             <a:r>
               <a:rPr lang="en-US" sz="2000" dirty="0"/>
-              <a:t> Prathama	</a:t>
-            </a:r>
-            <a:r>
-              <a:rPr lang="en-US" sz="2000" dirty="0" smtClean="0"/>
-              <a:t>71130050</a:t>
-            </a:r>
-            <a:r>
-              <a:rPr lang="en-US" sz="2000" dirty="0" smtClean="0"/>
-              <a:t>	</a:t>
-            </a:r>
-            <a:r>
-              <a:rPr lang="en-US" sz="1600" dirty="0" smtClean="0"/>
-              <a:t>Vice Project </a:t>
-            </a:r>
-            <a:r>
-              <a:rPr lang="en-US" sz="1600" dirty="0" smtClean="0"/>
-              <a:t>Manager</a:t>
-            </a:r>
-            <a:endParaRPr lang="en-US" sz="1600" dirty="0"/>
-          </a:p>
-          <a:p>
-            <a:r>
-              <a:rPr lang="en-US" sz="2000" dirty="0" err="1"/>
-              <a:t>Novan</a:t>
-            </a:r>
-            <a:r>
-              <a:rPr lang="en-US" sz="2000" dirty="0"/>
-              <a:t> </a:t>
-            </a:r>
-            <a:r>
-              <a:rPr lang="en-US" sz="2000" dirty="0" err="1" smtClean="0"/>
-              <a:t>Andriyanto</a:t>
-            </a:r>
-            <a:r>
-              <a:rPr lang="en-US" sz="2000" dirty="0"/>
-              <a:t>	</a:t>
-            </a:r>
-            <a:r>
-              <a:rPr lang="en-US" sz="2000" dirty="0" smtClean="0"/>
-              <a:t>72130022	</a:t>
-            </a:r>
-            <a:r>
-              <a:rPr lang="en-US" sz="2000" dirty="0" smtClean="0"/>
-              <a:t>Secretary</a:t>
-            </a:r>
-            <a:endParaRPr lang="en-US" sz="2000" dirty="0"/>
+              <a:t>	72130022	Secretary</a:t>
+            </a:r>
           </a:p>
           <a:p>
             <a:r>
@@ -6434,22 +6833,17 @@
               <a:t>Monika </a:t>
             </a:r>
             <a:r>
-              <a:rPr lang="en-US" sz="2000" dirty="0" err="1" smtClean="0"/>
+              <a:rPr lang="en-US" sz="2000" dirty="0" err="1"/>
               <a:t>Suryadarma</a:t>
             </a:r>
             <a:r>
-              <a:rPr lang="en-US" sz="2000" dirty="0" smtClean="0"/>
+              <a:rPr lang="en-US" sz="2000" dirty="0"/>
               <a:t>	72130050	</a:t>
             </a:r>
             <a:r>
-              <a:rPr lang="en-US" sz="1600" dirty="0" smtClean="0"/>
-              <a:t>Back End </a:t>
-            </a:r>
-            <a:r>
-              <a:rPr lang="en-US" sz="1600" dirty="0" smtClean="0"/>
-              <a:t>Developer</a:t>
-            </a:r>
-            <a:endParaRPr lang="en-US" sz="1600" dirty="0"/>
+              <a:rPr lang="en-US" sz="1600" dirty="0"/>
+              <a:t>Back End Developer</a:t>
+            </a:r>
           </a:p>
           <a:p>
             <a:r>
@@ -6462,14 +6856,10 @@
             </a:r>
             <a:r>
               <a:rPr lang="en-US" sz="2000" dirty="0"/>
-              <a:t>	</a:t>
-            </a:r>
-            <a:r>
-              <a:rPr lang="en-US" sz="2000" dirty="0" smtClean="0"/>
-              <a:t>71130013</a:t>
-            </a:r>
-            <a:r>
-              <a:rPr lang="en-US" sz="1600" dirty="0" smtClean="0">
+              <a:t>	71130013</a:t>
+            </a:r>
+            <a:r>
+              <a:rPr lang="en-US" sz="1600" dirty="0">
                 <a:solidFill>
                   <a:prstClr val="white"/>
                 </a:solidFill>
@@ -6485,25 +6875,13 @@
             </a:r>
             <a:r>
               <a:rPr lang="en-US" sz="2000" dirty="0"/>
-              <a:t>		</a:t>
-            </a:r>
-            <a:r>
-              <a:rPr lang="en-US" sz="2000" dirty="0" smtClean="0"/>
-              <a:t>71130026	</a:t>
-            </a:r>
-            <a:r>
-              <a:rPr lang="en-US" sz="1600" dirty="0" smtClean="0"/>
-              <a:t>Back </a:t>
+              <a:t>		71130026	</a:t>
             </a:r>
             <a:r>
               <a:rPr lang="en-US" sz="1600" dirty="0"/>
-              <a:t>End </a:t>
-            </a:r>
-            <a:r>
-              <a:rPr lang="en-US" sz="1600" dirty="0" smtClean="0"/>
-              <a:t>Developer</a:t>
-            </a:r>
-            <a:endParaRPr lang="id-ID" sz="1600" dirty="0" smtClean="0"/>
+              <a:t>Back End Developer</a:t>
+            </a:r>
+            <a:endParaRPr lang="id-ID" sz="1600" dirty="0"/>
           </a:p>
           <a:p>
             <a:endParaRPr lang="en-US" sz="1600" dirty="0"/>
@@ -6518,22 +6896,17 @@
               <a:t> </a:t>
             </a:r>
             <a:r>
-              <a:rPr lang="en-US" sz="2000" dirty="0" err="1" smtClean="0"/>
+              <a:rPr lang="en-US" sz="2000" dirty="0" err="1"/>
               <a:t>Purnomo</a:t>
             </a:r>
             <a:r>
               <a:rPr lang="en-US" sz="2000" dirty="0"/>
-              <a:t>	</a:t>
-            </a:r>
-            <a:r>
-              <a:rPr lang="en-US" sz="2000" dirty="0" smtClean="0"/>
-              <a:t>71130029	</a:t>
-            </a:r>
-            <a:r>
-              <a:rPr lang="en-US" sz="1600" dirty="0" smtClean="0"/>
+              <a:t>	71130029	</a:t>
+            </a:r>
+            <a:r>
+              <a:rPr lang="en-US" sz="1600" dirty="0"/>
               <a:t>Front End Developer</a:t>
             </a:r>
-            <a:endParaRPr lang="en-US" sz="1600" dirty="0"/>
           </a:p>
           <a:p>
             <a:r>
@@ -6541,71 +6914,34 @@
               <a:t>Rico </a:t>
             </a:r>
             <a:r>
-              <a:rPr lang="en-US" sz="2000" dirty="0" err="1" smtClean="0"/>
+              <a:rPr lang="en-US" sz="2000" dirty="0" err="1"/>
               <a:t>Manurung</a:t>
             </a:r>
             <a:r>
               <a:rPr lang="en-US" sz="2000" dirty="0"/>
-              <a:t>	</a:t>
-            </a:r>
-            <a:r>
-              <a:rPr lang="en-US" sz="2000" dirty="0" smtClean="0"/>
-              <a:t>71130028</a:t>
+              <a:t>	71130028	</a:t>
+            </a:r>
+            <a:r>
+              <a:rPr lang="en-US" sz="1600" dirty="0"/>
+              <a:t>Front End Developer</a:t>
+            </a:r>
+          </a:p>
+          <a:p>
+            <a:endParaRPr lang="en-US" sz="1600" dirty="0"/>
+          </a:p>
+          <a:p>
+            <a:r>
+              <a:rPr lang="en-US" sz="2000" dirty="0" err="1"/>
+              <a:t>Yohanes</a:t>
             </a:r>
             <a:r>
               <a:rPr lang="en-US" sz="2000" dirty="0"/>
-              <a:t>	</a:t>
-            </a:r>
-            <a:r>
-              <a:rPr lang="en-US" sz="1600" dirty="0" smtClean="0"/>
-              <a:t>Front </a:t>
+              <a:t> Ryan S	71130046	</a:t>
             </a:r>
             <a:r>
               <a:rPr lang="en-US" sz="1600" dirty="0"/>
-              <a:t>End </a:t>
-            </a:r>
-            <a:r>
-              <a:rPr lang="en-US" sz="1600" dirty="0" smtClean="0"/>
-              <a:t>Developer</a:t>
-            </a:r>
-          </a:p>
-          <a:p>
-            <a:endParaRPr lang="en-US" sz="1600" dirty="0"/>
-          </a:p>
-          <a:p>
-            <a:r>
-              <a:rPr lang="en-US" sz="2000" dirty="0" err="1" smtClean="0"/>
-              <a:t>Yohanes</a:t>
-            </a:r>
-            <a:r>
-              <a:rPr lang="en-US" sz="2000" dirty="0" smtClean="0"/>
-              <a:t> </a:t>
-            </a:r>
-            <a:r>
-              <a:rPr lang="en-US" sz="2000" dirty="0"/>
-              <a:t>Ryan </a:t>
-            </a:r>
-            <a:r>
-              <a:rPr lang="en-US" sz="2000" dirty="0" smtClean="0"/>
-              <a:t>S</a:t>
-            </a:r>
-            <a:r>
-              <a:rPr lang="en-US" sz="2000" dirty="0"/>
-              <a:t>	</a:t>
-            </a:r>
-            <a:r>
-              <a:rPr lang="en-US" sz="2000" dirty="0" smtClean="0"/>
-              <a:t>71130046	</a:t>
-            </a:r>
-            <a:r>
-              <a:rPr lang="en-US" sz="1600" dirty="0" smtClean="0"/>
-              <a:t>Public </a:t>
-            </a:r>
-            <a:r>
-              <a:rPr lang="en-US" sz="1600" dirty="0" smtClean="0"/>
-              <a:t>Relation</a:t>
-            </a:r>
-            <a:endParaRPr lang="en-US" sz="1600" dirty="0"/>
+              <a:t>Public Relation</a:t>
+            </a:r>
           </a:p>
           <a:p>
             <a:r>
@@ -6622,75 +6958,45 @@
             </a:r>
             <a:r>
               <a:rPr lang="en-US" sz="2000" dirty="0"/>
-              <a:t>	</a:t>
-            </a:r>
-            <a:r>
-              <a:rPr lang="en-US" sz="2000" dirty="0" smtClean="0"/>
-              <a:t>71120080</a:t>
-            </a:r>
-            <a:r>
-              <a:rPr lang="en-US" sz="2000" dirty="0" smtClean="0"/>
-              <a:t>	</a:t>
-            </a:r>
-            <a:r>
-              <a:rPr lang="en-US" sz="1600" dirty="0" smtClean="0"/>
-              <a:t>Public </a:t>
-            </a:r>
-            <a:r>
-              <a:rPr lang="en-US" sz="1600" dirty="0" smtClean="0"/>
-              <a:t>Relation</a:t>
-            </a:r>
-            <a:endParaRPr lang="en-US" sz="1600" dirty="0" smtClean="0"/>
-          </a:p>
-          <a:p>
-            <a:r>
-              <a:rPr lang="en-US" sz="2000" dirty="0" err="1" smtClean="0"/>
+              <a:t>	71120080	</a:t>
+            </a:r>
+            <a:r>
+              <a:rPr lang="en-US" sz="1600" dirty="0"/>
+              <a:t>Public Relation</a:t>
+            </a:r>
+          </a:p>
+          <a:p>
+            <a:r>
+              <a:rPr lang="en-US" sz="2000" dirty="0" err="1"/>
               <a:t>Mikhael</a:t>
             </a:r>
             <a:r>
-              <a:rPr lang="en-US" sz="2000" dirty="0" smtClean="0"/>
-              <a:t> </a:t>
-            </a:r>
-            <a:r>
               <a:rPr lang="en-US" sz="2000" dirty="0"/>
-              <a:t>Meier	</a:t>
-            </a:r>
-            <a:r>
-              <a:rPr lang="en-US" sz="2000" dirty="0" smtClean="0"/>
-              <a:t>71130114</a:t>
-            </a:r>
-            <a:r>
-              <a:rPr lang="en-US" sz="2000" dirty="0" smtClean="0"/>
-              <a:t>	</a:t>
-            </a:r>
-            <a:r>
-              <a:rPr lang="en-US" sz="1600" dirty="0" smtClean="0"/>
+              <a:t> Meier	71130114	</a:t>
+            </a:r>
+            <a:r>
+              <a:rPr lang="en-US" sz="1600" dirty="0"/>
               <a:t>Tester</a:t>
             </a:r>
-            <a:endParaRPr lang="en-US" sz="1600" dirty="0"/>
-          </a:p>
-          <a:p>
-            <a:r>
-              <a:rPr lang="en-US" sz="2000" dirty="0" smtClean="0"/>
+          </a:p>
+          <a:p>
+            <a:r>
+              <a:rPr lang="en-US" sz="2000" dirty="0"/>
               <a:t>Muhammad </a:t>
             </a:r>
             <a:r>
-              <a:rPr lang="en-US" sz="2000" dirty="0" err="1" smtClean="0"/>
+              <a:rPr lang="en-US" sz="2000" dirty="0" err="1"/>
               <a:t>Agus</a:t>
             </a:r>
             <a:r>
               <a:rPr lang="en-US" sz="2000" dirty="0"/>
-              <a:t>	</a:t>
-            </a:r>
-            <a:r>
-              <a:rPr lang="en-US" sz="2000" dirty="0" smtClean="0"/>
-              <a:t>71130166	</a:t>
-            </a:r>
-            <a:r>
-              <a:rPr lang="en-US" sz="1600" dirty="0" smtClean="0"/>
+              <a:t>	71130166	</a:t>
+            </a:r>
+            <a:r>
+              <a:rPr lang="en-US" sz="1600" dirty="0"/>
               <a:t>Tester</a:t>
             </a:r>
-            <a:endParaRPr lang="id-ID" sz="1600" dirty="0" smtClean="0"/>
+            <a:endParaRPr lang="id-ID" sz="1600" dirty="0"/>
           </a:p>
           <a:p>
             <a:endParaRPr lang="en-US" sz="1800" dirty="0"/>
@@ -6706,21 +7012,13 @@
             </a:r>
             <a:r>
               <a:rPr lang="en-US" sz="2000" dirty="0"/>
-              <a:t>	</a:t>
-            </a:r>
-            <a:r>
-              <a:rPr lang="en-US" sz="2000" dirty="0" smtClean="0"/>
-              <a:t>71130061</a:t>
-            </a:r>
-            <a:r>
-              <a:rPr lang="en-US" sz="2000" dirty="0" smtClean="0"/>
-              <a:t>	</a:t>
-            </a:r>
-            <a:r>
-              <a:rPr lang="en-US" sz="1600" dirty="0" smtClean="0"/>
+              <a:t>	71130061	</a:t>
+            </a:r>
+            <a:r>
+              <a:rPr lang="en-US" sz="1600" dirty="0"/>
               <a:t>Trainer</a:t>
             </a:r>
-            <a:endParaRPr lang="id-ID" sz="1600" dirty="0" smtClean="0"/>
+            <a:endParaRPr lang="id-ID" sz="1600" dirty="0"/>
           </a:p>
           <a:p>
             <a:endParaRPr lang="en-US" sz="1600" dirty="0"/>
@@ -6744,19 +7042,15 @@
             </a:r>
             <a:r>
               <a:rPr lang="en-US" sz="2000" dirty="0"/>
-              <a:t> P	</a:t>
-            </a:r>
-            <a:r>
-              <a:rPr lang="en-US" sz="2000" dirty="0" smtClean="0"/>
-              <a:t>71130006	</a:t>
-            </a:r>
-            <a:r>
-              <a:rPr lang="en-US" sz="1600" dirty="0" smtClean="0"/>
+              <a:t> P	71130006	</a:t>
+            </a:r>
+            <a:r>
+              <a:rPr lang="en-US" sz="1600" dirty="0"/>
               <a:t>Trainer</a:t>
             </a:r>
           </a:p>
           <a:p>
-            <a:endParaRPr lang="en-US" sz="1600" dirty="0" smtClean="0"/>
+            <a:endParaRPr lang="en-US" sz="1600" dirty="0"/>
           </a:p>
         </p:txBody>
       </p:sp>
@@ -6770,25 +7064,18 @@
   <p:clrMapOvr>
     <a:masterClrMapping/>
   </p:clrMapOvr>
-  <mc:AlternateContent xmlns:mc="http://schemas.openxmlformats.org/markup-compatibility/2006">
-    <mc:Choice xmlns:p14="http://schemas.microsoft.com/office/powerpoint/2010/main" Requires="p14">
+  <mc:AlternateContent xmlns:mc="http://schemas.openxmlformats.org/markup-compatibility/2006" xmlns:p14="http://schemas.microsoft.com/office/powerpoint/2010/main">
+    <mc:Choice Requires="p14">
       <p:transition spd="slow" p14:dur="2000">
         <p14:reveal/>
       </p:transition>
     </mc:Choice>
-    <mc:Fallback>
+    <mc:Fallback xmlns="">
       <p:transition spd="slow">
         <p:fade/>
       </p:transition>
     </mc:Fallback>
   </mc:AlternateContent>
-  <p:timing>
-    <p:tnLst>
-      <p:par>
-        <p:cTn id="1" dur="indefinite" restart="never" nodeType="tmRoot"/>
-      </p:par>
-    </p:tnLst>
-  </p:timing>
 </p:sld>
 </file>
 
@@ -6830,34 +7117,33 @@
           <a:lstStyle/>
           <a:p>
             <a:r>
-              <a:rPr lang="en-US" dirty="0" smtClean="0"/>
+              <a:rPr lang="en-US" dirty="0"/>
               <a:t>PPP (</a:t>
             </a:r>
             <a:r>
-              <a:rPr lang="en-US" dirty="0" err="1" smtClean="0"/>
+              <a:rPr lang="en-US" dirty="0" err="1"/>
               <a:t>Pusat</a:t>
             </a:r>
             <a:r>
-              <a:rPr lang="en-US" dirty="0" smtClean="0"/>
+              <a:rPr lang="en-US" dirty="0"/>
               <a:t> </a:t>
             </a:r>
             <a:r>
-              <a:rPr lang="en-US" dirty="0" err="1" smtClean="0"/>
+              <a:rPr lang="en-US" dirty="0" err="1"/>
               <a:t>Pengembangan</a:t>
             </a:r>
             <a:r>
-              <a:rPr lang="en-US" dirty="0" smtClean="0"/>
+              <a:rPr lang="en-US" dirty="0"/>
               <a:t> </a:t>
             </a:r>
             <a:r>
-              <a:rPr lang="en-US" dirty="0" err="1" smtClean="0"/>
+              <a:rPr lang="en-US" dirty="0" err="1"/>
               <a:t>Pribadi</a:t>
             </a:r>
             <a:r>
-              <a:rPr lang="en-US" dirty="0" smtClean="0"/>
+              <a:rPr lang="en-US" dirty="0"/>
               <a:t>)</a:t>
             </a:r>
-            <a:endParaRPr lang="en-US" dirty="0"/>
           </a:p>
         </p:txBody>
       </p:sp>
@@ -6885,312 +7171,312 @@
           <a:p>
             <a:pPr algn="just"/>
             <a:r>
-              <a:rPr lang="en-US" sz="1700" dirty="0" smtClean="0"/>
+              <a:rPr lang="en-US" sz="1700" dirty="0"/>
               <a:t>PPP </a:t>
             </a:r>
             <a:r>
-              <a:rPr lang="en-US" sz="1700" dirty="0" err="1" smtClean="0"/>
+              <a:rPr lang="en-US" sz="1700" dirty="0" err="1"/>
               <a:t>merupakan</a:t>
             </a:r>
             <a:r>
-              <a:rPr lang="en-US" sz="1700" dirty="0" smtClean="0"/>
+              <a:rPr lang="en-US" sz="1700" dirty="0"/>
               <a:t> unit yang </a:t>
             </a:r>
             <a:r>
-              <a:rPr lang="en-US" sz="1700" dirty="0" err="1" smtClean="0"/>
+              <a:rPr lang="en-US" sz="1700" dirty="0" err="1"/>
               <a:t>memberikan</a:t>
             </a:r>
             <a:r>
-              <a:rPr lang="en-US" sz="1700" dirty="0" smtClean="0"/>
+              <a:rPr lang="en-US" sz="1700" dirty="0"/>
               <a:t> </a:t>
             </a:r>
             <a:r>
-              <a:rPr lang="en-US" sz="1700" dirty="0" err="1" smtClean="0"/>
+              <a:rPr lang="en-US" sz="1700" dirty="0" err="1"/>
               <a:t>pelayanan</a:t>
             </a:r>
             <a:r>
-              <a:rPr lang="en-US" sz="1700" dirty="0" smtClean="0"/>
+              <a:rPr lang="en-US" sz="1700" dirty="0"/>
               <a:t> </a:t>
             </a:r>
             <a:r>
-              <a:rPr lang="en-US" sz="1700" dirty="0" err="1" smtClean="0"/>
+              <a:rPr lang="en-US" sz="1700" dirty="0" err="1"/>
               <a:t>jasa</a:t>
             </a:r>
             <a:r>
-              <a:rPr lang="en-US" sz="1700" dirty="0" smtClean="0"/>
+              <a:rPr lang="en-US" sz="1700" dirty="0"/>
               <a:t> </a:t>
             </a:r>
             <a:r>
-              <a:rPr lang="en-US" sz="1700" dirty="0" err="1" smtClean="0"/>
+              <a:rPr lang="en-US" sz="1700" dirty="0" err="1"/>
               <a:t>psikologi</a:t>
             </a:r>
             <a:r>
-              <a:rPr lang="en-US" sz="1700" dirty="0" smtClean="0"/>
+              <a:rPr lang="en-US" sz="1700" dirty="0"/>
               <a:t> yang professional </a:t>
             </a:r>
             <a:r>
-              <a:rPr lang="en-US" sz="1700" dirty="0" err="1" smtClean="0"/>
+              <a:rPr lang="en-US" sz="1700" dirty="0" err="1"/>
               <a:t>kepada</a:t>
             </a:r>
             <a:r>
-              <a:rPr lang="en-US" sz="1700" dirty="0" smtClean="0"/>
+              <a:rPr lang="en-US" sz="1700" dirty="0"/>
               <a:t> </a:t>
             </a:r>
             <a:r>
-              <a:rPr lang="en-US" sz="1700" dirty="0" err="1" smtClean="0"/>
+              <a:rPr lang="en-US" sz="1700" dirty="0" err="1"/>
               <a:t>civitas</a:t>
             </a:r>
             <a:r>
-              <a:rPr lang="en-US" sz="1700" dirty="0" smtClean="0"/>
+              <a:rPr lang="en-US" sz="1700" dirty="0"/>
               <a:t> </a:t>
             </a:r>
             <a:r>
-              <a:rPr lang="en-US" sz="1700" dirty="0" err="1" smtClean="0"/>
+              <a:rPr lang="en-US" sz="1700" dirty="0" err="1"/>
               <a:t>Akademika</a:t>
             </a:r>
             <a:r>
-              <a:rPr lang="en-US" sz="1700" dirty="0" smtClean="0"/>
+              <a:rPr lang="en-US" sz="1700" dirty="0"/>
               <a:t> </a:t>
             </a:r>
             <a:r>
-              <a:rPr lang="en-US" sz="1700" dirty="0" err="1" smtClean="0"/>
+              <a:rPr lang="en-US" sz="1700" dirty="0" err="1"/>
               <a:t>Universitas</a:t>
             </a:r>
             <a:r>
-              <a:rPr lang="en-US" sz="1700" dirty="0" smtClean="0"/>
+              <a:rPr lang="en-US" sz="1700" dirty="0"/>
               <a:t> Kristen Duta </a:t>
             </a:r>
             <a:r>
-              <a:rPr lang="en-US" sz="1700" dirty="0" err="1" smtClean="0"/>
+              <a:rPr lang="en-US" sz="1700" dirty="0" err="1"/>
               <a:t>Wacana</a:t>
             </a:r>
             <a:r>
-              <a:rPr lang="en-US" sz="1700" dirty="0" smtClean="0"/>
+              <a:rPr lang="en-US" sz="1700" dirty="0"/>
               <a:t>, </a:t>
             </a:r>
             <a:r>
-              <a:rPr lang="en-US" sz="1700" dirty="0" err="1" smtClean="0"/>
+              <a:rPr lang="en-US" sz="1700" dirty="0" err="1"/>
               <a:t>Masyarakat</a:t>
             </a:r>
             <a:r>
-              <a:rPr lang="en-US" sz="1700" dirty="0" smtClean="0"/>
+              <a:rPr lang="en-US" sz="1700" dirty="0"/>
               <a:t> </a:t>
             </a:r>
             <a:r>
-              <a:rPr lang="en-US" sz="1700" dirty="0" err="1" smtClean="0"/>
+              <a:rPr lang="en-US" sz="1700" dirty="0" err="1"/>
               <a:t>Umum</a:t>
             </a:r>
             <a:r>
-              <a:rPr lang="en-US" sz="1700" dirty="0" smtClean="0"/>
+              <a:rPr lang="en-US" sz="1700" dirty="0"/>
               <a:t>, </a:t>
             </a:r>
             <a:r>
-              <a:rPr lang="en-US" sz="1700" dirty="0" err="1" smtClean="0"/>
+              <a:rPr lang="en-US" sz="1700" dirty="0" err="1"/>
               <a:t>dan</a:t>
             </a:r>
             <a:r>
-              <a:rPr lang="en-US" sz="1700" dirty="0" smtClean="0"/>
+              <a:rPr lang="en-US" sz="1700" dirty="0"/>
               <a:t> Perusahaan.</a:t>
             </a:r>
           </a:p>
           <a:p>
             <a:r>
-              <a:rPr lang="en-US" sz="1700" dirty="0" err="1" smtClean="0"/>
+              <a:rPr lang="en-US" sz="1700" dirty="0" err="1"/>
               <a:t>Keunggulan</a:t>
             </a:r>
             <a:r>
-              <a:rPr lang="en-US" sz="1700" dirty="0" smtClean="0"/>
+              <a:rPr lang="en-US" sz="1700" dirty="0"/>
               <a:t> :</a:t>
             </a:r>
           </a:p>
           <a:p>
             <a:pPr lvl="1"/>
             <a:r>
-              <a:rPr lang="en-US" sz="1700" dirty="0" err="1" smtClean="0"/>
+              <a:rPr lang="en-US" sz="1700" dirty="0" err="1"/>
               <a:t>Pelayanan</a:t>
             </a:r>
             <a:r>
-              <a:rPr lang="en-US" sz="1700" dirty="0" smtClean="0"/>
+              <a:rPr lang="en-US" sz="1700" dirty="0"/>
               <a:t> yang professional</a:t>
             </a:r>
           </a:p>
           <a:p>
             <a:pPr lvl="1"/>
             <a:r>
-              <a:rPr lang="en-US" sz="1700" dirty="0" err="1" smtClean="0"/>
+              <a:rPr lang="en-US" sz="1700" dirty="0" err="1"/>
               <a:t>Hasil</a:t>
             </a:r>
             <a:r>
-              <a:rPr lang="en-US" sz="1700" dirty="0" smtClean="0"/>
+              <a:rPr lang="en-US" sz="1700" dirty="0"/>
               <a:t> </a:t>
             </a:r>
             <a:r>
-              <a:rPr lang="en-US" sz="1700" dirty="0" err="1" smtClean="0"/>
+              <a:rPr lang="en-US" sz="1700" dirty="0" err="1"/>
               <a:t>tes</a:t>
             </a:r>
             <a:r>
-              <a:rPr lang="en-US" sz="1700" dirty="0" smtClean="0"/>
+              <a:rPr lang="en-US" sz="1700" dirty="0"/>
               <a:t> yang </a:t>
             </a:r>
             <a:r>
-              <a:rPr lang="en-US" sz="1700" dirty="0" err="1" smtClean="0"/>
+              <a:rPr lang="en-US" sz="1700" dirty="0" err="1"/>
               <a:t>cepat</a:t>
             </a:r>
             <a:r>
-              <a:rPr lang="en-US" sz="1700" dirty="0" smtClean="0"/>
+              <a:rPr lang="en-US" sz="1700" dirty="0"/>
               <a:t> </a:t>
             </a:r>
             <a:r>
-              <a:rPr lang="en-US" sz="1700" dirty="0" err="1" smtClean="0"/>
+              <a:rPr lang="en-US" sz="1700" dirty="0" err="1"/>
               <a:t>dan</a:t>
             </a:r>
             <a:r>
-              <a:rPr lang="en-US" sz="1700" dirty="0" smtClean="0"/>
+              <a:rPr lang="en-US" sz="1700" dirty="0"/>
               <a:t> </a:t>
             </a:r>
             <a:r>
-              <a:rPr lang="en-US" sz="1700" dirty="0" err="1" smtClean="0"/>
+              <a:rPr lang="en-US" sz="1700" dirty="0" err="1"/>
               <a:t>berkualitas</a:t>
             </a:r>
-            <a:endParaRPr lang="en-US" sz="1700" dirty="0" smtClean="0"/>
+            <a:endParaRPr lang="en-US" sz="1700" dirty="0"/>
           </a:p>
           <a:p>
             <a:pPr lvl="1"/>
             <a:r>
-              <a:rPr lang="en-US" sz="1700" dirty="0" err="1" smtClean="0"/>
+              <a:rPr lang="en-US" sz="1700" dirty="0" err="1"/>
               <a:t>Menjadikan</a:t>
             </a:r>
             <a:r>
-              <a:rPr lang="en-US" sz="1700" dirty="0" smtClean="0"/>
+              <a:rPr lang="en-US" sz="1700" dirty="0"/>
               <a:t> </a:t>
             </a:r>
             <a:r>
-              <a:rPr lang="en-US" sz="1700" dirty="0" err="1" smtClean="0"/>
+              <a:rPr lang="en-US" sz="1700" dirty="0" err="1"/>
               <a:t>konsumen</a:t>
             </a:r>
             <a:r>
-              <a:rPr lang="en-US" sz="1700" dirty="0" smtClean="0"/>
+              <a:rPr lang="en-US" sz="1700" dirty="0"/>
               <a:t> </a:t>
             </a:r>
             <a:r>
-              <a:rPr lang="en-US" sz="1700" dirty="0" err="1" smtClean="0"/>
+              <a:rPr lang="en-US" sz="1700" dirty="0" err="1"/>
               <a:t>sebagai</a:t>
             </a:r>
             <a:r>
-              <a:rPr lang="en-US" sz="1700" dirty="0" smtClean="0"/>
+              <a:rPr lang="en-US" sz="1700" dirty="0"/>
               <a:t> </a:t>
             </a:r>
             <a:r>
-              <a:rPr lang="en-US" sz="1700" dirty="0" err="1" smtClean="0"/>
+              <a:rPr lang="en-US" sz="1700" dirty="0" err="1"/>
               <a:t>mitra</a:t>
             </a:r>
-            <a:endParaRPr lang="en-US" sz="1700" dirty="0" smtClean="0"/>
+            <a:endParaRPr lang="en-US" sz="1700" dirty="0"/>
           </a:p>
           <a:p>
             <a:pPr lvl="1"/>
             <a:r>
-              <a:rPr lang="en-US" sz="1700" dirty="0" err="1" smtClean="0"/>
+              <a:rPr lang="en-US" sz="1700" dirty="0" err="1"/>
               <a:t>Menyediakan</a:t>
             </a:r>
             <a:r>
-              <a:rPr lang="en-US" sz="1700" dirty="0" smtClean="0"/>
+              <a:rPr lang="en-US" sz="1700" dirty="0"/>
               <a:t> </a:t>
             </a:r>
             <a:r>
-              <a:rPr lang="en-US" sz="1700" dirty="0" err="1" smtClean="0"/>
+              <a:rPr lang="en-US" sz="1700" dirty="0" err="1"/>
               <a:t>layanan</a:t>
             </a:r>
             <a:r>
-              <a:rPr lang="en-US" sz="1700" dirty="0" smtClean="0"/>
+              <a:rPr lang="en-US" sz="1700" dirty="0"/>
               <a:t> </a:t>
             </a:r>
             <a:r>
-              <a:rPr lang="en-US" sz="1700" dirty="0" err="1" smtClean="0"/>
+              <a:rPr lang="en-US" sz="1700" dirty="0" err="1"/>
               <a:t>pasca-tes</a:t>
             </a:r>
-            <a:endParaRPr lang="en-US" sz="1700" dirty="0" smtClean="0"/>
+            <a:endParaRPr lang="en-US" sz="1700" dirty="0"/>
           </a:p>
           <a:p>
             <a:pPr lvl="1"/>
             <a:r>
-              <a:rPr lang="en-US" sz="1700" dirty="0" err="1" smtClean="0"/>
+              <a:rPr lang="en-US" sz="1700" dirty="0" err="1"/>
               <a:t>Memiliki</a:t>
             </a:r>
             <a:r>
-              <a:rPr lang="en-US" sz="1700" dirty="0" smtClean="0"/>
+              <a:rPr lang="en-US" sz="1700" dirty="0"/>
               <a:t> </a:t>
             </a:r>
             <a:r>
-              <a:rPr lang="en-US" sz="1700" dirty="0" err="1" smtClean="0"/>
+              <a:rPr lang="en-US" sz="1700" dirty="0" err="1"/>
               <a:t>jaringan</a:t>
             </a:r>
             <a:r>
-              <a:rPr lang="en-US" sz="1700" dirty="0" smtClean="0"/>
+              <a:rPr lang="en-US" sz="1700" dirty="0"/>
               <a:t> </a:t>
             </a:r>
             <a:r>
-              <a:rPr lang="en-US" sz="1700" dirty="0" err="1" smtClean="0"/>
+              <a:rPr lang="en-US" sz="1700" dirty="0" err="1"/>
               <a:t>dan</a:t>
             </a:r>
             <a:r>
-              <a:rPr lang="en-US" sz="1700" dirty="0" smtClean="0"/>
+              <a:rPr lang="en-US" sz="1700" dirty="0"/>
               <a:t> </a:t>
             </a:r>
             <a:r>
-              <a:rPr lang="en-US" sz="1700" dirty="0" err="1" smtClean="0"/>
+              <a:rPr lang="en-US" sz="1700" dirty="0" err="1"/>
               <a:t>relasi</a:t>
             </a:r>
             <a:r>
-              <a:rPr lang="en-US" sz="1700" dirty="0" smtClean="0"/>
+              <a:rPr lang="en-US" sz="1700" dirty="0"/>
               <a:t> yang </a:t>
             </a:r>
             <a:r>
-              <a:rPr lang="en-US" sz="1700" dirty="0" err="1" smtClean="0"/>
+              <a:rPr lang="en-US" sz="1700" dirty="0" err="1"/>
               <a:t>luas</a:t>
             </a:r>
-            <a:endParaRPr lang="en-US" sz="1700" dirty="0" smtClean="0"/>
-          </a:p>
-          <a:p>
-            <a:r>
-              <a:rPr lang="en-US" sz="1700" dirty="0" err="1" smtClean="0"/>
+            <a:endParaRPr lang="en-US" sz="1700" dirty="0"/>
+          </a:p>
+          <a:p>
+            <a:r>
+              <a:rPr lang="en-US" sz="1700" dirty="0" err="1"/>
               <a:t>Jenis</a:t>
             </a:r>
             <a:r>
-              <a:rPr lang="en-US" sz="1700" dirty="0" smtClean="0"/>
+              <a:rPr lang="en-US" sz="1700" dirty="0"/>
               <a:t> </a:t>
             </a:r>
             <a:r>
-              <a:rPr lang="en-US" sz="1700" dirty="0" err="1" smtClean="0"/>
+              <a:rPr lang="en-US" sz="1700" dirty="0" err="1"/>
               <a:t>layanan</a:t>
             </a:r>
             <a:r>
-              <a:rPr lang="en-US" sz="1700" dirty="0" smtClean="0"/>
+              <a:rPr lang="en-US" sz="1700" dirty="0"/>
               <a:t> :</a:t>
             </a:r>
           </a:p>
           <a:p>
             <a:pPr lvl="1"/>
             <a:r>
-              <a:rPr lang="en-US" sz="1700" dirty="0" err="1" smtClean="0"/>
+              <a:rPr lang="en-US" sz="1700" dirty="0" err="1"/>
               <a:t>Psikotes</a:t>
             </a:r>
-            <a:endParaRPr lang="en-US" sz="1700" dirty="0" smtClean="0"/>
+            <a:endParaRPr lang="en-US" sz="1700" dirty="0"/>
           </a:p>
           <a:p>
             <a:pPr lvl="1"/>
             <a:r>
-              <a:rPr lang="en-US" sz="1700" dirty="0" err="1" smtClean="0"/>
+              <a:rPr lang="en-US" sz="1700" dirty="0" err="1"/>
               <a:t>Konseling</a:t>
             </a:r>
-            <a:endParaRPr lang="en-US" sz="1700" dirty="0" smtClean="0"/>
+            <a:endParaRPr lang="en-US" sz="1700" dirty="0"/>
           </a:p>
           <a:p>
             <a:pPr lvl="1"/>
             <a:r>
-              <a:rPr lang="en-US" sz="1700" dirty="0" err="1" smtClean="0"/>
+              <a:rPr lang="en-US" sz="1700" dirty="0" err="1"/>
               <a:t>Pelatihan</a:t>
             </a:r>
-            <a:endParaRPr lang="en-US" sz="1700" dirty="0" smtClean="0"/>
+            <a:endParaRPr lang="en-US" sz="1700" dirty="0"/>
           </a:p>
         </p:txBody>
       </p:sp>
@@ -7234,25 +7520,18 @@
   <p:clrMapOvr>
     <a:masterClrMapping/>
   </p:clrMapOvr>
-  <mc:AlternateContent xmlns:mc="http://schemas.openxmlformats.org/markup-compatibility/2006">
-    <mc:Choice xmlns:p14="http://schemas.microsoft.com/office/powerpoint/2010/main" Requires="p14">
+  <mc:AlternateContent xmlns:mc="http://schemas.openxmlformats.org/markup-compatibility/2006" xmlns:p14="http://schemas.microsoft.com/office/powerpoint/2010/main">
+    <mc:Choice Requires="p14">
       <p:transition spd="slow" p14:dur="1500">
         <p:split orient="vert"/>
       </p:transition>
     </mc:Choice>
-    <mc:Fallback>
+    <mc:Fallback xmlns="">
       <p:transition spd="slow">
         <p:split orient="vert"/>
       </p:transition>
     </mc:Fallback>
   </mc:AlternateContent>
-  <p:timing>
-    <p:tnLst>
-      <p:par>
-        <p:cTn id="1" dur="indefinite" restart="never" nodeType="tmRoot"/>
-      </p:par>
-    </p:tnLst>
-  </p:timing>
 </p:sld>
 </file>
 
@@ -7596,25 +7875,18 @@
   <p:clrMapOvr>
     <a:masterClrMapping/>
   </p:clrMapOvr>
-  <mc:AlternateContent xmlns:mc="http://schemas.openxmlformats.org/markup-compatibility/2006">
-    <mc:Choice xmlns:p14="http://schemas.microsoft.com/office/powerpoint/2010/main" Requires="p14">
+  <mc:AlternateContent xmlns:mc="http://schemas.openxmlformats.org/markup-compatibility/2006" xmlns:p14="http://schemas.microsoft.com/office/powerpoint/2010/main">
+    <mc:Choice Requires="p14">
       <p:transition spd="slow" p14:dur="1500">
         <p:split orient="vert"/>
       </p:transition>
     </mc:Choice>
-    <mc:Fallback>
+    <mc:Fallback xmlns="">
       <p:transition spd="slow">
         <p:split orient="vert"/>
       </p:transition>
     </mc:Fallback>
   </mc:AlternateContent>
-  <p:timing>
-    <p:tnLst>
-      <p:par>
-        <p:cTn id="1" dur="indefinite" restart="never" nodeType="tmRoot"/>
-      </p:par>
-    </p:tnLst>
-  </p:timing>
 </p:sld>
 </file>
 
@@ -7701,7 +7973,7 @@
         </p:nvGraphicFramePr>
         <p:xfrm>
           <a:off x="838200" y="1470989"/>
-          <a:ext cx="10515600" cy="4929063"/>
+          <a:ext cx="10515600" cy="4948239"/>
         </p:xfrm>
         <a:graphic>
           <a:graphicData uri="http://schemas.openxmlformats.org/drawingml/2006/table">
@@ -7713,42 +7985,42 @@
                 <a:gridCol w="2603500">
                   <a:extLst>
                     <a:ext uri="{9D8B030D-6E8A-4147-A177-3AD203B41FA5}">
-                      <a16:colId xmlns:a16="http://schemas.microsoft.com/office/drawing/2014/main" xmlns="" val="1078093096"/>
+                      <a16:colId xmlns:a16="http://schemas.microsoft.com/office/drawing/2014/main" val="1078093096"/>
                     </a:ext>
                   </a:extLst>
                 </a:gridCol>
                 <a:gridCol w="825500">
                   <a:extLst>
                     <a:ext uri="{9D8B030D-6E8A-4147-A177-3AD203B41FA5}">
-                      <a16:colId xmlns:a16="http://schemas.microsoft.com/office/drawing/2014/main" xmlns="" val="1038575792"/>
+                      <a16:colId xmlns:a16="http://schemas.microsoft.com/office/drawing/2014/main" val="1038575792"/>
                     </a:ext>
                   </a:extLst>
                 </a:gridCol>
                 <a:gridCol w="1663700">
                   <a:extLst>
                     <a:ext uri="{9D8B030D-6E8A-4147-A177-3AD203B41FA5}">
-                      <a16:colId xmlns:a16="http://schemas.microsoft.com/office/drawing/2014/main" xmlns="" val="3554299176"/>
+                      <a16:colId xmlns:a16="http://schemas.microsoft.com/office/drawing/2014/main" val="3554299176"/>
                     </a:ext>
                   </a:extLst>
                 </a:gridCol>
                 <a:gridCol w="1695539">
                   <a:extLst>
                     <a:ext uri="{9D8B030D-6E8A-4147-A177-3AD203B41FA5}">
-                      <a16:colId xmlns:a16="http://schemas.microsoft.com/office/drawing/2014/main" xmlns="" val="2469002569"/>
+                      <a16:colId xmlns:a16="http://schemas.microsoft.com/office/drawing/2014/main" val="2469002569"/>
                     </a:ext>
                   </a:extLst>
                 </a:gridCol>
                 <a:gridCol w="2024129">
                   <a:extLst>
                     <a:ext uri="{9D8B030D-6E8A-4147-A177-3AD203B41FA5}">
-                      <a16:colId xmlns:a16="http://schemas.microsoft.com/office/drawing/2014/main" xmlns="" val="3632475903"/>
+                      <a16:colId xmlns:a16="http://schemas.microsoft.com/office/drawing/2014/main" val="3632475903"/>
                     </a:ext>
                   </a:extLst>
                 </a:gridCol>
                 <a:gridCol w="1703232">
                   <a:extLst>
                     <a:ext uri="{9D8B030D-6E8A-4147-A177-3AD203B41FA5}">
-                      <a16:colId xmlns:a16="http://schemas.microsoft.com/office/drawing/2014/main" xmlns="" val="2658321754"/>
+                      <a16:colId xmlns:a16="http://schemas.microsoft.com/office/drawing/2014/main" val="2658321754"/>
                     </a:ext>
                   </a:extLst>
                 </a:gridCol>
@@ -7954,7 +8226,7 @@
                 </a:tc>
                 <a:extLst>
                   <a:ext uri="{0D108BD9-81ED-4DB2-BD59-A6C34878D82A}">
-                    <a16:rowId xmlns:a16="http://schemas.microsoft.com/office/drawing/2014/main" xmlns="" val="24043180"/>
+                    <a16:rowId xmlns:a16="http://schemas.microsoft.com/office/drawing/2014/main" val="24043180"/>
                   </a:ext>
                 </a:extLst>
               </a:tr>
@@ -8147,7 +8419,7 @@
                 </a:tc>
                 <a:extLst>
                   <a:ext uri="{0D108BD9-81ED-4DB2-BD59-A6C34878D82A}">
-                    <a16:rowId xmlns:a16="http://schemas.microsoft.com/office/drawing/2014/main" xmlns="" val="2399363568"/>
+                    <a16:rowId xmlns:a16="http://schemas.microsoft.com/office/drawing/2014/main" val="2399363568"/>
                   </a:ext>
                 </a:extLst>
               </a:tr>
@@ -8358,7 +8630,7 @@
                 </a:tc>
                 <a:extLst>
                   <a:ext uri="{0D108BD9-81ED-4DB2-BD59-A6C34878D82A}">
-                    <a16:rowId xmlns:a16="http://schemas.microsoft.com/office/drawing/2014/main" xmlns="" val="223198728"/>
+                    <a16:rowId xmlns:a16="http://schemas.microsoft.com/office/drawing/2014/main" val="223198728"/>
                   </a:ext>
                 </a:extLst>
               </a:tr>
@@ -8557,7 +8829,7 @@
                 </a:tc>
                 <a:extLst>
                   <a:ext uri="{0D108BD9-81ED-4DB2-BD59-A6C34878D82A}">
-                    <a16:rowId xmlns:a16="http://schemas.microsoft.com/office/drawing/2014/main" xmlns="" val="3428431421"/>
+                    <a16:rowId xmlns:a16="http://schemas.microsoft.com/office/drawing/2014/main" val="3428431421"/>
                   </a:ext>
                 </a:extLst>
               </a:tr>
@@ -8756,7 +9028,7 @@
                 </a:tc>
                 <a:extLst>
                   <a:ext uri="{0D108BD9-81ED-4DB2-BD59-A6C34878D82A}">
-                    <a16:rowId xmlns:a16="http://schemas.microsoft.com/office/drawing/2014/main" xmlns="" val="3966234549"/>
+                    <a16:rowId xmlns:a16="http://schemas.microsoft.com/office/drawing/2014/main" val="3966234549"/>
                   </a:ext>
                 </a:extLst>
               </a:tr>
@@ -8949,7 +9221,7 @@
                 </a:tc>
                 <a:extLst>
                   <a:ext uri="{0D108BD9-81ED-4DB2-BD59-A6C34878D82A}">
-                    <a16:rowId xmlns:a16="http://schemas.microsoft.com/office/drawing/2014/main" xmlns="" val="3022533100"/>
+                    <a16:rowId xmlns:a16="http://schemas.microsoft.com/office/drawing/2014/main" val="3022533100"/>
                   </a:ext>
                 </a:extLst>
               </a:tr>
@@ -9142,7 +9414,7 @@
                 </a:tc>
                 <a:extLst>
                   <a:ext uri="{0D108BD9-81ED-4DB2-BD59-A6C34878D82A}">
-                    <a16:rowId xmlns:a16="http://schemas.microsoft.com/office/drawing/2014/main" xmlns="" val="670975741"/>
+                    <a16:rowId xmlns:a16="http://schemas.microsoft.com/office/drawing/2014/main" val="670975741"/>
                   </a:ext>
                 </a:extLst>
               </a:tr>
@@ -9335,7 +9607,7 @@
                 </a:tc>
                 <a:extLst>
                   <a:ext uri="{0D108BD9-81ED-4DB2-BD59-A6C34878D82A}">
-                    <a16:rowId xmlns:a16="http://schemas.microsoft.com/office/drawing/2014/main" xmlns="" val="2911867551"/>
+                    <a16:rowId xmlns:a16="http://schemas.microsoft.com/office/drawing/2014/main" val="2911867551"/>
                   </a:ext>
                 </a:extLst>
               </a:tr>
@@ -9528,7 +9800,7 @@
                 </a:tc>
                 <a:extLst>
                   <a:ext uri="{0D108BD9-81ED-4DB2-BD59-A6C34878D82A}">
-                    <a16:rowId xmlns:a16="http://schemas.microsoft.com/office/drawing/2014/main" xmlns="" val="177464966"/>
+                    <a16:rowId xmlns:a16="http://schemas.microsoft.com/office/drawing/2014/main" val="177464966"/>
                   </a:ext>
                 </a:extLst>
               </a:tr>
@@ -9721,7 +9993,7 @@
                 </a:tc>
                 <a:extLst>
                   <a:ext uri="{0D108BD9-81ED-4DB2-BD59-A6C34878D82A}">
-                    <a16:rowId xmlns:a16="http://schemas.microsoft.com/office/drawing/2014/main" xmlns="" val="632528455"/>
+                    <a16:rowId xmlns:a16="http://schemas.microsoft.com/office/drawing/2014/main" val="632528455"/>
                   </a:ext>
                 </a:extLst>
               </a:tr>
@@ -9914,7 +10186,7 @@
                 </a:tc>
                 <a:extLst>
                   <a:ext uri="{0D108BD9-81ED-4DB2-BD59-A6C34878D82A}">
-                    <a16:rowId xmlns:a16="http://schemas.microsoft.com/office/drawing/2014/main" xmlns="" val="2046527142"/>
+                    <a16:rowId xmlns:a16="http://schemas.microsoft.com/office/drawing/2014/main" val="2046527142"/>
                   </a:ext>
                 </a:extLst>
               </a:tr>
@@ -10107,7 +10379,7 @@
                 </a:tc>
                 <a:extLst>
                   <a:ext uri="{0D108BD9-81ED-4DB2-BD59-A6C34878D82A}">
-                    <a16:rowId xmlns:a16="http://schemas.microsoft.com/office/drawing/2014/main" xmlns="" val="382375099"/>
+                    <a16:rowId xmlns:a16="http://schemas.microsoft.com/office/drawing/2014/main" val="382375099"/>
                   </a:ext>
                 </a:extLst>
               </a:tr>
@@ -10300,7 +10572,7 @@
                 </a:tc>
                 <a:extLst>
                   <a:ext uri="{0D108BD9-81ED-4DB2-BD59-A6C34878D82A}">
-                    <a16:rowId xmlns:a16="http://schemas.microsoft.com/office/drawing/2014/main" xmlns="" val="2208429546"/>
+                    <a16:rowId xmlns:a16="http://schemas.microsoft.com/office/drawing/2014/main" val="2208429546"/>
                   </a:ext>
                 </a:extLst>
               </a:tr>
@@ -10493,7 +10765,7 @@
                 </a:tc>
                 <a:extLst>
                   <a:ext uri="{0D108BD9-81ED-4DB2-BD59-A6C34878D82A}">
-                    <a16:rowId xmlns:a16="http://schemas.microsoft.com/office/drawing/2014/main" xmlns="" val="1870445223"/>
+                    <a16:rowId xmlns:a16="http://schemas.microsoft.com/office/drawing/2014/main" val="1870445223"/>
                   </a:ext>
                 </a:extLst>
               </a:tr>
@@ -10686,7 +10958,7 @@
                 </a:tc>
                 <a:extLst>
                   <a:ext uri="{0D108BD9-81ED-4DB2-BD59-A6C34878D82A}">
-                    <a16:rowId xmlns:a16="http://schemas.microsoft.com/office/drawing/2014/main" xmlns="" val="1883593474"/>
+                    <a16:rowId xmlns:a16="http://schemas.microsoft.com/office/drawing/2014/main" val="1883593474"/>
                   </a:ext>
                 </a:extLst>
               </a:tr>
@@ -10879,7 +11151,7 @@
                 </a:tc>
                 <a:extLst>
                   <a:ext uri="{0D108BD9-81ED-4DB2-BD59-A6C34878D82A}">
-                    <a16:rowId xmlns:a16="http://schemas.microsoft.com/office/drawing/2014/main" xmlns="" val="3557435199"/>
+                    <a16:rowId xmlns:a16="http://schemas.microsoft.com/office/drawing/2014/main" val="3557435199"/>
                   </a:ext>
                 </a:extLst>
               </a:tr>
@@ -11072,7 +11344,7 @@
                 </a:tc>
                 <a:extLst>
                   <a:ext uri="{0D108BD9-81ED-4DB2-BD59-A6C34878D82A}">
-                    <a16:rowId xmlns:a16="http://schemas.microsoft.com/office/drawing/2014/main" xmlns="" val="3509800554"/>
+                    <a16:rowId xmlns:a16="http://schemas.microsoft.com/office/drawing/2014/main" val="3509800554"/>
                   </a:ext>
                 </a:extLst>
               </a:tr>
@@ -11265,7 +11537,7 @@
                 </a:tc>
                 <a:extLst>
                   <a:ext uri="{0D108BD9-81ED-4DB2-BD59-A6C34878D82A}">
-                    <a16:rowId xmlns:a16="http://schemas.microsoft.com/office/drawing/2014/main" xmlns="" val="3226371014"/>
+                    <a16:rowId xmlns:a16="http://schemas.microsoft.com/office/drawing/2014/main" val="3226371014"/>
                   </a:ext>
                 </a:extLst>
               </a:tr>
@@ -11458,7 +11730,7 @@
                 </a:tc>
                 <a:extLst>
                   <a:ext uri="{0D108BD9-81ED-4DB2-BD59-A6C34878D82A}">
-                    <a16:rowId xmlns:a16="http://schemas.microsoft.com/office/drawing/2014/main" xmlns="" val="2885531028"/>
+                    <a16:rowId xmlns:a16="http://schemas.microsoft.com/office/drawing/2014/main" val="2885531028"/>
                   </a:ext>
                 </a:extLst>
               </a:tr>
@@ -11476,25 +11748,18 @@
   <p:clrMapOvr>
     <a:masterClrMapping/>
   </p:clrMapOvr>
-  <mc:AlternateContent xmlns:mc="http://schemas.openxmlformats.org/markup-compatibility/2006">
-    <mc:Choice xmlns:p14="http://schemas.microsoft.com/office/powerpoint/2010/main" Requires="p14">
+  <mc:AlternateContent xmlns:mc="http://schemas.openxmlformats.org/markup-compatibility/2006" xmlns:p14="http://schemas.microsoft.com/office/powerpoint/2010/main">
+    <mc:Choice Requires="p14">
       <p:transition spd="slow" p14:dur="1500">
         <p:split orient="vert"/>
       </p:transition>
     </mc:Choice>
-    <mc:Fallback>
+    <mc:Fallback xmlns="">
       <p:transition spd="slow">
         <p:split orient="vert"/>
       </p:transition>
     </mc:Fallback>
   </mc:AlternateContent>
-  <p:timing>
-    <p:tnLst>
-      <p:par>
-        <p:cTn id="1" dur="indefinite" restart="never" nodeType="tmRoot"/>
-      </p:par>
-    </p:tnLst>
-  </p:timing>
 </p:sld>
 </file>
 
@@ -11581,7 +11846,7 @@
         </p:nvGraphicFramePr>
         <p:xfrm>
           <a:off x="838200" y="1470989"/>
-          <a:ext cx="10515600" cy="4936754"/>
+          <a:ext cx="10515600" cy="4949644"/>
         </p:xfrm>
         <a:graphic>
           <a:graphicData uri="http://schemas.openxmlformats.org/drawingml/2006/table">
@@ -11593,42 +11858,42 @@
                 <a:gridCol w="2603500">
                   <a:extLst>
                     <a:ext uri="{9D8B030D-6E8A-4147-A177-3AD203B41FA5}">
-                      <a16:colId xmlns:a16="http://schemas.microsoft.com/office/drawing/2014/main" xmlns="" val="1078093096"/>
+                      <a16:colId xmlns:a16="http://schemas.microsoft.com/office/drawing/2014/main" val="1078093096"/>
                     </a:ext>
                   </a:extLst>
                 </a:gridCol>
                 <a:gridCol w="825500">
                   <a:extLst>
                     <a:ext uri="{9D8B030D-6E8A-4147-A177-3AD203B41FA5}">
-                      <a16:colId xmlns:a16="http://schemas.microsoft.com/office/drawing/2014/main" xmlns="" val="1038575792"/>
+                      <a16:colId xmlns:a16="http://schemas.microsoft.com/office/drawing/2014/main" val="1038575792"/>
                     </a:ext>
                   </a:extLst>
                 </a:gridCol>
                 <a:gridCol w="1663700">
                   <a:extLst>
                     <a:ext uri="{9D8B030D-6E8A-4147-A177-3AD203B41FA5}">
-                      <a16:colId xmlns:a16="http://schemas.microsoft.com/office/drawing/2014/main" xmlns="" val="3554299176"/>
+                      <a16:colId xmlns:a16="http://schemas.microsoft.com/office/drawing/2014/main" val="3554299176"/>
                     </a:ext>
                   </a:extLst>
                 </a:gridCol>
                 <a:gridCol w="1695539">
                   <a:extLst>
                     <a:ext uri="{9D8B030D-6E8A-4147-A177-3AD203B41FA5}">
-                      <a16:colId xmlns:a16="http://schemas.microsoft.com/office/drawing/2014/main" xmlns="" val="2469002569"/>
+                      <a16:colId xmlns:a16="http://schemas.microsoft.com/office/drawing/2014/main" val="2469002569"/>
                     </a:ext>
                   </a:extLst>
                 </a:gridCol>
                 <a:gridCol w="2024129">
                   <a:extLst>
                     <a:ext uri="{9D8B030D-6E8A-4147-A177-3AD203B41FA5}">
-                      <a16:colId xmlns:a16="http://schemas.microsoft.com/office/drawing/2014/main" xmlns="" val="3632475903"/>
+                      <a16:colId xmlns:a16="http://schemas.microsoft.com/office/drawing/2014/main" val="3632475903"/>
                     </a:ext>
                   </a:extLst>
                 </a:gridCol>
                 <a:gridCol w="1703232">
                   <a:extLst>
                     <a:ext uri="{9D8B030D-6E8A-4147-A177-3AD203B41FA5}">
-                      <a16:colId xmlns:a16="http://schemas.microsoft.com/office/drawing/2014/main" xmlns="" val="2658321754"/>
+                      <a16:colId xmlns:a16="http://schemas.microsoft.com/office/drawing/2014/main" val="2658321754"/>
                     </a:ext>
                   </a:extLst>
                 </a:gridCol>
@@ -11834,7 +12099,7 @@
                 </a:tc>
                 <a:extLst>
                   <a:ext uri="{0D108BD9-81ED-4DB2-BD59-A6C34878D82A}">
-                    <a16:rowId xmlns:a16="http://schemas.microsoft.com/office/drawing/2014/main" xmlns="" val="24043180"/>
+                    <a16:rowId xmlns:a16="http://schemas.microsoft.com/office/drawing/2014/main" val="24043180"/>
                   </a:ext>
                 </a:extLst>
               </a:tr>
@@ -11972,7 +12237,7 @@
                 </a:tc>
                 <a:extLst>
                   <a:ext uri="{0D108BD9-81ED-4DB2-BD59-A6C34878D82A}">
-                    <a16:rowId xmlns:a16="http://schemas.microsoft.com/office/drawing/2014/main" xmlns="" val="2399363568"/>
+                    <a16:rowId xmlns:a16="http://schemas.microsoft.com/office/drawing/2014/main" val="2399363568"/>
                   </a:ext>
                 </a:extLst>
               </a:tr>
@@ -12128,7 +12393,7 @@
                 </a:tc>
                 <a:extLst>
                   <a:ext uri="{0D108BD9-81ED-4DB2-BD59-A6C34878D82A}">
-                    <a16:rowId xmlns:a16="http://schemas.microsoft.com/office/drawing/2014/main" xmlns="" val="223198728"/>
+                    <a16:rowId xmlns:a16="http://schemas.microsoft.com/office/drawing/2014/main" val="223198728"/>
                   </a:ext>
                 </a:extLst>
               </a:tr>
@@ -12272,7 +12537,7 @@
                 </a:tc>
                 <a:extLst>
                   <a:ext uri="{0D108BD9-81ED-4DB2-BD59-A6C34878D82A}">
-                    <a16:rowId xmlns:a16="http://schemas.microsoft.com/office/drawing/2014/main" xmlns="" val="3428431421"/>
+                    <a16:rowId xmlns:a16="http://schemas.microsoft.com/office/drawing/2014/main" val="3428431421"/>
                   </a:ext>
                 </a:extLst>
               </a:tr>
@@ -12416,7 +12681,7 @@
                 </a:tc>
                 <a:extLst>
                   <a:ext uri="{0D108BD9-81ED-4DB2-BD59-A6C34878D82A}">
-                    <a16:rowId xmlns:a16="http://schemas.microsoft.com/office/drawing/2014/main" xmlns="" val="3966234549"/>
+                    <a16:rowId xmlns:a16="http://schemas.microsoft.com/office/drawing/2014/main" val="3966234549"/>
                   </a:ext>
                 </a:extLst>
               </a:tr>
@@ -12554,7 +12819,7 @@
                 </a:tc>
                 <a:extLst>
                   <a:ext uri="{0D108BD9-81ED-4DB2-BD59-A6C34878D82A}">
-                    <a16:rowId xmlns:a16="http://schemas.microsoft.com/office/drawing/2014/main" xmlns="" val="3022533100"/>
+                    <a16:rowId xmlns:a16="http://schemas.microsoft.com/office/drawing/2014/main" val="3022533100"/>
                   </a:ext>
                 </a:extLst>
               </a:tr>
@@ -12692,7 +12957,7 @@
                 </a:tc>
                 <a:extLst>
                   <a:ext uri="{0D108BD9-81ED-4DB2-BD59-A6C34878D82A}">
-                    <a16:rowId xmlns:a16="http://schemas.microsoft.com/office/drawing/2014/main" xmlns="" val="670975741"/>
+                    <a16:rowId xmlns:a16="http://schemas.microsoft.com/office/drawing/2014/main" val="670975741"/>
                   </a:ext>
                 </a:extLst>
               </a:tr>
@@ -12830,7 +13095,7 @@
                 </a:tc>
                 <a:extLst>
                   <a:ext uri="{0D108BD9-81ED-4DB2-BD59-A6C34878D82A}">
-                    <a16:rowId xmlns:a16="http://schemas.microsoft.com/office/drawing/2014/main" xmlns="" val="2911867551"/>
+                    <a16:rowId xmlns:a16="http://schemas.microsoft.com/office/drawing/2014/main" val="2911867551"/>
                   </a:ext>
                 </a:extLst>
               </a:tr>
@@ -12968,7 +13233,7 @@
                 </a:tc>
                 <a:extLst>
                   <a:ext uri="{0D108BD9-81ED-4DB2-BD59-A6C34878D82A}">
-                    <a16:rowId xmlns:a16="http://schemas.microsoft.com/office/drawing/2014/main" xmlns="" val="177464966"/>
+                    <a16:rowId xmlns:a16="http://schemas.microsoft.com/office/drawing/2014/main" val="177464966"/>
                   </a:ext>
                 </a:extLst>
               </a:tr>
@@ -13106,7 +13371,7 @@
                 </a:tc>
                 <a:extLst>
                   <a:ext uri="{0D108BD9-81ED-4DB2-BD59-A6C34878D82A}">
-                    <a16:rowId xmlns:a16="http://schemas.microsoft.com/office/drawing/2014/main" xmlns="" val="632528455"/>
+                    <a16:rowId xmlns:a16="http://schemas.microsoft.com/office/drawing/2014/main" val="632528455"/>
                   </a:ext>
                 </a:extLst>
               </a:tr>
@@ -13244,7 +13509,7 @@
                 </a:tc>
                 <a:extLst>
                   <a:ext uri="{0D108BD9-81ED-4DB2-BD59-A6C34878D82A}">
-                    <a16:rowId xmlns:a16="http://schemas.microsoft.com/office/drawing/2014/main" xmlns="" val="2046527142"/>
+                    <a16:rowId xmlns:a16="http://schemas.microsoft.com/office/drawing/2014/main" val="2046527142"/>
                   </a:ext>
                 </a:extLst>
               </a:tr>
@@ -13382,7 +13647,7 @@
                 </a:tc>
                 <a:extLst>
                   <a:ext uri="{0D108BD9-81ED-4DB2-BD59-A6C34878D82A}">
-                    <a16:rowId xmlns:a16="http://schemas.microsoft.com/office/drawing/2014/main" xmlns="" val="382375099"/>
+                    <a16:rowId xmlns:a16="http://schemas.microsoft.com/office/drawing/2014/main" val="382375099"/>
                   </a:ext>
                 </a:extLst>
               </a:tr>
@@ -13520,7 +13785,7 @@
                 </a:tc>
                 <a:extLst>
                   <a:ext uri="{0D108BD9-81ED-4DB2-BD59-A6C34878D82A}">
-                    <a16:rowId xmlns:a16="http://schemas.microsoft.com/office/drawing/2014/main" xmlns="" val="2208429546"/>
+                    <a16:rowId xmlns:a16="http://schemas.microsoft.com/office/drawing/2014/main" val="2208429546"/>
                   </a:ext>
                 </a:extLst>
               </a:tr>
@@ -13658,7 +13923,7 @@
                 </a:tc>
                 <a:extLst>
                   <a:ext uri="{0D108BD9-81ED-4DB2-BD59-A6C34878D82A}">
-                    <a16:rowId xmlns:a16="http://schemas.microsoft.com/office/drawing/2014/main" xmlns="" val="1870445223"/>
+                    <a16:rowId xmlns:a16="http://schemas.microsoft.com/office/drawing/2014/main" val="1870445223"/>
                   </a:ext>
                 </a:extLst>
               </a:tr>
@@ -13796,7 +14061,7 @@
                 </a:tc>
                 <a:extLst>
                   <a:ext uri="{0D108BD9-81ED-4DB2-BD59-A6C34878D82A}">
-                    <a16:rowId xmlns:a16="http://schemas.microsoft.com/office/drawing/2014/main" xmlns="" val="1883593474"/>
+                    <a16:rowId xmlns:a16="http://schemas.microsoft.com/office/drawing/2014/main" val="1883593474"/>
                   </a:ext>
                 </a:extLst>
               </a:tr>
@@ -13934,7 +14199,7 @@
                 </a:tc>
                 <a:extLst>
                   <a:ext uri="{0D108BD9-81ED-4DB2-BD59-A6C34878D82A}">
-                    <a16:rowId xmlns:a16="http://schemas.microsoft.com/office/drawing/2014/main" xmlns="" val="3557435199"/>
+                    <a16:rowId xmlns:a16="http://schemas.microsoft.com/office/drawing/2014/main" val="3557435199"/>
                   </a:ext>
                 </a:extLst>
               </a:tr>
@@ -14072,7 +14337,7 @@
                 </a:tc>
                 <a:extLst>
                   <a:ext uri="{0D108BD9-81ED-4DB2-BD59-A6C34878D82A}">
-                    <a16:rowId xmlns:a16="http://schemas.microsoft.com/office/drawing/2014/main" xmlns="" val="3509800554"/>
+                    <a16:rowId xmlns:a16="http://schemas.microsoft.com/office/drawing/2014/main" val="3509800554"/>
                   </a:ext>
                 </a:extLst>
               </a:tr>
@@ -14210,7 +14475,7 @@
                 </a:tc>
                 <a:extLst>
                   <a:ext uri="{0D108BD9-81ED-4DB2-BD59-A6C34878D82A}">
-                    <a16:rowId xmlns:a16="http://schemas.microsoft.com/office/drawing/2014/main" xmlns="" val="3226371014"/>
+                    <a16:rowId xmlns:a16="http://schemas.microsoft.com/office/drawing/2014/main" val="3226371014"/>
                   </a:ext>
                 </a:extLst>
               </a:tr>
@@ -14348,7 +14613,7 @@
                 </a:tc>
                 <a:extLst>
                   <a:ext uri="{0D108BD9-81ED-4DB2-BD59-A6C34878D82A}">
-                    <a16:rowId xmlns:a16="http://schemas.microsoft.com/office/drawing/2014/main" xmlns="" val="2885531028"/>
+                    <a16:rowId xmlns:a16="http://schemas.microsoft.com/office/drawing/2014/main" val="2885531028"/>
                   </a:ext>
                 </a:extLst>
               </a:tr>
@@ -14366,25 +14631,18 @@
   <p:clrMapOvr>
     <a:masterClrMapping/>
   </p:clrMapOvr>
-  <mc:AlternateContent xmlns:mc="http://schemas.openxmlformats.org/markup-compatibility/2006">
-    <mc:Choice xmlns:p14="http://schemas.microsoft.com/office/powerpoint/2010/main" Requires="p14">
+  <mc:AlternateContent xmlns:mc="http://schemas.openxmlformats.org/markup-compatibility/2006" xmlns:p14="http://schemas.microsoft.com/office/powerpoint/2010/main">
+    <mc:Choice Requires="p14">
       <p:transition spd="slow" p14:dur="1500">
         <p:split orient="vert"/>
       </p:transition>
     </mc:Choice>
-    <mc:Fallback>
+    <mc:Fallback xmlns="">
       <p:transition spd="slow">
         <p:split orient="vert"/>
       </p:transition>
     </mc:Fallback>
   </mc:AlternateContent>
-  <p:timing>
-    <p:tnLst>
-      <p:par>
-        <p:cTn id="1" dur="indefinite" restart="never" nodeType="tmRoot"/>
-      </p:par>
-    </p:tnLst>
-  </p:timing>
 </p:sld>
 </file>
 
@@ -14475,25 +14733,18 @@
   <p:clrMapOvr>
     <a:masterClrMapping/>
   </p:clrMapOvr>
-  <mc:AlternateContent xmlns:mc="http://schemas.openxmlformats.org/markup-compatibility/2006">
-    <mc:Choice xmlns:p14="http://schemas.microsoft.com/office/powerpoint/2010/main" Requires="p14">
+  <mc:AlternateContent xmlns:mc="http://schemas.openxmlformats.org/markup-compatibility/2006" xmlns:p14="http://schemas.microsoft.com/office/powerpoint/2010/main">
+    <mc:Choice Requires="p14">
       <p:transition spd="slow" p14:dur="1500">
         <p:split orient="vert"/>
       </p:transition>
     </mc:Choice>
-    <mc:Fallback>
+    <mc:Fallback xmlns="">
       <p:transition spd="slow">
         <p:split orient="vert"/>
       </p:transition>
     </mc:Fallback>
   </mc:AlternateContent>
-  <p:timing>
-    <p:tnLst>
-      <p:par>
-        <p:cTn id="1" dur="indefinite" restart="never" nodeType="tmRoot"/>
-      </p:par>
-    </p:tnLst>
-  </p:timing>
 </p:sld>
 </file>
 
@@ -14775,25 +15026,18 @@
   <p:clrMapOvr>
     <a:masterClrMapping/>
   </p:clrMapOvr>
-  <mc:AlternateContent xmlns:mc="http://schemas.openxmlformats.org/markup-compatibility/2006">
-    <mc:Choice xmlns:p14="http://schemas.microsoft.com/office/powerpoint/2010/main" Requires="p14">
+  <mc:AlternateContent xmlns:mc="http://schemas.openxmlformats.org/markup-compatibility/2006" xmlns:p14="http://schemas.microsoft.com/office/powerpoint/2010/main">
+    <mc:Choice Requires="p14">
       <p:transition spd="slow" p14:dur="1500">
         <p:split orient="vert"/>
       </p:transition>
     </mc:Choice>
-    <mc:Fallback>
+    <mc:Fallback xmlns="">
       <p:transition spd="slow">
         <p:split orient="vert"/>
       </p:transition>
     </mc:Fallback>
   </mc:AlternateContent>
-  <p:timing>
-    <p:tnLst>
-      <p:par>
-        <p:cTn id="1" dur="indefinite" restart="never" nodeType="tmRoot"/>
-      </p:par>
-    </p:tnLst>
-  </p:timing>
 </p:sld>
 </file>
 
@@ -14824,47 +15068,31 @@
             <p:ph type="title"/>
           </p:nvPr>
         </p:nvSpPr>
-        <p:spPr/>
+        <p:spPr>
+          <a:xfrm>
+            <a:off x="1560095" y="1772822"/>
+            <a:ext cx="8630653" cy="1740401"/>
+          </a:xfrm>
+        </p:spPr>
         <p:txBody>
           <a:bodyPr/>
           <a:lstStyle/>
           <a:p>
             <a:r>
+              <a:rPr lang="en-US" dirty="0"/>
+              <a:t>Problem </a:t>
+            </a:r>
+            <a:r>
               <a:rPr lang="en-US" dirty="0" err="1"/>
-              <a:t>Pelajaran</a:t>
+              <a:t>dan</a:t>
             </a:r>
             <a:r>
               <a:rPr lang="en-US" dirty="0"/>
-              <a:t> yang kami </a:t>
+              <a:t> Solving </a:t>
             </a:r>
             <a:r>
               <a:rPr lang="en-US" dirty="0" err="1"/>
-              <a:t>dapatkan</a:t>
-            </a:r>
-            <a:endParaRPr lang="en-US" dirty="0"/>
-          </a:p>
-        </p:txBody>
-      </p:sp>
-      <p:sp>
-        <p:nvSpPr>
-          <p:cNvPr id="3" name="Content Placeholder 2"/>
-          <p:cNvSpPr>
-            <a:spLocks noGrp="1"/>
-          </p:cNvSpPr>
-          <p:nvPr>
-            <p:ph idx="1"/>
-          </p:nvPr>
-        </p:nvSpPr>
-        <p:spPr/>
-        <p:txBody>
-          <a:bodyPr>
-            <a:normAutofit/>
-          </a:bodyPr>
-          <a:lstStyle/>
-          <a:p>
-            <a:r>
-              <a:rPr lang="en-US" dirty="0" err="1"/>
-              <a:t>Belajar</a:t>
+              <a:t>Setiap</a:t>
             </a:r>
             <a:r>
               <a:rPr lang="en-US" dirty="0"/>
@@ -14872,339 +15100,33 @@
             </a:r>
             <a:r>
               <a:rPr lang="en-US" dirty="0" err="1"/>
-              <a:t>Mengatur</a:t>
+              <a:t>Divisi</a:t>
             </a:r>
             <a:r>
               <a:rPr lang="en-US" dirty="0"/>
-              <a:t> </a:t>
-            </a:r>
-            <a:r>
-              <a:rPr lang="en-US" dirty="0" err="1"/>
-              <a:t>Waktu</a:t>
-            </a:r>
-            <a:r>
-              <a:rPr lang="en-US" dirty="0"/>
-              <a:t>, </a:t>
-            </a:r>
-            <a:r>
-              <a:rPr lang="en-US" dirty="0" err="1"/>
-              <a:t>dan</a:t>
-            </a:r>
-            <a:r>
-              <a:rPr lang="en-US" dirty="0"/>
-              <a:t> </a:t>
-            </a:r>
-            <a:r>
-              <a:rPr lang="en-US" dirty="0" err="1"/>
-              <a:t>Prioritas</a:t>
-            </a:r>
-            <a:r>
-              <a:rPr lang="en-US" dirty="0"/>
-              <a:t>.</a:t>
-            </a:r>
-          </a:p>
-          <a:p>
-            <a:r>
-              <a:rPr lang="en-US" dirty="0" err="1"/>
-              <a:t>Belajar</a:t>
-            </a:r>
-            <a:r>
-              <a:rPr lang="en-US" dirty="0"/>
-              <a:t> </a:t>
-            </a:r>
-            <a:r>
-              <a:rPr lang="en-US" dirty="0" err="1"/>
-              <a:t>untuk</a:t>
-            </a:r>
-            <a:r>
-              <a:rPr lang="en-US" dirty="0"/>
-              <a:t> </a:t>
-            </a:r>
-            <a:r>
-              <a:rPr lang="en-US" dirty="0" err="1"/>
-              <a:t>saling</a:t>
-            </a:r>
-            <a:r>
-              <a:rPr lang="en-US" dirty="0"/>
-              <a:t> </a:t>
-            </a:r>
-            <a:r>
-              <a:rPr lang="en-US" dirty="0" err="1"/>
-              <a:t>memahami</a:t>
-            </a:r>
-            <a:r>
-              <a:rPr lang="en-US" dirty="0"/>
-              <a:t> </a:t>
-            </a:r>
-            <a:r>
-              <a:rPr lang="en-US" dirty="0" err="1"/>
-              <a:t>dan</a:t>
-            </a:r>
-            <a:r>
-              <a:rPr lang="en-US" dirty="0"/>
-              <a:t> </a:t>
-            </a:r>
-            <a:r>
-              <a:rPr lang="en-US" dirty="0" err="1"/>
-              <a:t>menghargai</a:t>
-            </a:r>
-            <a:r>
-              <a:rPr lang="en-US" dirty="0"/>
-              <a:t> </a:t>
-            </a:r>
-            <a:r>
-              <a:rPr lang="en-US" dirty="0" err="1"/>
-              <a:t>serta</a:t>
-            </a:r>
-            <a:r>
-              <a:rPr lang="en-US" dirty="0"/>
-              <a:t> </a:t>
-            </a:r>
-            <a:r>
-              <a:rPr lang="en-US" dirty="0" err="1"/>
-              <a:t>mendukung</a:t>
-            </a:r>
-            <a:r>
-              <a:rPr lang="en-US" dirty="0"/>
-              <a:t> </a:t>
-            </a:r>
-            <a:r>
-              <a:rPr lang="en-US" dirty="0" err="1"/>
-              <a:t>satu</a:t>
-            </a:r>
-            <a:r>
-              <a:rPr lang="en-US" dirty="0"/>
-              <a:t> </a:t>
-            </a:r>
-            <a:r>
-              <a:rPr lang="en-US" dirty="0" err="1"/>
-              <a:t>sama</a:t>
-            </a:r>
-            <a:r>
-              <a:rPr lang="en-US" dirty="0"/>
-              <a:t> lain.</a:t>
-            </a:r>
-          </a:p>
-          <a:p>
-            <a:r>
-              <a:rPr lang="en-US" dirty="0" err="1"/>
-              <a:t>Belajar</a:t>
-            </a:r>
-            <a:r>
-              <a:rPr lang="en-US" dirty="0"/>
-              <a:t> </a:t>
-            </a:r>
-            <a:r>
-              <a:rPr lang="en-US" dirty="0" err="1"/>
-              <a:t>berkomunikasi</a:t>
-            </a:r>
-            <a:r>
-              <a:rPr lang="en-US" dirty="0"/>
-              <a:t> yang </a:t>
-            </a:r>
-            <a:r>
-              <a:rPr lang="en-US" dirty="0" err="1"/>
-              <a:t>baik</a:t>
-            </a:r>
-            <a:r>
-              <a:rPr lang="en-US" dirty="0"/>
-              <a:t> </a:t>
-            </a:r>
-            <a:r>
-              <a:rPr lang="en-US" dirty="0" err="1"/>
-              <a:t>dengan</a:t>
-            </a:r>
-            <a:r>
-              <a:rPr lang="en-US" dirty="0"/>
-              <a:t> orang lain.</a:t>
-            </a:r>
-          </a:p>
-          <a:p>
-            <a:r>
-              <a:rPr lang="en-US" dirty="0" err="1"/>
-              <a:t>Belajar</a:t>
-            </a:r>
-            <a:r>
-              <a:rPr lang="en-US" dirty="0"/>
-              <a:t> </a:t>
-            </a:r>
-            <a:r>
-              <a:rPr lang="en-US" dirty="0" err="1"/>
-              <a:t>Ikhlas</a:t>
-            </a:r>
-            <a:r>
-              <a:rPr lang="en-US" dirty="0"/>
-              <a:t> </a:t>
-            </a:r>
-            <a:r>
-              <a:rPr lang="en-US" dirty="0" err="1"/>
-              <a:t>dan</a:t>
-            </a:r>
-            <a:r>
-              <a:rPr lang="en-US" dirty="0"/>
-              <a:t> </a:t>
-            </a:r>
-            <a:r>
-              <a:rPr lang="en-US" dirty="0" err="1"/>
-              <a:t>sabar</a:t>
-            </a:r>
-            <a:r>
-              <a:rPr lang="en-US" dirty="0"/>
-              <a:t>.</a:t>
-            </a:r>
-          </a:p>
-          <a:p>
-            <a:r>
-              <a:rPr lang="en-US" dirty="0" err="1"/>
-              <a:t>Belajar</a:t>
-            </a:r>
-            <a:r>
-              <a:rPr lang="en-US" dirty="0"/>
-              <a:t> </a:t>
-            </a:r>
-            <a:r>
-              <a:rPr lang="en-US" dirty="0" err="1"/>
-              <a:t>bertanggung</a:t>
-            </a:r>
-            <a:r>
-              <a:rPr lang="en-US" dirty="0"/>
-              <a:t> </a:t>
-            </a:r>
-            <a:r>
-              <a:rPr lang="en-US" dirty="0" err="1"/>
-              <a:t>jawab</a:t>
-            </a:r>
-            <a:r>
-              <a:rPr lang="en-US" dirty="0"/>
-              <a:t> </a:t>
-            </a:r>
-            <a:r>
-              <a:rPr lang="en-US" dirty="0" err="1"/>
-              <a:t>atas</a:t>
-            </a:r>
-            <a:r>
-              <a:rPr lang="en-US" dirty="0"/>
-              <a:t> </a:t>
-            </a:r>
-            <a:r>
-              <a:rPr lang="en-US" dirty="0" err="1"/>
-              <a:t>setiap</a:t>
-            </a:r>
-            <a:r>
-              <a:rPr lang="en-US" dirty="0"/>
-              <a:t> </a:t>
-            </a:r>
-            <a:r>
-              <a:rPr lang="en-US" dirty="0" err="1"/>
-              <a:t>tugas</a:t>
-            </a:r>
-            <a:r>
-              <a:rPr lang="en-US" dirty="0"/>
-              <a:t> yang </a:t>
-            </a:r>
-            <a:r>
-              <a:rPr lang="en-US" dirty="0" err="1"/>
-              <a:t>diberikan</a:t>
-            </a:r>
-            <a:r>
-              <a:rPr lang="en-US" dirty="0"/>
-              <a:t>.</a:t>
-            </a:r>
-          </a:p>
-          <a:p>
-            <a:r>
-              <a:rPr lang="en-US" dirty="0" err="1"/>
-              <a:t>Belajar</a:t>
-            </a:r>
-            <a:r>
-              <a:rPr lang="en-US" dirty="0"/>
-              <a:t> </a:t>
-            </a:r>
-            <a:r>
-              <a:rPr lang="en-US" dirty="0" err="1"/>
-              <a:t>materi</a:t>
-            </a:r>
-            <a:r>
-              <a:rPr lang="en-US" dirty="0"/>
-              <a:t> </a:t>
-            </a:r>
-            <a:r>
-              <a:rPr lang="en-US" dirty="0" err="1"/>
-              <a:t>baru</a:t>
-            </a:r>
-            <a:r>
-              <a:rPr lang="en-US" dirty="0"/>
-              <a:t>.</a:t>
-            </a:r>
-          </a:p>
-          <a:p>
-            <a:r>
-              <a:rPr lang="en-US" dirty="0" err="1"/>
-              <a:t>Belajar</a:t>
-            </a:r>
-            <a:r>
-              <a:rPr lang="en-US" dirty="0"/>
-              <a:t> </a:t>
-            </a:r>
-            <a:r>
-              <a:rPr lang="en-US" dirty="0" err="1"/>
-              <a:t>berkerja</a:t>
-            </a:r>
-            <a:r>
-              <a:rPr lang="en-US" dirty="0"/>
-              <a:t> </a:t>
-            </a:r>
-            <a:r>
-              <a:rPr lang="en-US" dirty="0" err="1"/>
-              <a:t>dalam</a:t>
-            </a:r>
-            <a:r>
-              <a:rPr lang="en-US" dirty="0"/>
-              <a:t> </a:t>
-            </a:r>
-            <a:r>
-              <a:rPr lang="en-US" dirty="0" err="1"/>
-              <a:t>tim</a:t>
-            </a:r>
-            <a:endParaRPr lang="en-US" dirty="0"/>
-          </a:p>
-          <a:p>
-            <a:endParaRPr lang="en-US" dirty="0"/>
-          </a:p>
-          <a:p>
-            <a:endParaRPr lang="en-US" dirty="0"/>
+              <a:t>  </a:t>
+            </a:r>
+            <a:endParaRPr lang="id-ID" dirty="0"/>
           </a:p>
         </p:txBody>
       </p:sp>
     </p:spTree>
-    <p:extLst>
-      <p:ext uri="{BB962C8B-B14F-4D97-AF65-F5344CB8AC3E}">
-        <p14:creationId xmlns:p14="http://schemas.microsoft.com/office/powerpoint/2010/main" val="3912534661"/>
-      </p:ext>
-    </p:extLst>
   </p:cSld>
   <p:clrMapOvr>
     <a:masterClrMapping/>
   </p:clrMapOvr>
-  <mc:AlternateContent xmlns:mc="http://schemas.openxmlformats.org/markup-compatibility/2006">
-    <mc:Choice xmlns:p14="http://schemas.microsoft.com/office/powerpoint/2010/main" Requires="p14">
+  <mc:AlternateContent xmlns:mc="http://schemas.openxmlformats.org/markup-compatibility/2006" xmlns:p14="http://schemas.microsoft.com/office/powerpoint/2010/main">
+    <mc:Choice Requires="p14">
       <p:transition spd="slow" p14:dur="1500">
         <p:split orient="vert"/>
       </p:transition>
     </mc:Choice>
-    <mc:Fallback>
+    <mc:Fallback xmlns="">
       <p:transition spd="slow">
         <p:split orient="vert"/>
       </p:transition>
     </mc:Fallback>
   </mc:AlternateContent>
-  <p:timing>
-    <p:tnLst>
-      <p:par>
-        <p:cTn id="1" dur="indefinite" restart="never" nodeType="tmRoot"/>
-      </p:par>
-    </p:tnLst>
-  </p:timing>
 </p:sld>
 </file>
 
